--- a/Meetings & Official Documents/20180327_Meeting10.pptx
+++ b/Meetings & Official Documents/20180327_Meeting10.pptx
@@ -5,7 +5,7 @@
     <p:sldMasterId id="2147483648" r:id="rId1"/>
   </p:sldMasterIdLst>
   <p:notesMasterIdLst>
-    <p:notesMasterId r:id="rId28"/>
+    <p:notesMasterId r:id="rId30"/>
   </p:notesMasterIdLst>
   <p:sldIdLst>
     <p:sldId id="256" r:id="rId2"/>
@@ -27,13 +27,15 @@
     <p:sldId id="272" r:id="rId18"/>
     <p:sldId id="274" r:id="rId19"/>
     <p:sldId id="277" r:id="rId20"/>
-    <p:sldId id="285" r:id="rId21"/>
-    <p:sldId id="278" r:id="rId22"/>
-    <p:sldId id="288" r:id="rId23"/>
-    <p:sldId id="284" r:id="rId24"/>
-    <p:sldId id="283" r:id="rId25"/>
-    <p:sldId id="270" r:id="rId26"/>
-    <p:sldId id="267" r:id="rId27"/>
+    <p:sldId id="293" r:id="rId21"/>
+    <p:sldId id="291" r:id="rId22"/>
+    <p:sldId id="285" r:id="rId23"/>
+    <p:sldId id="278" r:id="rId24"/>
+    <p:sldId id="288" r:id="rId25"/>
+    <p:sldId id="284" r:id="rId26"/>
+    <p:sldId id="283" r:id="rId27"/>
+    <p:sldId id="270" r:id="rId28"/>
+    <p:sldId id="267" r:id="rId29"/>
   </p:sldIdLst>
   <p:sldSz cx="12192000" cy="6858000"/>
   <p:notesSz cx="6858000" cy="9144000"/>
@@ -535,28 +537,32 @@
           <a:lstStyle/>
           <a:p>
             <a:r>
-              <a:rPr lang="nl-BE" dirty="0" err="1"/>
-              <a:t>Mean</a:t>
-            </a:r>
-            <a:r>
-              <a:rPr lang="nl-BE" dirty="0"/>
-              <a:t> ( </a:t>
-            </a:r>
-            <a:r>
-              <a:rPr lang="nl-BE" dirty="0" err="1"/>
-              <a:t>Pelec</a:t>
-            </a:r>
-            <a:r>
-              <a:rPr lang="nl-BE" dirty="0"/>
-              <a:t> / </a:t>
-            </a:r>
-            <a:r>
-              <a:rPr lang="nl-BE" dirty="0" err="1"/>
-              <a:t>Pfrom</a:t>
-            </a:r>
-            <a:r>
-              <a:rPr lang="nl-BE" dirty="0"/>
-              <a:t> power curve)=1,844</a:t>
+              <a:rPr lang="nl-BE" dirty="0"/>
+              <a:t>DTU10MW turbine </a:t>
+            </a:r>
+            <a:r>
+              <a:rPr lang="nl-BE" dirty="0" err="1"/>
+              <a:t>scaled</a:t>
+            </a:r>
+            <a:r>
+              <a:rPr lang="nl-BE" dirty="0"/>
+              <a:t> (red) </a:t>
+            </a:r>
+            <a:r>
+              <a:rPr lang="nl-BE" dirty="0" err="1"/>
+              <a:t>to</a:t>
+            </a:r>
+            <a:r>
+              <a:rPr lang="nl-BE" dirty="0"/>
+              <a:t> WMR wind turbine (black): matches </a:t>
+            </a:r>
+            <a:r>
+              <a:rPr lang="nl-BE" dirty="0" err="1"/>
+              <a:t>very</a:t>
+            </a:r>
+            <a:r>
+              <a:rPr lang="nl-BE" dirty="0"/>
+              <a:t> close</a:t>
             </a:r>
           </a:p>
         </p:txBody>
@@ -578,7 +584,7 @@
           <a:p>
             <a:fld id="{88835D12-5DBE-474A-86FF-9EDC2C0F6F5D}" type="slidenum">
               <a:rPr lang="nl-BE" smtClean="0"/>
-              <a:t>4</a:t>
+              <a:t>3</a:t>
             </a:fld>
             <a:endParaRPr lang="nl-BE"/>
           </a:p>
@@ -587,7 +593,1709 @@
     </p:spTree>
     <p:extLst>
       <p:ext uri="{BB962C8B-B14F-4D97-AF65-F5344CB8AC3E}">
-        <p14:creationId xmlns:p14="http://schemas.microsoft.com/office/powerpoint/2010/main" val="3165265835"/>
+        <p14:creationId xmlns:p14="http://schemas.microsoft.com/office/powerpoint/2010/main" val="3908513201"/>
+      </p:ext>
+    </p:extLst>
+  </p:cSld>
+  <p:clrMapOvr>
+    <a:masterClrMapping/>
+  </p:clrMapOvr>
+</p:notes>
+</file>
+
+<file path=ppt/notesSlides/notesSlide10.xml><?xml version="1.0" encoding="utf-8"?>
+<p:notes xmlns:a="http://schemas.openxmlformats.org/drawingml/2006/main" xmlns:r="http://schemas.openxmlformats.org/officeDocument/2006/relationships" xmlns:p="http://schemas.openxmlformats.org/presentationml/2006/main">
+  <p:cSld>
+    <p:spTree>
+      <p:nvGrpSpPr>
+        <p:cNvPr id="1" name=""/>
+        <p:cNvGrpSpPr/>
+        <p:nvPr/>
+      </p:nvGrpSpPr>
+      <p:grpSpPr>
+        <a:xfrm>
+          <a:off x="0" y="0"/>
+          <a:ext cx="0" cy="0"/>
+          <a:chOff x="0" y="0"/>
+          <a:chExt cx="0" cy="0"/>
+        </a:xfrm>
+      </p:grpSpPr>
+      <p:sp>
+        <p:nvSpPr>
+          <p:cNvPr id="2" name="Tijdelijke aanduiding voor dia-afbeelding 1"/>
+          <p:cNvSpPr>
+            <a:spLocks noGrp="1" noRot="1" noChangeAspect="1"/>
+          </p:cNvSpPr>
+          <p:nvPr>
+            <p:ph type="sldImg"/>
+          </p:nvPr>
+        </p:nvSpPr>
+        <p:spPr/>
+      </p:sp>
+      <p:sp>
+        <p:nvSpPr>
+          <p:cNvPr id="3" name="Tijdelijke aanduiding voor notities 2"/>
+          <p:cNvSpPr>
+            <a:spLocks noGrp="1"/>
+          </p:cNvSpPr>
+          <p:nvPr>
+            <p:ph type="body" idx="1"/>
+          </p:nvPr>
+        </p:nvSpPr>
+        <p:spPr/>
+        <p:txBody>
+          <a:bodyPr/>
+          <a:lstStyle/>
+          <a:p>
+            <a:pPr marL="171450" indent="-171450">
+              <a:buFontTx/>
+              <a:buChar char="-"/>
+            </a:pPr>
+            <a:r>
+              <a:rPr lang="nl-BE" dirty="0"/>
+              <a:t>Wind speeds at 100m</a:t>
+            </a:r>
+          </a:p>
+          <a:p>
+            <a:pPr marL="171450" indent="-171450">
+              <a:buFontTx/>
+              <a:buChar char="-"/>
+            </a:pPr>
+            <a:r>
+              <a:rPr lang="nl-BE" dirty="0"/>
+              <a:t>Wind speeds at 106m</a:t>
+            </a:r>
+          </a:p>
+          <a:p>
+            <a:pPr marL="171450" indent="-171450">
+              <a:buFontTx/>
+              <a:buChar char="-"/>
+            </a:pPr>
+            <a:r>
+              <a:rPr lang="nl-BE" dirty="0"/>
+              <a:t>Upstream </a:t>
+            </a:r>
+            <a:r>
+              <a:rPr lang="nl-BE" dirty="0" err="1"/>
+              <a:t>locations</a:t>
+            </a:r>
+            <a:r>
+              <a:rPr lang="nl-BE" dirty="0"/>
+              <a:t>: -5D, -4D, -3D, -2D </a:t>
+            </a:r>
+            <a:r>
+              <a:rPr lang="nl-BE" dirty="0" err="1"/>
+              <a:t>and</a:t>
+            </a:r>
+            <a:r>
+              <a:rPr lang="nl-BE" dirty="0"/>
+              <a:t> -D</a:t>
+            </a:r>
+          </a:p>
+        </p:txBody>
+      </p:sp>
+      <p:sp>
+        <p:nvSpPr>
+          <p:cNvPr id="4" name="Tijdelijke aanduiding voor dianummer 3"/>
+          <p:cNvSpPr>
+            <a:spLocks noGrp="1"/>
+          </p:cNvSpPr>
+          <p:nvPr>
+            <p:ph type="sldNum" sz="quarter" idx="10"/>
+          </p:nvPr>
+        </p:nvSpPr>
+        <p:spPr/>
+        <p:txBody>
+          <a:bodyPr/>
+          <a:lstStyle/>
+          <a:p>
+            <a:fld id="{88835D12-5DBE-474A-86FF-9EDC2C0F6F5D}" type="slidenum">
+              <a:rPr lang="nl-BE" smtClean="0"/>
+              <a:t>14</a:t>
+            </a:fld>
+            <a:endParaRPr lang="nl-BE"/>
+          </a:p>
+        </p:txBody>
+      </p:sp>
+    </p:spTree>
+    <p:extLst>
+      <p:ext uri="{BB962C8B-B14F-4D97-AF65-F5344CB8AC3E}">
+        <p14:creationId xmlns:p14="http://schemas.microsoft.com/office/powerpoint/2010/main" val="1727857776"/>
+      </p:ext>
+    </p:extLst>
+  </p:cSld>
+  <p:clrMapOvr>
+    <a:masterClrMapping/>
+  </p:clrMapOvr>
+</p:notes>
+</file>
+
+<file path=ppt/notesSlides/notesSlide11.xml><?xml version="1.0" encoding="utf-8"?>
+<p:notes xmlns:a="http://schemas.openxmlformats.org/drawingml/2006/main" xmlns:r="http://schemas.openxmlformats.org/officeDocument/2006/relationships" xmlns:p="http://schemas.openxmlformats.org/presentationml/2006/main">
+  <p:cSld>
+    <p:spTree>
+      <p:nvGrpSpPr>
+        <p:cNvPr id="1" name=""/>
+        <p:cNvGrpSpPr/>
+        <p:nvPr/>
+      </p:nvGrpSpPr>
+      <p:grpSpPr>
+        <a:xfrm>
+          <a:off x="0" y="0"/>
+          <a:ext cx="0" cy="0"/>
+          <a:chOff x="0" y="0"/>
+          <a:chExt cx="0" cy="0"/>
+        </a:xfrm>
+      </p:grpSpPr>
+      <p:sp>
+        <p:nvSpPr>
+          <p:cNvPr id="2" name="Tijdelijke aanduiding voor dia-afbeelding 1"/>
+          <p:cNvSpPr>
+            <a:spLocks noGrp="1" noRot="1" noChangeAspect="1"/>
+          </p:cNvSpPr>
+          <p:nvPr>
+            <p:ph type="sldImg"/>
+          </p:nvPr>
+        </p:nvSpPr>
+        <p:spPr/>
+      </p:sp>
+      <p:sp>
+        <p:nvSpPr>
+          <p:cNvPr id="3" name="Tijdelijke aanduiding voor notities 2"/>
+          <p:cNvSpPr>
+            <a:spLocks noGrp="1"/>
+          </p:cNvSpPr>
+          <p:nvPr>
+            <p:ph type="body" idx="1"/>
+          </p:nvPr>
+        </p:nvSpPr>
+        <p:spPr/>
+        <p:txBody>
+          <a:bodyPr/>
+          <a:lstStyle/>
+          <a:p>
+            <a:pPr marL="171450" indent="-171450">
+              <a:buFontTx/>
+              <a:buChar char="-"/>
+            </a:pPr>
+            <a:r>
+              <a:rPr lang="nl-BE" dirty="0"/>
+              <a:t>The LES wind speeds far upstream are </a:t>
+            </a:r>
+            <a:r>
+              <a:rPr lang="nl-BE" dirty="0" err="1"/>
+              <a:t>too</a:t>
+            </a:r>
+            <a:r>
+              <a:rPr lang="nl-BE" dirty="0"/>
+              <a:t> low</a:t>
+            </a:r>
+            <a:br>
+              <a:rPr lang="nl-BE" dirty="0"/>
+            </a:br>
+            <a:r>
+              <a:rPr lang="nl-BE" dirty="0"/>
+              <a:t>As a </a:t>
+            </a:r>
+            <a:r>
+              <a:rPr lang="nl-BE" dirty="0" err="1"/>
+              <a:t>comparison</a:t>
+            </a:r>
+            <a:r>
+              <a:rPr lang="nl-BE" dirty="0"/>
+              <a:t> </a:t>
+            </a:r>
+            <a:r>
+              <a:rPr lang="nl-BE" dirty="0" err="1"/>
+              <a:t>they</a:t>
+            </a:r>
+            <a:r>
+              <a:rPr lang="nl-BE" dirty="0"/>
+              <a:t> are </a:t>
+            </a:r>
+            <a:r>
+              <a:rPr lang="nl-BE" dirty="0" err="1"/>
+              <a:t>scaled</a:t>
+            </a:r>
+            <a:r>
+              <a:rPr lang="nl-BE" dirty="0"/>
+              <a:t> </a:t>
+            </a:r>
+            <a:r>
+              <a:rPr lang="nl-BE" dirty="0" err="1"/>
+              <a:t>with</a:t>
+            </a:r>
+            <a:r>
+              <a:rPr lang="nl-BE" dirty="0"/>
+              <a:t> </a:t>
+            </a:r>
+            <a:r>
+              <a:rPr lang="nl-BE" dirty="0" err="1"/>
+              <a:t>the</a:t>
+            </a:r>
+            <a:r>
+              <a:rPr lang="nl-BE" dirty="0"/>
+              <a:t> log </a:t>
+            </a:r>
+            <a:r>
+              <a:rPr lang="nl-BE" dirty="0" err="1"/>
+              <a:t>law</a:t>
+            </a:r>
+            <a:r>
+              <a:rPr lang="nl-BE" dirty="0"/>
+              <a:t> in </a:t>
+            </a:r>
+            <a:r>
+              <a:rPr lang="nl-BE" dirty="0" err="1"/>
+              <a:t>the</a:t>
+            </a:r>
+            <a:r>
+              <a:rPr lang="nl-BE" dirty="0"/>
+              <a:t> next slide</a:t>
+            </a:r>
+          </a:p>
+          <a:p>
+            <a:pPr marL="171450" indent="-171450">
+              <a:buFontTx/>
+              <a:buChar char="-"/>
+            </a:pPr>
+            <a:endParaRPr lang="nl-BE" dirty="0"/>
+          </a:p>
+        </p:txBody>
+      </p:sp>
+      <p:sp>
+        <p:nvSpPr>
+          <p:cNvPr id="4" name="Tijdelijke aanduiding voor dianummer 3"/>
+          <p:cNvSpPr>
+            <a:spLocks noGrp="1"/>
+          </p:cNvSpPr>
+          <p:nvPr>
+            <p:ph type="sldNum" sz="quarter" idx="10"/>
+          </p:nvPr>
+        </p:nvSpPr>
+        <p:spPr/>
+        <p:txBody>
+          <a:bodyPr/>
+          <a:lstStyle/>
+          <a:p>
+            <a:fld id="{88835D12-5DBE-474A-86FF-9EDC2C0F6F5D}" type="slidenum">
+              <a:rPr lang="nl-BE" smtClean="0"/>
+              <a:t>15</a:t>
+            </a:fld>
+            <a:endParaRPr lang="nl-BE"/>
+          </a:p>
+        </p:txBody>
+      </p:sp>
+    </p:spTree>
+    <p:extLst>
+      <p:ext uri="{BB962C8B-B14F-4D97-AF65-F5344CB8AC3E}">
+        <p14:creationId xmlns:p14="http://schemas.microsoft.com/office/powerpoint/2010/main" val="1906319855"/>
+      </p:ext>
+    </p:extLst>
+  </p:cSld>
+  <p:clrMapOvr>
+    <a:masterClrMapping/>
+  </p:clrMapOvr>
+</p:notes>
+</file>
+
+<file path=ppt/notesSlides/notesSlide12.xml><?xml version="1.0" encoding="utf-8"?>
+<p:notes xmlns:a="http://schemas.openxmlformats.org/drawingml/2006/main" xmlns:r="http://schemas.openxmlformats.org/officeDocument/2006/relationships" xmlns:p="http://schemas.openxmlformats.org/presentationml/2006/main">
+  <p:cSld>
+    <p:spTree>
+      <p:nvGrpSpPr>
+        <p:cNvPr id="1" name=""/>
+        <p:cNvGrpSpPr/>
+        <p:nvPr/>
+      </p:nvGrpSpPr>
+      <p:grpSpPr>
+        <a:xfrm>
+          <a:off x="0" y="0"/>
+          <a:ext cx="0" cy="0"/>
+          <a:chOff x="0" y="0"/>
+          <a:chExt cx="0" cy="0"/>
+        </a:xfrm>
+      </p:grpSpPr>
+      <p:sp>
+        <p:nvSpPr>
+          <p:cNvPr id="2" name="Tijdelijke aanduiding voor dia-afbeelding 1"/>
+          <p:cNvSpPr>
+            <a:spLocks noGrp="1" noRot="1" noChangeAspect="1"/>
+          </p:cNvSpPr>
+          <p:nvPr>
+            <p:ph type="sldImg"/>
+          </p:nvPr>
+        </p:nvSpPr>
+        <p:spPr/>
+      </p:sp>
+      <p:sp>
+        <p:nvSpPr>
+          <p:cNvPr id="3" name="Tijdelijke aanduiding voor notities 2"/>
+          <p:cNvSpPr>
+            <a:spLocks noGrp="1"/>
+          </p:cNvSpPr>
+          <p:nvPr>
+            <p:ph type="body" idx="1"/>
+          </p:nvPr>
+        </p:nvSpPr>
+        <p:spPr/>
+        <p:txBody>
+          <a:bodyPr/>
+          <a:lstStyle/>
+          <a:p>
+            <a:r>
+              <a:rPr lang="nl-BE" dirty="0"/>
+              <a:t>- The </a:t>
+            </a:r>
+            <a:r>
+              <a:rPr lang="nl-BE" dirty="0" err="1"/>
+              <a:t>scaling</a:t>
+            </a:r>
+            <a:r>
+              <a:rPr lang="nl-BE" dirty="0"/>
+              <a:t> is </a:t>
+            </a:r>
+            <a:r>
+              <a:rPr lang="nl-BE" dirty="0" err="1"/>
+              <a:t>not</a:t>
+            </a:r>
+            <a:r>
+              <a:rPr lang="nl-BE" dirty="0"/>
+              <a:t> </a:t>
+            </a:r>
+            <a:r>
+              <a:rPr lang="nl-BE" dirty="0" err="1"/>
+              <a:t>used</a:t>
+            </a:r>
+            <a:r>
+              <a:rPr lang="nl-BE" dirty="0"/>
+              <a:t> </a:t>
+            </a:r>
+            <a:r>
+              <a:rPr lang="nl-BE" dirty="0" err="1"/>
+              <a:t>to</a:t>
+            </a:r>
+            <a:r>
+              <a:rPr lang="nl-BE" dirty="0"/>
+              <a:t> </a:t>
+            </a:r>
+            <a:r>
+              <a:rPr lang="nl-BE" dirty="0" err="1"/>
+              <a:t>scale</a:t>
+            </a:r>
+            <a:r>
+              <a:rPr lang="nl-BE" dirty="0"/>
+              <a:t> </a:t>
+            </a:r>
+            <a:r>
+              <a:rPr lang="nl-BE" dirty="0" err="1"/>
+              <a:t>all</a:t>
+            </a:r>
+            <a:r>
+              <a:rPr lang="nl-BE" dirty="0"/>
+              <a:t> LES </a:t>
+            </a:r>
+            <a:r>
+              <a:rPr lang="nl-BE" dirty="0" err="1"/>
+              <a:t>results</a:t>
+            </a:r>
+            <a:r>
+              <a:rPr lang="nl-BE" dirty="0"/>
+              <a:t>! </a:t>
+            </a:r>
+            <a:r>
+              <a:rPr lang="nl-BE" dirty="0" err="1"/>
+              <a:t>This</a:t>
+            </a:r>
+            <a:r>
+              <a:rPr lang="nl-BE" dirty="0"/>
+              <a:t> is </a:t>
+            </a:r>
+            <a:r>
+              <a:rPr lang="nl-BE" dirty="0" err="1"/>
+              <a:t>just</a:t>
+            </a:r>
+            <a:r>
+              <a:rPr lang="nl-BE" dirty="0"/>
+              <a:t> </a:t>
+            </a:r>
+            <a:r>
+              <a:rPr lang="nl-BE" dirty="0" err="1"/>
+              <a:t>an</a:t>
+            </a:r>
+            <a:r>
+              <a:rPr lang="nl-BE" dirty="0"/>
+              <a:t> </a:t>
+            </a:r>
+            <a:r>
+              <a:rPr lang="nl-BE" dirty="0" err="1"/>
+              <a:t>indication</a:t>
+            </a:r>
+            <a:r>
+              <a:rPr lang="nl-BE" dirty="0"/>
+              <a:t> </a:t>
+            </a:r>
+            <a:r>
+              <a:rPr lang="nl-BE" dirty="0" err="1"/>
+              <a:t>that</a:t>
+            </a:r>
+            <a:r>
+              <a:rPr lang="nl-BE" dirty="0"/>
+              <a:t> </a:t>
+            </a:r>
+            <a:r>
+              <a:rPr lang="nl-BE" dirty="0" err="1"/>
+              <a:t>the</a:t>
+            </a:r>
+            <a:r>
+              <a:rPr lang="nl-BE" dirty="0"/>
+              <a:t> </a:t>
+            </a:r>
+            <a:r>
+              <a:rPr lang="nl-BE" dirty="0" err="1"/>
+              <a:t>inflow</a:t>
+            </a:r>
+            <a:r>
+              <a:rPr lang="nl-BE" dirty="0"/>
+              <a:t> wind speed </a:t>
+            </a:r>
+            <a:r>
+              <a:rPr lang="nl-BE" dirty="0" err="1"/>
+              <a:t>for</a:t>
+            </a:r>
+            <a:r>
+              <a:rPr lang="nl-BE" dirty="0"/>
+              <a:t> </a:t>
+            </a:r>
+            <a:r>
+              <a:rPr lang="nl-BE" dirty="0" err="1"/>
+              <a:t>the</a:t>
+            </a:r>
+            <a:r>
+              <a:rPr lang="nl-BE" dirty="0"/>
+              <a:t> LES data </a:t>
+            </a:r>
+            <a:r>
+              <a:rPr lang="nl-BE" dirty="0" err="1"/>
+              <a:t>should</a:t>
+            </a:r>
+            <a:r>
+              <a:rPr lang="nl-BE" dirty="0"/>
+              <a:t> </a:t>
+            </a:r>
+            <a:r>
+              <a:rPr lang="nl-BE" dirty="0" err="1"/>
+              <a:t>be</a:t>
+            </a:r>
+            <a:r>
+              <a:rPr lang="nl-BE" dirty="0"/>
+              <a:t> </a:t>
+            </a:r>
+            <a:r>
+              <a:rPr lang="nl-BE" dirty="0" err="1"/>
+              <a:t>increased</a:t>
+            </a:r>
+            <a:endParaRPr lang="nl-BE" dirty="0"/>
+          </a:p>
+        </p:txBody>
+      </p:sp>
+      <p:sp>
+        <p:nvSpPr>
+          <p:cNvPr id="4" name="Tijdelijke aanduiding voor dianummer 3"/>
+          <p:cNvSpPr>
+            <a:spLocks noGrp="1"/>
+          </p:cNvSpPr>
+          <p:nvPr>
+            <p:ph type="sldNum" sz="quarter" idx="10"/>
+          </p:nvPr>
+        </p:nvSpPr>
+        <p:spPr/>
+        <p:txBody>
+          <a:bodyPr/>
+          <a:lstStyle/>
+          <a:p>
+            <a:fld id="{88835D12-5DBE-474A-86FF-9EDC2C0F6F5D}" type="slidenum">
+              <a:rPr lang="nl-BE" smtClean="0"/>
+              <a:t>16</a:t>
+            </a:fld>
+            <a:endParaRPr lang="nl-BE"/>
+          </a:p>
+        </p:txBody>
+      </p:sp>
+    </p:spTree>
+    <p:extLst>
+      <p:ext uri="{BB962C8B-B14F-4D97-AF65-F5344CB8AC3E}">
+        <p14:creationId xmlns:p14="http://schemas.microsoft.com/office/powerpoint/2010/main" val="1896228335"/>
+      </p:ext>
+    </p:extLst>
+  </p:cSld>
+  <p:clrMapOvr>
+    <a:masterClrMapping/>
+  </p:clrMapOvr>
+</p:notes>
+</file>
+
+<file path=ppt/notesSlides/notesSlide13.xml><?xml version="1.0" encoding="utf-8"?>
+<p:notes xmlns:a="http://schemas.openxmlformats.org/drawingml/2006/main" xmlns:r="http://schemas.openxmlformats.org/officeDocument/2006/relationships" xmlns:p="http://schemas.openxmlformats.org/presentationml/2006/main">
+  <p:cSld>
+    <p:spTree>
+      <p:nvGrpSpPr>
+        <p:cNvPr id="1" name=""/>
+        <p:cNvGrpSpPr/>
+        <p:nvPr/>
+      </p:nvGrpSpPr>
+      <p:grpSpPr>
+        <a:xfrm>
+          <a:off x="0" y="0"/>
+          <a:ext cx="0" cy="0"/>
+          <a:chOff x="0" y="0"/>
+          <a:chExt cx="0" cy="0"/>
+        </a:xfrm>
+      </p:grpSpPr>
+      <p:sp>
+        <p:nvSpPr>
+          <p:cNvPr id="2" name="Tijdelijke aanduiding voor dia-afbeelding 1"/>
+          <p:cNvSpPr>
+            <a:spLocks noGrp="1" noRot="1" noChangeAspect="1"/>
+          </p:cNvSpPr>
+          <p:nvPr>
+            <p:ph type="sldImg"/>
+          </p:nvPr>
+        </p:nvSpPr>
+        <p:spPr/>
+      </p:sp>
+      <p:sp>
+        <p:nvSpPr>
+          <p:cNvPr id="3" name="Tijdelijke aanduiding voor notities 2"/>
+          <p:cNvSpPr>
+            <a:spLocks noGrp="1"/>
+          </p:cNvSpPr>
+          <p:nvPr>
+            <p:ph type="body" idx="1"/>
+          </p:nvPr>
+        </p:nvSpPr>
+        <p:spPr/>
+        <p:txBody>
+          <a:bodyPr/>
+          <a:lstStyle/>
+          <a:p>
+            <a:pPr marL="171450" indent="-171450">
+              <a:buFontTx/>
+              <a:buChar char="-"/>
+            </a:pPr>
+            <a:r>
+              <a:rPr lang="nl-BE" dirty="0" err="1"/>
+              <a:t>Normalized</a:t>
+            </a:r>
+            <a:r>
+              <a:rPr lang="nl-BE" dirty="0"/>
+              <a:t> </a:t>
+            </a:r>
+            <a:r>
+              <a:rPr lang="nl-BE" dirty="0" err="1"/>
+              <a:t>with</a:t>
+            </a:r>
+            <a:r>
+              <a:rPr lang="nl-BE" dirty="0"/>
+              <a:t> </a:t>
+            </a:r>
+            <a:r>
+              <a:rPr lang="nl-BE" dirty="0" err="1"/>
+              <a:t>Uo</a:t>
+            </a:r>
+            <a:r>
+              <a:rPr lang="nl-BE" dirty="0"/>
+              <a:t>=9,5 m/s</a:t>
+            </a:r>
+          </a:p>
+          <a:p>
+            <a:pPr marL="171450" indent="-171450">
+              <a:buFontTx/>
+              <a:buChar char="-"/>
+            </a:pPr>
+            <a:r>
+              <a:rPr lang="nl-BE" dirty="0"/>
+              <a:t>The </a:t>
+            </a:r>
+            <a:r>
+              <a:rPr lang="nl-BE" dirty="0" err="1"/>
+              <a:t>induction</a:t>
+            </a:r>
+            <a:r>
+              <a:rPr lang="nl-BE" dirty="0"/>
+              <a:t> model</a:t>
+            </a:r>
+          </a:p>
+        </p:txBody>
+      </p:sp>
+      <p:sp>
+        <p:nvSpPr>
+          <p:cNvPr id="4" name="Tijdelijke aanduiding voor dianummer 3"/>
+          <p:cNvSpPr>
+            <a:spLocks noGrp="1"/>
+          </p:cNvSpPr>
+          <p:nvPr>
+            <p:ph type="sldNum" sz="quarter" idx="10"/>
+          </p:nvPr>
+        </p:nvSpPr>
+        <p:spPr/>
+        <p:txBody>
+          <a:bodyPr/>
+          <a:lstStyle/>
+          <a:p>
+            <a:fld id="{88835D12-5DBE-474A-86FF-9EDC2C0F6F5D}" type="slidenum">
+              <a:rPr lang="nl-BE" smtClean="0"/>
+              <a:t>20</a:t>
+            </a:fld>
+            <a:endParaRPr lang="nl-BE"/>
+          </a:p>
+        </p:txBody>
+      </p:sp>
+    </p:spTree>
+    <p:extLst>
+      <p:ext uri="{BB962C8B-B14F-4D97-AF65-F5344CB8AC3E}">
+        <p14:creationId xmlns:p14="http://schemas.microsoft.com/office/powerpoint/2010/main" val="2226326454"/>
+      </p:ext>
+    </p:extLst>
+  </p:cSld>
+  <p:clrMapOvr>
+    <a:masterClrMapping/>
+  </p:clrMapOvr>
+</p:notes>
+</file>
+
+<file path=ppt/notesSlides/notesSlide14.xml><?xml version="1.0" encoding="utf-8"?>
+<p:notes xmlns:a="http://schemas.openxmlformats.org/drawingml/2006/main" xmlns:r="http://schemas.openxmlformats.org/officeDocument/2006/relationships" xmlns:p="http://schemas.openxmlformats.org/presentationml/2006/main">
+  <p:cSld>
+    <p:spTree>
+      <p:nvGrpSpPr>
+        <p:cNvPr id="1" name=""/>
+        <p:cNvGrpSpPr/>
+        <p:nvPr/>
+      </p:nvGrpSpPr>
+      <p:grpSpPr>
+        <a:xfrm>
+          <a:off x="0" y="0"/>
+          <a:ext cx="0" cy="0"/>
+          <a:chOff x="0" y="0"/>
+          <a:chExt cx="0" cy="0"/>
+        </a:xfrm>
+      </p:grpSpPr>
+      <p:sp>
+        <p:nvSpPr>
+          <p:cNvPr id="2" name="Tijdelijke aanduiding voor dia-afbeelding 1"/>
+          <p:cNvSpPr>
+            <a:spLocks noGrp="1" noRot="1" noChangeAspect="1"/>
+          </p:cNvSpPr>
+          <p:nvPr>
+            <p:ph type="sldImg"/>
+          </p:nvPr>
+        </p:nvSpPr>
+        <p:spPr/>
+      </p:sp>
+      <p:sp>
+        <p:nvSpPr>
+          <p:cNvPr id="3" name="Tijdelijke aanduiding voor notities 2"/>
+          <p:cNvSpPr>
+            <a:spLocks noGrp="1"/>
+          </p:cNvSpPr>
+          <p:nvPr>
+            <p:ph type="body" idx="1"/>
+          </p:nvPr>
+        </p:nvSpPr>
+        <p:spPr/>
+        <p:txBody>
+          <a:bodyPr/>
+          <a:lstStyle/>
+          <a:p>
+            <a:r>
+              <a:rPr lang="nl-BE" dirty="0"/>
+              <a:t>Non-</a:t>
+            </a:r>
+            <a:r>
+              <a:rPr lang="nl-BE" dirty="0" err="1"/>
+              <a:t>normalized</a:t>
+            </a:r>
+            <a:r>
+              <a:rPr lang="nl-BE" dirty="0"/>
+              <a:t> </a:t>
+            </a:r>
+            <a:r>
+              <a:rPr lang="nl-BE" dirty="0" err="1"/>
+              <a:t>for</a:t>
+            </a:r>
+            <a:r>
+              <a:rPr lang="nl-BE" dirty="0"/>
+              <a:t> Case 3</a:t>
+            </a:r>
+          </a:p>
+        </p:txBody>
+      </p:sp>
+      <p:sp>
+        <p:nvSpPr>
+          <p:cNvPr id="4" name="Tijdelijke aanduiding voor dianummer 3"/>
+          <p:cNvSpPr>
+            <a:spLocks noGrp="1"/>
+          </p:cNvSpPr>
+          <p:nvPr>
+            <p:ph type="sldNum" sz="quarter" idx="10"/>
+          </p:nvPr>
+        </p:nvSpPr>
+        <p:spPr/>
+        <p:txBody>
+          <a:bodyPr/>
+          <a:lstStyle/>
+          <a:p>
+            <a:fld id="{88835D12-5DBE-474A-86FF-9EDC2C0F6F5D}" type="slidenum">
+              <a:rPr lang="nl-BE" smtClean="0"/>
+              <a:t>21</a:t>
+            </a:fld>
+            <a:endParaRPr lang="nl-BE"/>
+          </a:p>
+        </p:txBody>
+      </p:sp>
+    </p:spTree>
+    <p:extLst>
+      <p:ext uri="{BB962C8B-B14F-4D97-AF65-F5344CB8AC3E}">
+        <p14:creationId xmlns:p14="http://schemas.microsoft.com/office/powerpoint/2010/main" val="2536185701"/>
+      </p:ext>
+    </p:extLst>
+  </p:cSld>
+  <p:clrMapOvr>
+    <a:masterClrMapping/>
+  </p:clrMapOvr>
+</p:notes>
+</file>
+
+<file path=ppt/notesSlides/notesSlide15.xml><?xml version="1.0" encoding="utf-8"?>
+<p:notes xmlns:a="http://schemas.openxmlformats.org/drawingml/2006/main" xmlns:r="http://schemas.openxmlformats.org/officeDocument/2006/relationships" xmlns:p="http://schemas.openxmlformats.org/presentationml/2006/main">
+  <p:cSld>
+    <p:spTree>
+      <p:nvGrpSpPr>
+        <p:cNvPr id="1" name=""/>
+        <p:cNvGrpSpPr/>
+        <p:nvPr/>
+      </p:nvGrpSpPr>
+      <p:grpSpPr>
+        <a:xfrm>
+          <a:off x="0" y="0"/>
+          <a:ext cx="0" cy="0"/>
+          <a:chOff x="0" y="0"/>
+          <a:chExt cx="0" cy="0"/>
+        </a:xfrm>
+      </p:grpSpPr>
+      <p:sp>
+        <p:nvSpPr>
+          <p:cNvPr id="2" name="Tijdelijke aanduiding voor dia-afbeelding 1"/>
+          <p:cNvSpPr>
+            <a:spLocks noGrp="1" noRot="1" noChangeAspect="1"/>
+          </p:cNvSpPr>
+          <p:nvPr>
+            <p:ph type="sldImg"/>
+          </p:nvPr>
+        </p:nvSpPr>
+        <p:spPr/>
+      </p:sp>
+      <p:sp>
+        <p:nvSpPr>
+          <p:cNvPr id="3" name="Tijdelijke aanduiding voor notities 2"/>
+          <p:cNvSpPr>
+            <a:spLocks noGrp="1"/>
+          </p:cNvSpPr>
+          <p:nvPr>
+            <p:ph type="body" idx="1"/>
+          </p:nvPr>
+        </p:nvSpPr>
+        <p:spPr/>
+        <p:txBody>
+          <a:bodyPr/>
+          <a:lstStyle/>
+          <a:p>
+            <a:pPr marL="171450" indent="-171450">
+              <a:buFontTx/>
+              <a:buChar char="-"/>
+            </a:pPr>
+            <a:r>
+              <a:rPr lang="nl-BE" dirty="0" err="1"/>
+              <a:t>Normalized</a:t>
+            </a:r>
+            <a:r>
+              <a:rPr lang="nl-BE" dirty="0"/>
+              <a:t> </a:t>
+            </a:r>
+            <a:r>
+              <a:rPr lang="nl-BE" dirty="0" err="1"/>
+              <a:t>with</a:t>
+            </a:r>
+            <a:r>
+              <a:rPr lang="nl-BE" dirty="0"/>
+              <a:t> </a:t>
+            </a:r>
+            <a:r>
+              <a:rPr lang="nl-BE" dirty="0" err="1"/>
+              <a:t>Uo</a:t>
+            </a:r>
+            <a:r>
+              <a:rPr lang="nl-BE" dirty="0"/>
+              <a:t>=9,5 m/s</a:t>
+            </a:r>
+          </a:p>
+          <a:p>
+            <a:pPr marL="171450" indent="-171450">
+              <a:buFontTx/>
+              <a:buChar char="-"/>
+            </a:pPr>
+            <a:r>
+              <a:rPr lang="nl-BE" dirty="0"/>
+              <a:t>The </a:t>
+            </a:r>
+            <a:r>
+              <a:rPr lang="nl-BE" dirty="0" err="1"/>
+              <a:t>induction</a:t>
+            </a:r>
+            <a:r>
+              <a:rPr lang="nl-BE" dirty="0"/>
+              <a:t> model</a:t>
+            </a:r>
+          </a:p>
+        </p:txBody>
+      </p:sp>
+      <p:sp>
+        <p:nvSpPr>
+          <p:cNvPr id="4" name="Tijdelijke aanduiding voor dianummer 3"/>
+          <p:cNvSpPr>
+            <a:spLocks noGrp="1"/>
+          </p:cNvSpPr>
+          <p:nvPr>
+            <p:ph type="sldNum" sz="quarter" idx="10"/>
+          </p:nvPr>
+        </p:nvSpPr>
+        <p:spPr/>
+        <p:txBody>
+          <a:bodyPr/>
+          <a:lstStyle/>
+          <a:p>
+            <a:fld id="{88835D12-5DBE-474A-86FF-9EDC2C0F6F5D}" type="slidenum">
+              <a:rPr lang="nl-BE" smtClean="0"/>
+              <a:t>22</a:t>
+            </a:fld>
+            <a:endParaRPr lang="nl-BE"/>
+          </a:p>
+        </p:txBody>
+      </p:sp>
+    </p:spTree>
+    <p:extLst>
+      <p:ext uri="{BB962C8B-B14F-4D97-AF65-F5344CB8AC3E}">
+        <p14:creationId xmlns:p14="http://schemas.microsoft.com/office/powerpoint/2010/main" val="4186351580"/>
+      </p:ext>
+    </p:extLst>
+  </p:cSld>
+  <p:clrMapOvr>
+    <a:masterClrMapping/>
+  </p:clrMapOvr>
+</p:notes>
+</file>
+
+<file path=ppt/notesSlides/notesSlide16.xml><?xml version="1.0" encoding="utf-8"?>
+<p:notes xmlns:a="http://schemas.openxmlformats.org/drawingml/2006/main" xmlns:r="http://schemas.openxmlformats.org/officeDocument/2006/relationships" xmlns:p="http://schemas.openxmlformats.org/presentationml/2006/main">
+  <p:cSld>
+    <p:spTree>
+      <p:nvGrpSpPr>
+        <p:cNvPr id="1" name=""/>
+        <p:cNvGrpSpPr/>
+        <p:nvPr/>
+      </p:nvGrpSpPr>
+      <p:grpSpPr>
+        <a:xfrm>
+          <a:off x="0" y="0"/>
+          <a:ext cx="0" cy="0"/>
+          <a:chOff x="0" y="0"/>
+          <a:chExt cx="0" cy="0"/>
+        </a:xfrm>
+      </p:grpSpPr>
+      <p:sp>
+        <p:nvSpPr>
+          <p:cNvPr id="2" name="Tijdelijke aanduiding voor dia-afbeelding 1"/>
+          <p:cNvSpPr>
+            <a:spLocks noGrp="1" noRot="1" noChangeAspect="1"/>
+          </p:cNvSpPr>
+          <p:nvPr>
+            <p:ph type="sldImg"/>
+          </p:nvPr>
+        </p:nvSpPr>
+        <p:spPr/>
+      </p:sp>
+      <p:sp>
+        <p:nvSpPr>
+          <p:cNvPr id="3" name="Tijdelijke aanduiding voor notities 2"/>
+          <p:cNvSpPr>
+            <a:spLocks noGrp="1"/>
+          </p:cNvSpPr>
+          <p:nvPr>
+            <p:ph type="body" idx="1"/>
+          </p:nvPr>
+        </p:nvSpPr>
+        <p:spPr/>
+        <p:txBody>
+          <a:bodyPr/>
+          <a:lstStyle/>
+          <a:p>
+            <a:r>
+              <a:rPr lang="nl-BE" dirty="0"/>
+              <a:t>At different downstream </a:t>
+            </a:r>
+            <a:r>
+              <a:rPr lang="nl-BE" dirty="0" err="1"/>
+              <a:t>positions</a:t>
+            </a:r>
+            <a:endParaRPr lang="nl-BE" dirty="0"/>
+          </a:p>
+        </p:txBody>
+      </p:sp>
+      <p:sp>
+        <p:nvSpPr>
+          <p:cNvPr id="4" name="Tijdelijke aanduiding voor dianummer 3"/>
+          <p:cNvSpPr>
+            <a:spLocks noGrp="1"/>
+          </p:cNvSpPr>
+          <p:nvPr>
+            <p:ph type="sldNum" sz="quarter" idx="10"/>
+          </p:nvPr>
+        </p:nvSpPr>
+        <p:spPr/>
+        <p:txBody>
+          <a:bodyPr/>
+          <a:lstStyle/>
+          <a:p>
+            <a:fld id="{88835D12-5DBE-474A-86FF-9EDC2C0F6F5D}" type="slidenum">
+              <a:rPr lang="nl-BE" smtClean="0"/>
+              <a:t>24</a:t>
+            </a:fld>
+            <a:endParaRPr lang="nl-BE"/>
+          </a:p>
+        </p:txBody>
+      </p:sp>
+    </p:spTree>
+    <p:extLst>
+      <p:ext uri="{BB962C8B-B14F-4D97-AF65-F5344CB8AC3E}">
+        <p14:creationId xmlns:p14="http://schemas.microsoft.com/office/powerpoint/2010/main" val="1076242534"/>
+      </p:ext>
+    </p:extLst>
+  </p:cSld>
+  <p:clrMapOvr>
+    <a:masterClrMapping/>
+  </p:clrMapOvr>
+</p:notes>
+</file>
+
+<file path=ppt/notesSlides/notesSlide17.xml><?xml version="1.0" encoding="utf-8"?>
+<p:notes xmlns:a="http://schemas.openxmlformats.org/drawingml/2006/main" xmlns:r="http://schemas.openxmlformats.org/officeDocument/2006/relationships" xmlns:p="http://schemas.openxmlformats.org/presentationml/2006/main">
+  <p:cSld>
+    <p:spTree>
+      <p:nvGrpSpPr>
+        <p:cNvPr id="1" name=""/>
+        <p:cNvGrpSpPr/>
+        <p:nvPr/>
+      </p:nvGrpSpPr>
+      <p:grpSpPr>
+        <a:xfrm>
+          <a:off x="0" y="0"/>
+          <a:ext cx="0" cy="0"/>
+          <a:chOff x="0" y="0"/>
+          <a:chExt cx="0" cy="0"/>
+        </a:xfrm>
+      </p:grpSpPr>
+      <p:sp>
+        <p:nvSpPr>
+          <p:cNvPr id="2" name="Tijdelijke aanduiding voor dia-afbeelding 1"/>
+          <p:cNvSpPr>
+            <a:spLocks noGrp="1" noRot="1" noChangeAspect="1"/>
+          </p:cNvSpPr>
+          <p:nvPr>
+            <p:ph type="sldImg"/>
+          </p:nvPr>
+        </p:nvSpPr>
+        <p:spPr/>
+      </p:sp>
+      <p:sp>
+        <p:nvSpPr>
+          <p:cNvPr id="3" name="Tijdelijke aanduiding voor notities 2"/>
+          <p:cNvSpPr>
+            <a:spLocks noGrp="1"/>
+          </p:cNvSpPr>
+          <p:nvPr>
+            <p:ph type="body" idx="1"/>
+          </p:nvPr>
+        </p:nvSpPr>
+        <p:spPr/>
+        <p:txBody>
+          <a:bodyPr/>
+          <a:lstStyle/>
+          <a:p>
+            <a:pPr marL="171450" indent="-171450">
+              <a:buFontTx/>
+              <a:buChar char="-"/>
+            </a:pPr>
+            <a:r>
+              <a:rPr lang="nl-BE" dirty="0"/>
+              <a:t>The </a:t>
+            </a:r>
+            <a:r>
+              <a:rPr lang="nl-BE" dirty="0" err="1"/>
+              <a:t>spatial</a:t>
+            </a:r>
+            <a:r>
+              <a:rPr lang="nl-BE" dirty="0"/>
+              <a:t> </a:t>
+            </a:r>
+            <a:r>
+              <a:rPr lang="nl-BE" dirty="0" err="1"/>
+              <a:t>averaging</a:t>
+            </a:r>
+            <a:r>
+              <a:rPr lang="nl-BE" dirty="0"/>
+              <a:t> has a </a:t>
+            </a:r>
+            <a:r>
+              <a:rPr lang="nl-BE" dirty="0" err="1"/>
+              <a:t>very</a:t>
+            </a:r>
+            <a:r>
+              <a:rPr lang="nl-BE" dirty="0"/>
+              <a:t> </a:t>
+            </a:r>
+            <a:r>
+              <a:rPr lang="nl-BE" dirty="0" err="1"/>
+              <a:t>limited</a:t>
+            </a:r>
+            <a:r>
+              <a:rPr lang="nl-BE" dirty="0"/>
+              <a:t> effect: do </a:t>
+            </a:r>
+            <a:r>
+              <a:rPr lang="nl-BE" dirty="0" err="1"/>
+              <a:t>not</a:t>
+            </a:r>
+            <a:r>
+              <a:rPr lang="nl-BE" dirty="0"/>
+              <a:t> </a:t>
+            </a:r>
+            <a:r>
+              <a:rPr lang="nl-BE" dirty="0" err="1"/>
+              <a:t>worry</a:t>
+            </a:r>
+            <a:r>
+              <a:rPr lang="nl-BE" dirty="0"/>
+              <a:t> </a:t>
+            </a:r>
+            <a:r>
+              <a:rPr lang="nl-BE" dirty="0" err="1"/>
+              <a:t>about</a:t>
+            </a:r>
+            <a:r>
+              <a:rPr lang="nl-BE" dirty="0"/>
+              <a:t> </a:t>
+            </a:r>
+            <a:r>
+              <a:rPr lang="nl-BE" dirty="0" err="1"/>
+              <a:t>this</a:t>
+            </a:r>
+            <a:endParaRPr lang="nl-BE" dirty="0"/>
+          </a:p>
+          <a:p>
+            <a:pPr marL="171450" indent="-171450">
+              <a:buFontTx/>
+              <a:buChar char="-"/>
+            </a:pPr>
+            <a:r>
+              <a:rPr lang="nl-BE" dirty="0"/>
+              <a:t>Blue(/black) </a:t>
+            </a:r>
+            <a:r>
+              <a:rPr lang="nl-BE" dirty="0" err="1"/>
+              <a:t>and</a:t>
+            </a:r>
+            <a:r>
+              <a:rPr lang="nl-BE" dirty="0"/>
+              <a:t> red curve </a:t>
+            </a:r>
+            <a:r>
+              <a:rPr lang="nl-BE" dirty="0" err="1"/>
+              <a:t>should</a:t>
+            </a:r>
+            <a:r>
+              <a:rPr lang="nl-BE" dirty="0"/>
+              <a:t> </a:t>
+            </a:r>
+            <a:r>
+              <a:rPr lang="nl-BE" dirty="0" err="1"/>
+              <a:t>be</a:t>
+            </a:r>
+            <a:r>
+              <a:rPr lang="nl-BE" dirty="0"/>
+              <a:t> </a:t>
+            </a:r>
+            <a:r>
+              <a:rPr lang="nl-BE" dirty="0" err="1"/>
+              <a:t>compared</a:t>
+            </a:r>
+            <a:endParaRPr lang="nl-BE" dirty="0"/>
+          </a:p>
+          <a:p>
+            <a:pPr marL="171450" indent="-171450">
+              <a:buFontTx/>
+              <a:buChar char="-"/>
+            </a:pPr>
+            <a:r>
+              <a:rPr lang="nl-BE" dirty="0"/>
+              <a:t>BEACon profile is </a:t>
+            </a:r>
+            <a:r>
+              <a:rPr lang="nl-BE" dirty="0" err="1"/>
+              <a:t>very</a:t>
+            </a:r>
+            <a:r>
+              <a:rPr lang="nl-BE" dirty="0"/>
+              <a:t> </a:t>
+            </a:r>
+            <a:r>
+              <a:rPr lang="nl-BE" dirty="0" err="1"/>
+              <a:t>smooth</a:t>
+            </a:r>
+            <a:endParaRPr lang="nl-BE" dirty="0"/>
+          </a:p>
+          <a:p>
+            <a:pPr marL="171450" indent="-171450">
+              <a:buFontTx/>
+              <a:buChar char="-"/>
+            </a:pPr>
+            <a:r>
+              <a:rPr lang="nl-BE" dirty="0" err="1"/>
+              <a:t>Suggestion</a:t>
+            </a:r>
+            <a:r>
+              <a:rPr lang="nl-BE" dirty="0"/>
+              <a:t>: make error bar </a:t>
+            </a:r>
+            <a:r>
+              <a:rPr lang="nl-BE" dirty="0" err="1"/>
+              <a:t>around</a:t>
+            </a:r>
+            <a:r>
+              <a:rPr lang="nl-BE" dirty="0"/>
+              <a:t> </a:t>
+            </a:r>
+            <a:r>
+              <a:rPr lang="nl-BE" dirty="0" err="1"/>
+              <a:t>mean</a:t>
+            </a:r>
+            <a:r>
+              <a:rPr lang="nl-BE" dirty="0"/>
+              <a:t> WMR (</a:t>
+            </a:r>
+            <a:r>
+              <a:rPr lang="nl-BE" dirty="0" err="1"/>
+              <a:t>now</a:t>
+            </a:r>
+            <a:r>
+              <a:rPr lang="nl-BE" dirty="0"/>
+              <a:t> </a:t>
+            </a:r>
+            <a:r>
+              <a:rPr lang="nl-BE" dirty="0" err="1"/>
+              <a:t>only</a:t>
+            </a:r>
+            <a:r>
+              <a:rPr lang="nl-BE" dirty="0"/>
+              <a:t> </a:t>
+            </a:r>
+            <a:r>
+              <a:rPr lang="nl-BE" dirty="0" err="1"/>
+              <a:t>mean</a:t>
+            </a:r>
+            <a:r>
+              <a:rPr lang="nl-BE" dirty="0"/>
+              <a:t> </a:t>
+            </a:r>
+            <a:r>
+              <a:rPr lang="nl-BE" dirty="0" err="1"/>
+              <a:t>plotted</a:t>
+            </a:r>
+            <a:r>
+              <a:rPr lang="nl-BE" dirty="0"/>
+              <a:t>)</a:t>
+            </a:r>
+          </a:p>
+        </p:txBody>
+      </p:sp>
+      <p:sp>
+        <p:nvSpPr>
+          <p:cNvPr id="4" name="Tijdelijke aanduiding voor dianummer 3"/>
+          <p:cNvSpPr>
+            <a:spLocks noGrp="1"/>
+          </p:cNvSpPr>
+          <p:nvPr>
+            <p:ph type="sldNum" sz="quarter" idx="10"/>
+          </p:nvPr>
+        </p:nvSpPr>
+        <p:spPr/>
+        <p:txBody>
+          <a:bodyPr/>
+          <a:lstStyle/>
+          <a:p>
+            <a:fld id="{88835D12-5DBE-474A-86FF-9EDC2C0F6F5D}" type="slidenum">
+              <a:rPr lang="nl-BE" smtClean="0"/>
+              <a:t>25</a:t>
+            </a:fld>
+            <a:endParaRPr lang="nl-BE"/>
+          </a:p>
+        </p:txBody>
+      </p:sp>
+    </p:spTree>
+    <p:extLst>
+      <p:ext uri="{BB962C8B-B14F-4D97-AF65-F5344CB8AC3E}">
+        <p14:creationId xmlns:p14="http://schemas.microsoft.com/office/powerpoint/2010/main" val="3891730621"/>
+      </p:ext>
+    </p:extLst>
+  </p:cSld>
+  <p:clrMapOvr>
+    <a:masterClrMapping/>
+  </p:clrMapOvr>
+</p:notes>
+</file>
+
+<file path=ppt/notesSlides/notesSlide18.xml><?xml version="1.0" encoding="utf-8"?>
+<p:notes xmlns:a="http://schemas.openxmlformats.org/drawingml/2006/main" xmlns:r="http://schemas.openxmlformats.org/officeDocument/2006/relationships" xmlns:p="http://schemas.openxmlformats.org/presentationml/2006/main">
+  <p:cSld>
+    <p:spTree>
+      <p:nvGrpSpPr>
+        <p:cNvPr id="1" name=""/>
+        <p:cNvGrpSpPr/>
+        <p:nvPr/>
+      </p:nvGrpSpPr>
+      <p:grpSpPr>
+        <a:xfrm>
+          <a:off x="0" y="0"/>
+          <a:ext cx="0" cy="0"/>
+          <a:chOff x="0" y="0"/>
+          <a:chExt cx="0" cy="0"/>
+        </a:xfrm>
+      </p:grpSpPr>
+      <p:sp>
+        <p:nvSpPr>
+          <p:cNvPr id="2" name="Tijdelijke aanduiding voor dia-afbeelding 1"/>
+          <p:cNvSpPr>
+            <a:spLocks noGrp="1" noRot="1" noChangeAspect="1"/>
+          </p:cNvSpPr>
+          <p:nvPr>
+            <p:ph type="sldImg"/>
+          </p:nvPr>
+        </p:nvSpPr>
+        <p:spPr/>
+      </p:sp>
+      <p:sp>
+        <p:nvSpPr>
+          <p:cNvPr id="3" name="Tijdelijke aanduiding voor notities 2"/>
+          <p:cNvSpPr>
+            <a:spLocks noGrp="1"/>
+          </p:cNvSpPr>
+          <p:nvPr>
+            <p:ph type="body" idx="1"/>
+          </p:nvPr>
+        </p:nvSpPr>
+        <p:spPr/>
+        <p:txBody>
+          <a:bodyPr/>
+          <a:lstStyle/>
+          <a:p>
+            <a:r>
+              <a:rPr lang="nl-BE" dirty="0" err="1"/>
+              <a:t>Compare</a:t>
+            </a:r>
+            <a:r>
+              <a:rPr lang="nl-BE" dirty="0"/>
+              <a:t> black </a:t>
+            </a:r>
+            <a:r>
+              <a:rPr lang="nl-BE" dirty="0" err="1"/>
+              <a:t>and</a:t>
+            </a:r>
+            <a:r>
+              <a:rPr lang="nl-BE" dirty="0"/>
+              <a:t> red curves</a:t>
+            </a:r>
+          </a:p>
+        </p:txBody>
+      </p:sp>
+      <p:sp>
+        <p:nvSpPr>
+          <p:cNvPr id="4" name="Tijdelijke aanduiding voor dianummer 3"/>
+          <p:cNvSpPr>
+            <a:spLocks noGrp="1"/>
+          </p:cNvSpPr>
+          <p:nvPr>
+            <p:ph type="sldNum" sz="quarter" idx="10"/>
+          </p:nvPr>
+        </p:nvSpPr>
+        <p:spPr/>
+        <p:txBody>
+          <a:bodyPr/>
+          <a:lstStyle/>
+          <a:p>
+            <a:fld id="{88835D12-5DBE-474A-86FF-9EDC2C0F6F5D}" type="slidenum">
+              <a:rPr lang="nl-BE" smtClean="0"/>
+              <a:t>26</a:t>
+            </a:fld>
+            <a:endParaRPr lang="nl-BE"/>
+          </a:p>
+        </p:txBody>
+      </p:sp>
+    </p:spTree>
+    <p:extLst>
+      <p:ext uri="{BB962C8B-B14F-4D97-AF65-F5344CB8AC3E}">
+        <p14:creationId xmlns:p14="http://schemas.microsoft.com/office/powerpoint/2010/main" val="2088303116"/>
+      </p:ext>
+    </p:extLst>
+  </p:cSld>
+  <p:clrMapOvr>
+    <a:masterClrMapping/>
+  </p:clrMapOvr>
+</p:notes>
+</file>
+
+<file path=ppt/notesSlides/notesSlide19.xml><?xml version="1.0" encoding="utf-8"?>
+<p:notes xmlns:a="http://schemas.openxmlformats.org/drawingml/2006/main" xmlns:r="http://schemas.openxmlformats.org/officeDocument/2006/relationships" xmlns:p="http://schemas.openxmlformats.org/presentationml/2006/main">
+  <p:cSld>
+    <p:spTree>
+      <p:nvGrpSpPr>
+        <p:cNvPr id="1" name=""/>
+        <p:cNvGrpSpPr/>
+        <p:nvPr/>
+      </p:nvGrpSpPr>
+      <p:grpSpPr>
+        <a:xfrm>
+          <a:off x="0" y="0"/>
+          <a:ext cx="0" cy="0"/>
+          <a:chOff x="0" y="0"/>
+          <a:chExt cx="0" cy="0"/>
+        </a:xfrm>
+      </p:grpSpPr>
+      <p:sp>
+        <p:nvSpPr>
+          <p:cNvPr id="2" name="Tijdelijke aanduiding voor dia-afbeelding 1"/>
+          <p:cNvSpPr>
+            <a:spLocks noGrp="1" noRot="1" noChangeAspect="1"/>
+          </p:cNvSpPr>
+          <p:nvPr>
+            <p:ph type="sldImg"/>
+          </p:nvPr>
+        </p:nvSpPr>
+        <p:spPr/>
+      </p:sp>
+      <p:sp>
+        <p:nvSpPr>
+          <p:cNvPr id="3" name="Tijdelijke aanduiding voor notities 2"/>
+          <p:cNvSpPr>
+            <a:spLocks noGrp="1"/>
+          </p:cNvSpPr>
+          <p:nvPr>
+            <p:ph type="body" idx="1"/>
+          </p:nvPr>
+        </p:nvSpPr>
+        <p:spPr/>
+        <p:txBody>
+          <a:bodyPr/>
+          <a:lstStyle/>
+          <a:p>
+            <a:pPr marL="171450" indent="-171450">
+              <a:buFontTx/>
+              <a:buChar char="-"/>
+            </a:pPr>
+            <a:r>
+              <a:rPr lang="nl-BE" dirty="0" err="1"/>
+              <a:t>Detect</a:t>
+            </a:r>
+            <a:r>
+              <a:rPr lang="nl-BE" dirty="0"/>
+              <a:t> (</a:t>
+            </a:r>
+            <a:r>
+              <a:rPr lang="nl-BE" dirty="0" err="1"/>
+              <a:t>to</a:t>
+            </a:r>
+            <a:r>
+              <a:rPr lang="nl-BE" dirty="0"/>
+              <a:t> </a:t>
+            </a:r>
+            <a:r>
+              <a:rPr lang="nl-BE" dirty="0" err="1"/>
+              <a:t>seperate</a:t>
+            </a:r>
+            <a:r>
+              <a:rPr lang="nl-BE" dirty="0"/>
+              <a:t> </a:t>
+            </a:r>
+            <a:r>
+              <a:rPr lang="nl-BE" dirty="0" err="1"/>
+              <a:t>questions</a:t>
+            </a:r>
+            <a:r>
+              <a:rPr lang="nl-BE" dirty="0"/>
+              <a:t>/</a:t>
+            </a:r>
+            <a:r>
+              <a:rPr lang="nl-BE" dirty="0" err="1"/>
+              <a:t>conclusions</a:t>
+            </a:r>
+            <a:r>
+              <a:rPr lang="nl-BE" dirty="0"/>
+              <a:t>):</a:t>
+            </a:r>
+          </a:p>
+          <a:p>
+            <a:pPr marL="628650" lvl="1" indent="-171450">
+              <a:buFontTx/>
+              <a:buChar char="-"/>
+            </a:pPr>
+            <a:r>
+              <a:rPr lang="nl-BE" dirty="0"/>
+              <a:t>Super </a:t>
+            </a:r>
+            <a:r>
+              <a:rPr lang="nl-BE" dirty="0" err="1"/>
+              <a:t>position</a:t>
+            </a:r>
+            <a:endParaRPr lang="nl-BE" dirty="0"/>
+          </a:p>
+          <a:p>
+            <a:pPr marL="628650" lvl="1" indent="-171450">
+              <a:buFontTx/>
+              <a:buChar char="-"/>
+            </a:pPr>
+            <a:r>
+              <a:rPr lang="nl-BE" dirty="0"/>
+              <a:t>Single wake </a:t>
+            </a:r>
+            <a:r>
+              <a:rPr lang="nl-BE" dirty="0" err="1"/>
+              <a:t>induction</a:t>
+            </a:r>
+            <a:endParaRPr lang="nl-BE" dirty="0"/>
+          </a:p>
+          <a:p>
+            <a:pPr marL="171450" lvl="0" indent="-171450">
+              <a:buFontTx/>
+              <a:buChar char="-"/>
+            </a:pPr>
+            <a:r>
+              <a:rPr lang="nl-BE" dirty="0"/>
+              <a:t>Focus on </a:t>
+            </a:r>
+            <a:r>
+              <a:rPr lang="nl-BE" dirty="0" err="1"/>
+              <a:t>horizontal</a:t>
+            </a:r>
+            <a:r>
+              <a:rPr lang="nl-BE" dirty="0"/>
+              <a:t> </a:t>
+            </a:r>
+            <a:r>
+              <a:rPr lang="nl-BE" dirty="0" err="1"/>
+              <a:t>plane</a:t>
+            </a:r>
+            <a:r>
+              <a:rPr lang="nl-BE" dirty="0"/>
+              <a:t> (at 100m)</a:t>
+            </a:r>
+          </a:p>
+          <a:p>
+            <a:pPr marL="628650" lvl="1" indent="-171450">
+              <a:buFontTx/>
+              <a:buChar char="-"/>
+            </a:pPr>
+            <a:r>
+              <a:rPr lang="nl-BE" dirty="0" err="1"/>
+              <a:t>Mean</a:t>
+            </a:r>
+            <a:endParaRPr lang="nl-BE" dirty="0"/>
+          </a:p>
+          <a:p>
+            <a:pPr marL="628650" lvl="1" indent="-171450">
+              <a:buFontTx/>
+              <a:buChar char="-"/>
+            </a:pPr>
+            <a:r>
+              <a:rPr lang="nl-BE" dirty="0"/>
+              <a:t>Cross-</a:t>
+            </a:r>
+            <a:r>
+              <a:rPr lang="nl-BE" dirty="0" err="1"/>
+              <a:t>correlation</a:t>
+            </a:r>
+            <a:r>
+              <a:rPr lang="nl-BE" dirty="0"/>
+              <a:t> in time </a:t>
+            </a:r>
+            <a:r>
+              <a:rPr lang="nl-BE" dirty="0" err="1"/>
+              <a:t>for</a:t>
+            </a:r>
+            <a:r>
+              <a:rPr lang="nl-BE" dirty="0"/>
+              <a:t> </a:t>
+            </a:r>
+            <a:r>
+              <a:rPr lang="nl-BE" dirty="0" err="1"/>
+              <a:t>each</a:t>
+            </a:r>
+            <a:r>
+              <a:rPr lang="nl-BE" dirty="0"/>
+              <a:t> point (1WT // 3WT)</a:t>
+            </a:r>
+          </a:p>
+          <a:p>
+            <a:pPr marL="628650" lvl="1" indent="-171450">
+              <a:buFontTx/>
+              <a:buChar char="-"/>
+            </a:pPr>
+            <a:r>
+              <a:rPr lang="nl-BE" dirty="0"/>
+              <a:t>Look </a:t>
+            </a:r>
+            <a:r>
+              <a:rPr lang="nl-BE" dirty="0" err="1"/>
+              <a:t>which</a:t>
+            </a:r>
+            <a:r>
+              <a:rPr lang="nl-BE" dirty="0"/>
+              <a:t> </a:t>
+            </a:r>
+            <a:r>
+              <a:rPr lang="nl-BE" dirty="0" err="1"/>
+              <a:t>superpostion</a:t>
+            </a:r>
+            <a:r>
+              <a:rPr lang="nl-BE" dirty="0"/>
+              <a:t> </a:t>
+            </a:r>
+            <a:r>
+              <a:rPr lang="nl-BE" dirty="0" err="1"/>
+              <a:t>method</a:t>
+            </a:r>
+            <a:r>
+              <a:rPr lang="nl-BE" dirty="0"/>
+              <a:t> (</a:t>
+            </a:r>
+            <a:r>
+              <a:rPr lang="nl-BE" dirty="0" err="1"/>
+              <a:t>linear</a:t>
+            </a:r>
+            <a:r>
+              <a:rPr lang="nl-BE" dirty="0"/>
+              <a:t>, </a:t>
+            </a:r>
+            <a:r>
+              <a:rPr lang="nl-BE" dirty="0" err="1"/>
+              <a:t>quadratic</a:t>
+            </a:r>
+            <a:r>
+              <a:rPr lang="nl-BE" dirty="0"/>
+              <a:t>, max deficit) is </a:t>
+            </a:r>
+            <a:r>
+              <a:rPr lang="nl-BE" dirty="0" err="1"/>
+              <a:t>closest</a:t>
+            </a:r>
+            <a:r>
+              <a:rPr lang="nl-BE" dirty="0"/>
+              <a:t> </a:t>
+            </a:r>
+            <a:r>
+              <a:rPr lang="nl-BE" dirty="0" err="1"/>
+              <a:t>to</a:t>
+            </a:r>
+            <a:r>
+              <a:rPr lang="nl-BE" dirty="0"/>
+              <a:t> </a:t>
+            </a:r>
+            <a:r>
+              <a:rPr lang="nl-BE" dirty="0" err="1"/>
+              <a:t>the</a:t>
+            </a:r>
+            <a:r>
+              <a:rPr lang="nl-BE" dirty="0"/>
+              <a:t> LES </a:t>
+            </a:r>
+            <a:r>
+              <a:rPr lang="nl-BE" dirty="0" err="1"/>
+              <a:t>results</a:t>
+            </a:r>
+            <a:r>
+              <a:rPr lang="nl-BE" dirty="0"/>
+              <a:t>. Or </a:t>
+            </a:r>
+            <a:r>
+              <a:rPr lang="nl-BE" dirty="0" err="1"/>
+              <a:t>another</a:t>
+            </a:r>
+            <a:r>
+              <a:rPr lang="nl-BE" dirty="0"/>
+              <a:t> </a:t>
+            </a:r>
+            <a:r>
+              <a:rPr lang="nl-BE" dirty="0" err="1"/>
+              <a:t>method</a:t>
+            </a:r>
+            <a:r>
+              <a:rPr lang="nl-BE" dirty="0"/>
+              <a:t>/</a:t>
+            </a:r>
+            <a:r>
+              <a:rPr lang="nl-BE" dirty="0" err="1"/>
+              <a:t>scaling</a:t>
+            </a:r>
+            <a:r>
+              <a:rPr lang="nl-BE" dirty="0"/>
+              <a:t> </a:t>
+            </a:r>
+            <a:r>
+              <a:rPr lang="nl-BE" dirty="0" err="1"/>
+              <a:t>used</a:t>
+            </a:r>
+            <a:r>
+              <a:rPr lang="nl-BE" dirty="0"/>
+              <a:t>?</a:t>
+            </a:r>
+          </a:p>
+        </p:txBody>
+      </p:sp>
+      <p:sp>
+        <p:nvSpPr>
+          <p:cNvPr id="4" name="Tijdelijke aanduiding voor dianummer 3"/>
+          <p:cNvSpPr>
+            <a:spLocks noGrp="1"/>
+          </p:cNvSpPr>
+          <p:nvPr>
+            <p:ph type="sldNum" sz="quarter" idx="10"/>
+          </p:nvPr>
+        </p:nvSpPr>
+        <p:spPr/>
+        <p:txBody>
+          <a:bodyPr/>
+          <a:lstStyle/>
+          <a:p>
+            <a:fld id="{88835D12-5DBE-474A-86FF-9EDC2C0F6F5D}" type="slidenum">
+              <a:rPr lang="nl-BE" smtClean="0"/>
+              <a:t>27</a:t>
+            </a:fld>
+            <a:endParaRPr lang="nl-BE"/>
+          </a:p>
+        </p:txBody>
+      </p:sp>
+    </p:spTree>
+    <p:extLst>
+      <p:ext uri="{BB962C8B-B14F-4D97-AF65-F5344CB8AC3E}">
+        <p14:creationId xmlns:p14="http://schemas.microsoft.com/office/powerpoint/2010/main" val="3519019498"/>
       </p:ext>
     </p:extLst>
   </p:cSld>
@@ -641,14 +2349,340 @@
           <a:bodyPr/>
           <a:lstStyle/>
           <a:p>
-            <a:r>
-              <a:rPr lang="nl-BE" dirty="0"/>
-              <a:t>At different downstream </a:t>
-            </a:r>
-            <a:r>
-              <a:rPr lang="nl-BE" dirty="0" err="1"/>
-              <a:t>positions</a:t>
-            </a:r>
+            <a:pPr marL="171450" indent="-171450">
+              <a:buFontTx/>
+              <a:buChar char="-"/>
+            </a:pPr>
+            <a:r>
+              <a:rPr lang="nl-BE" dirty="0"/>
+              <a:t>1st </a:t>
+            </a:r>
+            <a:r>
+              <a:rPr lang="nl-BE" dirty="0" err="1"/>
+              <a:t>figure</a:t>
+            </a:r>
+            <a:r>
+              <a:rPr lang="nl-BE" dirty="0"/>
+              <a:t>: </a:t>
+            </a:r>
+            <a:r>
+              <a:rPr lang="nl-BE" dirty="0" err="1"/>
+              <a:t>Vhub</a:t>
+            </a:r>
+            <a:r>
+              <a:rPr lang="nl-BE" dirty="0"/>
+              <a:t> = wind </a:t>
+            </a:r>
+            <a:r>
+              <a:rPr lang="nl-BE" dirty="0" err="1"/>
+              <a:t>velocity</a:t>
+            </a:r>
+            <a:r>
+              <a:rPr lang="nl-BE" dirty="0"/>
+              <a:t> at hub </a:t>
+            </a:r>
+            <a:r>
+              <a:rPr lang="nl-BE" dirty="0" err="1"/>
+              <a:t>height</a:t>
+            </a:r>
+            <a:r>
+              <a:rPr lang="nl-BE" dirty="0"/>
+              <a:t>, 1R upstream of 1st wind turbine</a:t>
+            </a:r>
+          </a:p>
+          <a:p>
+            <a:pPr marL="171450" indent="-171450">
+              <a:buFontTx/>
+              <a:buChar char="-"/>
+            </a:pPr>
+            <a:r>
+              <a:rPr lang="nl-BE" dirty="0"/>
+              <a:t>Black power curve: power </a:t>
+            </a:r>
+            <a:r>
+              <a:rPr lang="nl-BE" dirty="0" err="1"/>
+              <a:t>derived</a:t>
+            </a:r>
+            <a:r>
+              <a:rPr lang="nl-BE" dirty="0"/>
+              <a:t> </a:t>
+            </a:r>
+            <a:r>
+              <a:rPr lang="nl-BE" dirty="0" err="1"/>
+              <a:t>from</a:t>
+            </a:r>
+            <a:r>
+              <a:rPr lang="nl-BE" dirty="0"/>
+              <a:t> </a:t>
+            </a:r>
+            <a:r>
+              <a:rPr lang="nl-BE" dirty="0" err="1"/>
+              <a:t>Vhub</a:t>
+            </a:r>
+            <a:r>
+              <a:rPr lang="nl-BE" dirty="0"/>
+              <a:t> </a:t>
+            </a:r>
+            <a:r>
+              <a:rPr lang="nl-BE" dirty="0" err="1"/>
+              <a:t>and</a:t>
+            </a:r>
+            <a:r>
+              <a:rPr lang="nl-BE" dirty="0"/>
+              <a:t> power curve</a:t>
+            </a:r>
+          </a:p>
+          <a:p>
+            <a:pPr marL="171450" indent="-171450">
+              <a:buFontTx/>
+              <a:buChar char="-"/>
+            </a:pPr>
+            <a:r>
+              <a:rPr lang="nl-BE" dirty="0"/>
+              <a:t>The </a:t>
+            </a:r>
+            <a:r>
+              <a:rPr lang="nl-BE" dirty="0" err="1"/>
+              <a:t>electrical</a:t>
+            </a:r>
+            <a:r>
+              <a:rPr lang="nl-BE" dirty="0"/>
+              <a:t> power (</a:t>
+            </a:r>
+            <a:r>
+              <a:rPr lang="nl-BE" dirty="0" err="1"/>
+              <a:t>Pelec</a:t>
+            </a:r>
+            <a:r>
+              <a:rPr lang="nl-BE" dirty="0"/>
+              <a:t>) is </a:t>
+            </a:r>
+            <a:r>
+              <a:rPr lang="nl-BE" dirty="0" err="1"/>
+              <a:t>exceeding</a:t>
+            </a:r>
+            <a:r>
+              <a:rPr lang="nl-BE" dirty="0"/>
+              <a:t> </a:t>
+            </a:r>
+            <a:r>
+              <a:rPr lang="nl-BE" dirty="0" err="1"/>
+              <a:t>Prated</a:t>
+            </a:r>
+            <a:r>
+              <a:rPr lang="nl-BE" dirty="0"/>
+              <a:t>, up </a:t>
+            </a:r>
+            <a:r>
+              <a:rPr lang="nl-BE" dirty="0" err="1"/>
+              <a:t>to</a:t>
+            </a:r>
+            <a:r>
+              <a:rPr lang="nl-BE" dirty="0"/>
+              <a:t> 7MW </a:t>
+            </a:r>
+            <a:r>
+              <a:rPr lang="nl-BE" dirty="0" err="1"/>
+              <a:t>and</a:t>
+            </a:r>
+            <a:r>
+              <a:rPr lang="nl-BE" dirty="0"/>
+              <a:t> </a:t>
+            </a:r>
+            <a:r>
+              <a:rPr lang="nl-BE" dirty="0" err="1"/>
+              <a:t>for</a:t>
+            </a:r>
+            <a:r>
+              <a:rPr lang="nl-BE" dirty="0"/>
+              <a:t> long time </a:t>
+            </a:r>
+            <a:r>
+              <a:rPr lang="nl-BE" dirty="0" err="1"/>
+              <a:t>periods</a:t>
+            </a:r>
+            <a:br>
+              <a:rPr lang="nl-BE" dirty="0"/>
+            </a:br>
+            <a:r>
+              <a:rPr lang="nl-BE" dirty="0"/>
+              <a:t>These points in time are </a:t>
+            </a:r>
+            <a:r>
+              <a:rPr lang="nl-BE" dirty="0" err="1"/>
+              <a:t>indicated</a:t>
+            </a:r>
+            <a:r>
+              <a:rPr lang="nl-BE" dirty="0"/>
+              <a:t> in </a:t>
+            </a:r>
+            <a:r>
+              <a:rPr lang="nl-BE" dirty="0" err="1"/>
+              <a:t>orange</a:t>
+            </a:r>
+            <a:r>
+              <a:rPr lang="nl-BE" dirty="0"/>
+              <a:t> (</a:t>
+            </a:r>
+            <a:r>
+              <a:rPr lang="nl-BE" dirty="0" err="1"/>
+              <a:t>both</a:t>
+            </a:r>
+            <a:r>
+              <a:rPr lang="nl-BE" dirty="0"/>
+              <a:t> in </a:t>
+            </a:r>
+            <a:r>
+              <a:rPr lang="nl-BE" dirty="0" err="1"/>
+              <a:t>the</a:t>
+            </a:r>
+            <a:r>
+              <a:rPr lang="nl-BE" dirty="0"/>
+              <a:t> power curve as </a:t>
+            </a:r>
+            <a:r>
+              <a:rPr lang="nl-BE" dirty="0" err="1"/>
+              <a:t>for</a:t>
+            </a:r>
+            <a:r>
+              <a:rPr lang="nl-BE" dirty="0"/>
+              <a:t> </a:t>
+            </a:r>
+            <a:r>
+              <a:rPr lang="nl-BE" dirty="0" err="1"/>
+              <a:t>Vhub</a:t>
+            </a:r>
+            <a:r>
+              <a:rPr lang="nl-BE" dirty="0"/>
+              <a:t>)</a:t>
+            </a:r>
+          </a:p>
+          <a:p>
+            <a:pPr marL="171450" indent="-171450">
+              <a:buFontTx/>
+              <a:buChar char="-"/>
+            </a:pPr>
+            <a:r>
+              <a:rPr lang="nl-BE" dirty="0" err="1"/>
+              <a:t>Reasons</a:t>
+            </a:r>
+            <a:r>
+              <a:rPr lang="nl-BE" dirty="0"/>
+              <a:t> </a:t>
+            </a:r>
+            <a:r>
+              <a:rPr lang="nl-BE" dirty="0" err="1"/>
+              <a:t>why</a:t>
+            </a:r>
+            <a:r>
+              <a:rPr lang="nl-BE" dirty="0"/>
+              <a:t> </a:t>
+            </a:r>
+            <a:r>
+              <a:rPr lang="nl-BE" dirty="0" err="1"/>
+              <a:t>the</a:t>
+            </a:r>
+            <a:r>
+              <a:rPr lang="nl-BE" dirty="0"/>
+              <a:t> black power curve is </a:t>
+            </a:r>
+            <a:r>
+              <a:rPr lang="nl-BE" dirty="0" err="1"/>
+              <a:t>lower</a:t>
+            </a:r>
+            <a:r>
+              <a:rPr lang="nl-BE" dirty="0"/>
+              <a:t> </a:t>
+            </a:r>
+            <a:r>
+              <a:rPr lang="nl-BE" dirty="0" err="1"/>
+              <a:t>than</a:t>
+            </a:r>
+            <a:r>
+              <a:rPr lang="nl-BE" dirty="0"/>
+              <a:t> </a:t>
+            </a:r>
+            <a:r>
+              <a:rPr lang="nl-BE" dirty="0" err="1"/>
+              <a:t>the</a:t>
+            </a:r>
+            <a:r>
+              <a:rPr lang="nl-BE" dirty="0"/>
+              <a:t> blue </a:t>
+            </a:r>
+            <a:r>
+              <a:rPr lang="nl-BE" dirty="0" err="1"/>
+              <a:t>one</a:t>
+            </a:r>
+            <a:r>
+              <a:rPr lang="nl-BE" dirty="0"/>
+              <a:t>: </a:t>
+            </a:r>
+            <a:r>
+              <a:rPr lang="nl-BE" dirty="0" err="1"/>
+              <a:t>induction</a:t>
+            </a:r>
+            <a:r>
+              <a:rPr lang="nl-BE" dirty="0"/>
+              <a:t>, </a:t>
+            </a:r>
+            <a:r>
+              <a:rPr lang="nl-BE" dirty="0" err="1"/>
+              <a:t>shear</a:t>
+            </a:r>
+            <a:r>
+              <a:rPr lang="nl-BE" dirty="0"/>
+              <a:t>, steady state power curve</a:t>
+            </a:r>
+          </a:p>
+          <a:p>
+            <a:pPr marL="171450" marR="0" lvl="0" indent="-171450" algn="l" defTabSz="914400" rtl="0" eaLnBrk="1" fontAlgn="auto" latinLnBrk="0" hangingPunct="1">
+              <a:lnSpc>
+                <a:spcPct val="100000"/>
+              </a:lnSpc>
+              <a:spcBef>
+                <a:spcPts val="0"/>
+              </a:spcBef>
+              <a:spcAft>
+                <a:spcPts val="0"/>
+              </a:spcAft>
+              <a:buClrTx/>
+              <a:buSzTx/>
+              <a:buFontTx/>
+              <a:buChar char="-"/>
+              <a:tabLst/>
+              <a:defRPr/>
+            </a:pPr>
+            <a:r>
+              <a:rPr lang="nl-BE" dirty="0" err="1"/>
+              <a:t>Mean</a:t>
+            </a:r>
+            <a:r>
+              <a:rPr lang="nl-BE" dirty="0"/>
+              <a:t> ( </a:t>
+            </a:r>
+            <a:r>
+              <a:rPr lang="nl-BE" dirty="0" err="1"/>
+              <a:t>Pelec</a:t>
+            </a:r>
+            <a:r>
+              <a:rPr lang="nl-BE" dirty="0"/>
+              <a:t> / </a:t>
+            </a:r>
+            <a:r>
+              <a:rPr lang="nl-BE" dirty="0" err="1"/>
+              <a:t>Pfrom</a:t>
+            </a:r>
+            <a:r>
+              <a:rPr lang="nl-BE" dirty="0"/>
+              <a:t> power curve)=1,844</a:t>
+            </a:r>
+          </a:p>
+          <a:p>
+            <a:pPr marL="171450" indent="-171450">
+              <a:buFontTx/>
+              <a:buChar char="-"/>
+            </a:pPr>
             <a:endParaRPr lang="nl-BE" dirty="0"/>
           </a:p>
         </p:txBody>
@@ -670,7 +2704,7 @@
           <a:p>
             <a:fld id="{88835D12-5DBE-474A-86FF-9EDC2C0F6F5D}" type="slidenum">
               <a:rPr lang="nl-BE" smtClean="0"/>
-              <a:t>22</a:t>
+              <a:t>4</a:t>
             </a:fld>
             <a:endParaRPr lang="nl-BE"/>
           </a:p>
@@ -679,7 +2713,2101 @@
     </p:spTree>
     <p:extLst>
       <p:ext uri="{BB962C8B-B14F-4D97-AF65-F5344CB8AC3E}">
-        <p14:creationId xmlns:p14="http://schemas.microsoft.com/office/powerpoint/2010/main" val="1076242534"/>
+        <p14:creationId xmlns:p14="http://schemas.microsoft.com/office/powerpoint/2010/main" val="3165265835"/>
+      </p:ext>
+    </p:extLst>
+  </p:cSld>
+  <p:clrMapOvr>
+    <a:masterClrMapping/>
+  </p:clrMapOvr>
+</p:notes>
+</file>
+
+<file path=ppt/notesSlides/notesSlide20.xml><?xml version="1.0" encoding="utf-8"?>
+<p:notes xmlns:a="http://schemas.openxmlformats.org/drawingml/2006/main" xmlns:r="http://schemas.openxmlformats.org/officeDocument/2006/relationships" xmlns:p="http://schemas.openxmlformats.org/presentationml/2006/main">
+  <p:cSld>
+    <p:spTree>
+      <p:nvGrpSpPr>
+        <p:cNvPr id="1" name=""/>
+        <p:cNvGrpSpPr/>
+        <p:nvPr/>
+      </p:nvGrpSpPr>
+      <p:grpSpPr>
+        <a:xfrm>
+          <a:off x="0" y="0"/>
+          <a:ext cx="0" cy="0"/>
+          <a:chOff x="0" y="0"/>
+          <a:chExt cx="0" cy="0"/>
+        </a:xfrm>
+      </p:grpSpPr>
+      <p:sp>
+        <p:nvSpPr>
+          <p:cNvPr id="2" name="Tijdelijke aanduiding voor dia-afbeelding 1"/>
+          <p:cNvSpPr>
+            <a:spLocks noGrp="1" noRot="1" noChangeAspect="1"/>
+          </p:cNvSpPr>
+          <p:nvPr>
+            <p:ph type="sldImg"/>
+          </p:nvPr>
+        </p:nvSpPr>
+        <p:spPr/>
+      </p:sp>
+      <p:sp>
+        <p:nvSpPr>
+          <p:cNvPr id="3" name="Tijdelijke aanduiding voor notities 2"/>
+          <p:cNvSpPr>
+            <a:spLocks noGrp="1"/>
+          </p:cNvSpPr>
+          <p:nvPr>
+            <p:ph type="body" idx="1"/>
+          </p:nvPr>
+        </p:nvSpPr>
+        <p:spPr/>
+        <p:txBody>
+          <a:bodyPr/>
+          <a:lstStyle/>
+          <a:p>
+            <a:pPr marL="171450" indent="-171450">
+              <a:buFontTx/>
+              <a:buChar char="-"/>
+            </a:pPr>
+            <a:r>
+              <a:rPr lang="nl-BE" dirty="0" err="1"/>
+              <a:t>During</a:t>
+            </a:r>
+            <a:r>
+              <a:rPr lang="nl-BE" dirty="0"/>
+              <a:t> </a:t>
+            </a:r>
+            <a:r>
+              <a:rPr lang="nl-BE" dirty="0" err="1"/>
+              <a:t>midterm</a:t>
+            </a:r>
+            <a:r>
+              <a:rPr lang="nl-BE" dirty="0"/>
+              <a:t> meeting </a:t>
+            </a:r>
+            <a:r>
+              <a:rPr lang="nl-BE" dirty="0" err="1"/>
+              <a:t>not</a:t>
+            </a:r>
+            <a:r>
+              <a:rPr lang="nl-BE" dirty="0"/>
+              <a:t> </a:t>
+            </a:r>
+            <a:r>
+              <a:rPr lang="nl-BE" dirty="0" err="1"/>
+              <a:t>the</a:t>
+            </a:r>
+            <a:r>
+              <a:rPr lang="nl-BE" dirty="0"/>
+              <a:t> time </a:t>
+            </a:r>
+            <a:r>
+              <a:rPr lang="nl-BE" dirty="0" err="1"/>
+              <a:t>to</a:t>
+            </a:r>
+            <a:r>
+              <a:rPr lang="nl-BE" dirty="0"/>
+              <a:t> </a:t>
+            </a:r>
+            <a:r>
+              <a:rPr lang="nl-BE" dirty="0" err="1"/>
+              <a:t>discuss</a:t>
+            </a:r>
+            <a:r>
+              <a:rPr lang="nl-BE" dirty="0"/>
+              <a:t> as </a:t>
+            </a:r>
+            <a:r>
+              <a:rPr lang="nl-BE" dirty="0" err="1"/>
+              <a:t>much</a:t>
+            </a:r>
+            <a:r>
+              <a:rPr lang="nl-BE" dirty="0"/>
+              <a:t> in detail as we </a:t>
+            </a:r>
+            <a:r>
+              <a:rPr lang="nl-BE" dirty="0" err="1"/>
+              <a:t>can</a:t>
+            </a:r>
+            <a:r>
+              <a:rPr lang="nl-BE" dirty="0"/>
+              <a:t> do </a:t>
+            </a:r>
+            <a:r>
+              <a:rPr lang="nl-BE" dirty="0" err="1"/>
+              <a:t>during</a:t>
+            </a:r>
+            <a:r>
+              <a:rPr lang="nl-BE" dirty="0"/>
+              <a:t> </a:t>
+            </a:r>
+            <a:r>
+              <a:rPr lang="nl-BE" dirty="0" err="1"/>
+              <a:t>the</a:t>
+            </a:r>
+            <a:r>
+              <a:rPr lang="nl-BE" dirty="0"/>
+              <a:t> </a:t>
+            </a:r>
+            <a:r>
+              <a:rPr lang="nl-BE" dirty="0" err="1"/>
+              <a:t>normal</a:t>
+            </a:r>
+            <a:r>
+              <a:rPr lang="nl-BE" dirty="0"/>
+              <a:t> meetings</a:t>
+            </a:r>
+          </a:p>
+          <a:p>
+            <a:pPr marL="171450" indent="-171450">
+              <a:buFontTx/>
+              <a:buChar char="-"/>
+            </a:pPr>
+            <a:r>
+              <a:rPr lang="nl-BE" dirty="0" err="1"/>
+              <a:t>Midterm</a:t>
+            </a:r>
+            <a:r>
+              <a:rPr lang="nl-BE" dirty="0"/>
+              <a:t>: </a:t>
+            </a:r>
+            <a:r>
+              <a:rPr lang="nl-BE" dirty="0" err="1"/>
+              <a:t>everything</a:t>
+            </a:r>
+            <a:r>
+              <a:rPr lang="nl-BE" dirty="0"/>
+              <a:t> </a:t>
+            </a:r>
+            <a:r>
+              <a:rPr lang="nl-BE" dirty="0" err="1"/>
+              <a:t>that</a:t>
+            </a:r>
+            <a:r>
+              <a:rPr lang="nl-BE" dirty="0"/>
+              <a:t> has been </a:t>
+            </a:r>
+            <a:r>
+              <a:rPr lang="nl-BE" dirty="0" err="1"/>
+              <a:t>done</a:t>
+            </a:r>
+            <a:r>
+              <a:rPr lang="nl-BE" dirty="0"/>
+              <a:t> + </a:t>
+            </a:r>
+            <a:r>
+              <a:rPr lang="nl-BE" dirty="0" err="1"/>
+              <a:t>what</a:t>
+            </a:r>
+            <a:r>
+              <a:rPr lang="nl-BE" dirty="0"/>
+              <a:t> </a:t>
+            </a:r>
+            <a:r>
+              <a:rPr lang="nl-BE" dirty="0" err="1"/>
+              <a:t>the</a:t>
+            </a:r>
+            <a:r>
+              <a:rPr lang="nl-BE" dirty="0"/>
+              <a:t> big next steps are (planning)</a:t>
+            </a:r>
+          </a:p>
+          <a:p>
+            <a:pPr marL="171450" indent="-171450">
+              <a:buFontTx/>
+              <a:buChar char="-"/>
+            </a:pPr>
+            <a:r>
+              <a:rPr lang="nl-BE" dirty="0" err="1"/>
+              <a:t>Midterm</a:t>
+            </a:r>
+            <a:r>
+              <a:rPr lang="nl-BE" dirty="0"/>
+              <a:t> draft report: </a:t>
+            </a:r>
+            <a:r>
+              <a:rPr lang="nl-BE" dirty="0" err="1"/>
+              <a:t>the</a:t>
+            </a:r>
+            <a:r>
+              <a:rPr lang="nl-BE" dirty="0"/>
+              <a:t> </a:t>
+            </a:r>
+            <a:r>
+              <a:rPr lang="nl-BE" dirty="0" err="1"/>
+              <a:t>people</a:t>
+            </a:r>
+            <a:r>
+              <a:rPr lang="nl-BE" dirty="0"/>
+              <a:t> </a:t>
+            </a:r>
+            <a:r>
+              <a:rPr lang="nl-BE" dirty="0" err="1"/>
+              <a:t>who</a:t>
+            </a:r>
+            <a:r>
+              <a:rPr lang="nl-BE" dirty="0"/>
+              <a:t> </a:t>
+            </a:r>
+            <a:r>
+              <a:rPr lang="nl-BE" dirty="0" err="1"/>
+              <a:t>don’t</a:t>
+            </a:r>
+            <a:r>
+              <a:rPr lang="nl-BE" dirty="0"/>
+              <a:t> </a:t>
+            </a:r>
+            <a:r>
+              <a:rPr lang="nl-BE" dirty="0" err="1"/>
+              <a:t>know</a:t>
+            </a:r>
+            <a:r>
+              <a:rPr lang="nl-BE" dirty="0"/>
+              <a:t> </a:t>
+            </a:r>
+            <a:r>
+              <a:rPr lang="nl-BE" dirty="0" err="1"/>
+              <a:t>until</a:t>
+            </a:r>
+            <a:r>
+              <a:rPr lang="nl-BE" dirty="0"/>
+              <a:t> </a:t>
+            </a:r>
+            <a:r>
+              <a:rPr lang="nl-BE" dirty="0" err="1"/>
+              <a:t>now</a:t>
+            </a:r>
+            <a:r>
+              <a:rPr lang="nl-BE" dirty="0"/>
+              <a:t> </a:t>
+            </a:r>
+            <a:r>
+              <a:rPr lang="nl-BE" dirty="0" err="1"/>
+              <a:t>what</a:t>
+            </a:r>
+            <a:r>
+              <a:rPr lang="nl-BE" dirty="0"/>
+              <a:t> </a:t>
+            </a:r>
+            <a:r>
+              <a:rPr lang="nl-BE" dirty="0" err="1"/>
+              <a:t>I’ve</a:t>
+            </a:r>
+            <a:r>
+              <a:rPr lang="nl-BE" dirty="0"/>
+              <a:t> been </a:t>
+            </a:r>
+            <a:r>
+              <a:rPr lang="nl-BE" dirty="0" err="1"/>
+              <a:t>doing</a:t>
+            </a:r>
+            <a:r>
+              <a:rPr lang="nl-BE" dirty="0"/>
+              <a:t>, </a:t>
+            </a:r>
+            <a:r>
+              <a:rPr lang="nl-BE" dirty="0" err="1"/>
+              <a:t>should</a:t>
+            </a:r>
+            <a:r>
+              <a:rPr lang="nl-BE" dirty="0"/>
+              <a:t> have </a:t>
+            </a:r>
+            <a:r>
+              <a:rPr lang="nl-BE" dirty="0" err="1"/>
+              <a:t>an</a:t>
+            </a:r>
+            <a:r>
+              <a:rPr lang="nl-BE" dirty="0"/>
+              <a:t> </a:t>
+            </a:r>
+            <a:r>
+              <a:rPr lang="nl-BE" dirty="0" err="1"/>
+              <a:t>understanding</a:t>
+            </a:r>
+            <a:r>
+              <a:rPr lang="nl-BE" dirty="0"/>
+              <a:t> of </a:t>
+            </a:r>
+            <a:r>
+              <a:rPr lang="nl-BE" dirty="0" err="1"/>
+              <a:t>what</a:t>
+            </a:r>
+            <a:r>
+              <a:rPr lang="nl-BE" dirty="0"/>
+              <a:t> </a:t>
+            </a:r>
+            <a:r>
+              <a:rPr lang="nl-BE" dirty="0" err="1"/>
+              <a:t>the</a:t>
+            </a:r>
+            <a:r>
+              <a:rPr lang="nl-BE" dirty="0"/>
+              <a:t> thesis is </a:t>
+            </a:r>
+            <a:r>
+              <a:rPr lang="nl-BE" dirty="0" err="1"/>
+              <a:t>about</a:t>
+            </a:r>
+            <a:endParaRPr lang="nl-BE" dirty="0"/>
+          </a:p>
+        </p:txBody>
+      </p:sp>
+      <p:sp>
+        <p:nvSpPr>
+          <p:cNvPr id="4" name="Tijdelijke aanduiding voor dianummer 3"/>
+          <p:cNvSpPr>
+            <a:spLocks noGrp="1"/>
+          </p:cNvSpPr>
+          <p:nvPr>
+            <p:ph type="sldNum" sz="quarter" idx="10"/>
+          </p:nvPr>
+        </p:nvSpPr>
+        <p:spPr/>
+        <p:txBody>
+          <a:bodyPr/>
+          <a:lstStyle/>
+          <a:p>
+            <a:fld id="{88835D12-5DBE-474A-86FF-9EDC2C0F6F5D}" type="slidenum">
+              <a:rPr lang="nl-BE" smtClean="0"/>
+              <a:t>28</a:t>
+            </a:fld>
+            <a:endParaRPr lang="nl-BE"/>
+          </a:p>
+        </p:txBody>
+      </p:sp>
+    </p:spTree>
+    <p:extLst>
+      <p:ext uri="{BB962C8B-B14F-4D97-AF65-F5344CB8AC3E}">
+        <p14:creationId xmlns:p14="http://schemas.microsoft.com/office/powerpoint/2010/main" val="2448041804"/>
+      </p:ext>
+    </p:extLst>
+  </p:cSld>
+  <p:clrMapOvr>
+    <a:masterClrMapping/>
+  </p:clrMapOvr>
+</p:notes>
+</file>
+
+<file path=ppt/notesSlides/notesSlide3.xml><?xml version="1.0" encoding="utf-8"?>
+<p:notes xmlns:a="http://schemas.openxmlformats.org/drawingml/2006/main" xmlns:r="http://schemas.openxmlformats.org/officeDocument/2006/relationships" xmlns:p="http://schemas.openxmlformats.org/presentationml/2006/main">
+  <p:cSld>
+    <p:spTree>
+      <p:nvGrpSpPr>
+        <p:cNvPr id="1" name=""/>
+        <p:cNvGrpSpPr/>
+        <p:nvPr/>
+      </p:nvGrpSpPr>
+      <p:grpSpPr>
+        <a:xfrm>
+          <a:off x="0" y="0"/>
+          <a:ext cx="0" cy="0"/>
+          <a:chOff x="0" y="0"/>
+          <a:chExt cx="0" cy="0"/>
+        </a:xfrm>
+      </p:grpSpPr>
+      <p:sp>
+        <p:nvSpPr>
+          <p:cNvPr id="2" name="Tijdelijke aanduiding voor dia-afbeelding 1"/>
+          <p:cNvSpPr>
+            <a:spLocks noGrp="1" noRot="1" noChangeAspect="1"/>
+          </p:cNvSpPr>
+          <p:nvPr>
+            <p:ph type="sldImg"/>
+          </p:nvPr>
+        </p:nvSpPr>
+        <p:spPr/>
+      </p:sp>
+      <p:sp>
+        <p:nvSpPr>
+          <p:cNvPr id="3" name="Tijdelijke aanduiding voor notities 2"/>
+          <p:cNvSpPr>
+            <a:spLocks noGrp="1"/>
+          </p:cNvSpPr>
+          <p:nvPr>
+            <p:ph type="body" idx="1"/>
+          </p:nvPr>
+        </p:nvSpPr>
+        <p:spPr/>
+        <p:txBody>
+          <a:bodyPr/>
+          <a:lstStyle/>
+          <a:p>
+            <a:pPr marL="171450" marR="0" lvl="0" indent="-171450" algn="l" defTabSz="914400" rtl="0" eaLnBrk="1" fontAlgn="auto" latinLnBrk="0" hangingPunct="1">
+              <a:lnSpc>
+                <a:spcPct val="100000"/>
+              </a:lnSpc>
+              <a:spcBef>
+                <a:spcPts val="0"/>
+              </a:spcBef>
+              <a:spcAft>
+                <a:spcPts val="0"/>
+              </a:spcAft>
+              <a:buClrTx/>
+              <a:buSzTx/>
+              <a:buFontTx/>
+              <a:buChar char="-"/>
+              <a:tabLst/>
+              <a:defRPr/>
+            </a:pPr>
+            <a:r>
+              <a:rPr lang="nl-BE" dirty="0"/>
+              <a:t>Black curves: </a:t>
+            </a:r>
+            <a:r>
+              <a:rPr lang="nl-BE" dirty="0" err="1"/>
+              <a:t>interpolated</a:t>
+            </a:r>
+            <a:r>
+              <a:rPr lang="nl-BE" dirty="0"/>
+              <a:t> </a:t>
+            </a:r>
+            <a:r>
+              <a:rPr lang="nl-BE" dirty="0" err="1"/>
+              <a:t>values</a:t>
+            </a:r>
+            <a:r>
+              <a:rPr lang="nl-BE" dirty="0"/>
+              <a:t> making </a:t>
+            </a:r>
+            <a:r>
+              <a:rPr lang="nl-BE" dirty="0" err="1"/>
+              <a:t>use</a:t>
+            </a:r>
+            <a:r>
+              <a:rPr lang="nl-BE" dirty="0"/>
+              <a:t> of </a:t>
+            </a:r>
+            <a:r>
+              <a:rPr lang="nl-BE" dirty="0" err="1"/>
+              <a:t>Vhub</a:t>
+            </a:r>
+            <a:r>
+              <a:rPr lang="nl-BE" dirty="0"/>
+              <a:t> </a:t>
+            </a:r>
+            <a:r>
+              <a:rPr lang="nl-BE" dirty="0" err="1"/>
+              <a:t>and</a:t>
+            </a:r>
+            <a:r>
+              <a:rPr lang="nl-BE" dirty="0"/>
+              <a:t> pitch/</a:t>
+            </a:r>
+            <a:r>
+              <a:rPr lang="nl-BE" dirty="0" err="1"/>
+              <a:t>thrust</a:t>
+            </a:r>
+            <a:r>
+              <a:rPr lang="nl-BE" dirty="0"/>
+              <a:t> curve</a:t>
+            </a:r>
+          </a:p>
+          <a:p>
+            <a:pPr marL="171450" marR="0" lvl="0" indent="-171450" algn="l" defTabSz="914400" rtl="0" eaLnBrk="1" fontAlgn="auto" latinLnBrk="0" hangingPunct="1">
+              <a:lnSpc>
+                <a:spcPct val="100000"/>
+              </a:lnSpc>
+              <a:spcBef>
+                <a:spcPts val="0"/>
+              </a:spcBef>
+              <a:spcAft>
+                <a:spcPts val="0"/>
+              </a:spcAft>
+              <a:buClrTx/>
+              <a:buSzTx/>
+              <a:buFontTx/>
+              <a:buChar char="-"/>
+              <a:tabLst/>
+              <a:defRPr/>
+            </a:pPr>
+            <a:r>
+              <a:rPr lang="nl-BE" dirty="0"/>
+              <a:t>Orange: </a:t>
+            </a:r>
+            <a:r>
+              <a:rPr lang="nl-BE" dirty="0" err="1"/>
+              <a:t>when</a:t>
+            </a:r>
+            <a:r>
+              <a:rPr lang="nl-BE" dirty="0"/>
+              <a:t> </a:t>
+            </a:r>
+            <a:r>
+              <a:rPr lang="nl-BE" dirty="0" err="1"/>
+              <a:t>Pelec</a:t>
+            </a:r>
+            <a:r>
+              <a:rPr lang="nl-BE" dirty="0"/>
+              <a:t> </a:t>
+            </a:r>
+            <a:r>
+              <a:rPr lang="nl-BE" dirty="0" err="1"/>
+              <a:t>exceeds</a:t>
+            </a:r>
+            <a:r>
+              <a:rPr lang="nl-BE" dirty="0"/>
+              <a:t> </a:t>
+            </a:r>
+            <a:r>
+              <a:rPr lang="nl-BE" dirty="0" err="1"/>
+              <a:t>Prated</a:t>
+            </a:r>
+            <a:endParaRPr lang="nl-BE" dirty="0"/>
+          </a:p>
+          <a:p>
+            <a:pPr marL="171450" marR="0" lvl="0" indent="-171450" algn="l" defTabSz="914400" rtl="0" eaLnBrk="1" fontAlgn="auto" latinLnBrk="0" hangingPunct="1">
+              <a:lnSpc>
+                <a:spcPct val="100000"/>
+              </a:lnSpc>
+              <a:spcBef>
+                <a:spcPts val="0"/>
+              </a:spcBef>
+              <a:spcAft>
+                <a:spcPts val="0"/>
+              </a:spcAft>
+              <a:buClrTx/>
+              <a:buSzTx/>
+              <a:buFontTx/>
+              <a:buChar char="-"/>
+              <a:tabLst/>
+              <a:defRPr/>
+            </a:pPr>
+            <a:r>
+              <a:rPr lang="nl-BE" dirty="0"/>
+              <a:t>Pitch </a:t>
+            </a:r>
+            <a:r>
+              <a:rPr lang="nl-BE" dirty="0" err="1"/>
+              <a:t>behaves</a:t>
+            </a:r>
+            <a:r>
+              <a:rPr lang="nl-BE" dirty="0"/>
+              <a:t> as </a:t>
+            </a:r>
+            <a:r>
+              <a:rPr lang="nl-BE" dirty="0" err="1"/>
+              <a:t>expected</a:t>
+            </a:r>
+            <a:endParaRPr lang="nl-BE" dirty="0"/>
+          </a:p>
+          <a:p>
+            <a:pPr marL="171450" marR="0" lvl="0" indent="-171450" algn="l" defTabSz="914400" rtl="0" eaLnBrk="1" fontAlgn="auto" latinLnBrk="0" hangingPunct="1">
+              <a:lnSpc>
+                <a:spcPct val="100000"/>
+              </a:lnSpc>
+              <a:spcBef>
+                <a:spcPts val="0"/>
+              </a:spcBef>
+              <a:spcAft>
+                <a:spcPts val="0"/>
+              </a:spcAft>
+              <a:buClrTx/>
+              <a:buSzTx/>
+              <a:buFontTx/>
+              <a:buChar char="-"/>
+              <a:tabLst/>
+              <a:defRPr/>
+            </a:pPr>
+            <a:r>
+              <a:rPr lang="nl-BE" b="1" dirty="0" err="1"/>
+              <a:t>Thrust</a:t>
+            </a:r>
+            <a:r>
+              <a:rPr lang="nl-BE" b="1" dirty="0"/>
+              <a:t> is </a:t>
+            </a:r>
+            <a:r>
+              <a:rPr lang="nl-BE" b="1" dirty="0" err="1"/>
+              <a:t>too</a:t>
+            </a:r>
+            <a:r>
+              <a:rPr lang="nl-BE" b="1" dirty="0"/>
+              <a:t> high in LES </a:t>
+            </a:r>
+            <a:r>
+              <a:rPr lang="nl-BE" b="1" dirty="0" err="1"/>
+              <a:t>simulations</a:t>
+            </a:r>
+            <a:r>
+              <a:rPr lang="nl-BE" b="1" dirty="0"/>
+              <a:t>!</a:t>
+            </a:r>
+            <a:br>
+              <a:rPr lang="nl-BE" b="1" dirty="0"/>
+            </a:br>
+            <a:r>
+              <a:rPr lang="nl-BE" dirty="0" err="1"/>
+              <a:t>Because</a:t>
+            </a:r>
+            <a:r>
+              <a:rPr lang="nl-BE" dirty="0"/>
+              <a:t> of </a:t>
+            </a:r>
+            <a:r>
+              <a:rPr lang="nl-BE" dirty="0" err="1"/>
+              <a:t>intertia</a:t>
+            </a:r>
+            <a:r>
+              <a:rPr lang="nl-BE" dirty="0"/>
+              <a:t> </a:t>
+            </a:r>
+            <a:r>
+              <a:rPr lang="nl-BE" dirty="0" err="1"/>
+              <a:t>you</a:t>
+            </a:r>
+            <a:r>
+              <a:rPr lang="nl-BE" dirty="0"/>
+              <a:t> </a:t>
+            </a:r>
+            <a:r>
+              <a:rPr lang="nl-BE" dirty="0" err="1"/>
+              <a:t>gain</a:t>
+            </a:r>
+            <a:r>
+              <a:rPr lang="nl-BE" dirty="0"/>
+              <a:t> a bit extra </a:t>
+            </a:r>
+            <a:r>
+              <a:rPr lang="nl-BE" dirty="0" err="1"/>
+              <a:t>thrust</a:t>
+            </a:r>
+            <a:r>
+              <a:rPr lang="nl-BE" dirty="0"/>
+              <a:t>, but </a:t>
+            </a:r>
+            <a:r>
+              <a:rPr lang="nl-BE" dirty="0" err="1"/>
+              <a:t>not</a:t>
+            </a:r>
+            <a:r>
+              <a:rPr lang="nl-BE" dirty="0"/>
+              <a:t> </a:t>
+            </a:r>
+            <a:r>
+              <a:rPr lang="nl-BE" dirty="0" err="1"/>
+              <a:t>this</a:t>
+            </a:r>
+            <a:r>
+              <a:rPr lang="nl-BE" dirty="0"/>
+              <a:t> </a:t>
+            </a:r>
+            <a:r>
+              <a:rPr lang="nl-BE" dirty="0" err="1"/>
+              <a:t>much</a:t>
+            </a:r>
+            <a:endParaRPr lang="nl-BE" dirty="0"/>
+          </a:p>
+        </p:txBody>
+      </p:sp>
+      <p:sp>
+        <p:nvSpPr>
+          <p:cNvPr id="4" name="Tijdelijke aanduiding voor dianummer 3"/>
+          <p:cNvSpPr>
+            <a:spLocks noGrp="1"/>
+          </p:cNvSpPr>
+          <p:nvPr>
+            <p:ph type="sldNum" sz="quarter" idx="10"/>
+          </p:nvPr>
+        </p:nvSpPr>
+        <p:spPr/>
+        <p:txBody>
+          <a:bodyPr/>
+          <a:lstStyle/>
+          <a:p>
+            <a:fld id="{88835D12-5DBE-474A-86FF-9EDC2C0F6F5D}" type="slidenum">
+              <a:rPr lang="nl-BE" smtClean="0"/>
+              <a:t>5</a:t>
+            </a:fld>
+            <a:endParaRPr lang="nl-BE"/>
+          </a:p>
+        </p:txBody>
+      </p:sp>
+    </p:spTree>
+    <p:extLst>
+      <p:ext uri="{BB962C8B-B14F-4D97-AF65-F5344CB8AC3E}">
+        <p14:creationId xmlns:p14="http://schemas.microsoft.com/office/powerpoint/2010/main" val="2074731820"/>
+      </p:ext>
+    </p:extLst>
+  </p:cSld>
+  <p:clrMapOvr>
+    <a:masterClrMapping/>
+  </p:clrMapOvr>
+</p:notes>
+</file>
+
+<file path=ppt/notesSlides/notesSlide4.xml><?xml version="1.0" encoding="utf-8"?>
+<p:notes xmlns:a="http://schemas.openxmlformats.org/drawingml/2006/main" xmlns:r="http://schemas.openxmlformats.org/officeDocument/2006/relationships" xmlns:p="http://schemas.openxmlformats.org/presentationml/2006/main">
+  <p:cSld>
+    <p:spTree>
+      <p:nvGrpSpPr>
+        <p:cNvPr id="1" name=""/>
+        <p:cNvGrpSpPr/>
+        <p:nvPr/>
+      </p:nvGrpSpPr>
+      <p:grpSpPr>
+        <a:xfrm>
+          <a:off x="0" y="0"/>
+          <a:ext cx="0" cy="0"/>
+          <a:chOff x="0" y="0"/>
+          <a:chExt cx="0" cy="0"/>
+        </a:xfrm>
+      </p:grpSpPr>
+      <p:sp>
+        <p:nvSpPr>
+          <p:cNvPr id="2" name="Tijdelijke aanduiding voor dia-afbeelding 1"/>
+          <p:cNvSpPr>
+            <a:spLocks noGrp="1" noRot="1" noChangeAspect="1"/>
+          </p:cNvSpPr>
+          <p:nvPr>
+            <p:ph type="sldImg"/>
+          </p:nvPr>
+        </p:nvSpPr>
+        <p:spPr/>
+      </p:sp>
+      <p:sp>
+        <p:nvSpPr>
+          <p:cNvPr id="3" name="Tijdelijke aanduiding voor notities 2"/>
+          <p:cNvSpPr>
+            <a:spLocks noGrp="1"/>
+          </p:cNvSpPr>
+          <p:nvPr>
+            <p:ph type="body" idx="1"/>
+          </p:nvPr>
+        </p:nvSpPr>
+        <p:spPr/>
+        <p:txBody>
+          <a:bodyPr/>
+          <a:lstStyle/>
+          <a:p>
+            <a:r>
+              <a:rPr lang="en-GB" noProof="0" dirty="0"/>
+              <a:t>Power curve: “averaged” value, does not react instantaneously </a:t>
+            </a:r>
+            <a:r>
+              <a:rPr lang="en-GB" noProof="0" dirty="0">
+                <a:sym typeface="Wingdings" panose="05000000000000000000" pitchFamily="2" charset="2"/>
+              </a:rPr>
+              <a:t> lower TI</a:t>
+            </a:r>
+          </a:p>
+        </p:txBody>
+      </p:sp>
+      <p:sp>
+        <p:nvSpPr>
+          <p:cNvPr id="4" name="Tijdelijke aanduiding voor dianummer 3"/>
+          <p:cNvSpPr>
+            <a:spLocks noGrp="1"/>
+          </p:cNvSpPr>
+          <p:nvPr>
+            <p:ph type="sldNum" sz="quarter" idx="10"/>
+          </p:nvPr>
+        </p:nvSpPr>
+        <p:spPr/>
+        <p:txBody>
+          <a:bodyPr/>
+          <a:lstStyle/>
+          <a:p>
+            <a:fld id="{88835D12-5DBE-474A-86FF-9EDC2C0F6F5D}" type="slidenum">
+              <a:rPr lang="nl-BE" smtClean="0"/>
+              <a:t>7</a:t>
+            </a:fld>
+            <a:endParaRPr lang="nl-BE"/>
+          </a:p>
+        </p:txBody>
+      </p:sp>
+    </p:spTree>
+    <p:extLst>
+      <p:ext uri="{BB962C8B-B14F-4D97-AF65-F5344CB8AC3E}">
+        <p14:creationId xmlns:p14="http://schemas.microsoft.com/office/powerpoint/2010/main" val="2937451605"/>
+      </p:ext>
+    </p:extLst>
+  </p:cSld>
+  <p:clrMapOvr>
+    <a:masterClrMapping/>
+  </p:clrMapOvr>
+</p:notes>
+</file>
+
+<file path=ppt/notesSlides/notesSlide5.xml><?xml version="1.0" encoding="utf-8"?>
+<p:notes xmlns:a="http://schemas.openxmlformats.org/drawingml/2006/main" xmlns:r="http://schemas.openxmlformats.org/officeDocument/2006/relationships" xmlns:p="http://schemas.openxmlformats.org/presentationml/2006/main">
+  <p:cSld>
+    <p:spTree>
+      <p:nvGrpSpPr>
+        <p:cNvPr id="1" name=""/>
+        <p:cNvGrpSpPr/>
+        <p:nvPr/>
+      </p:nvGrpSpPr>
+      <p:grpSpPr>
+        <a:xfrm>
+          <a:off x="0" y="0"/>
+          <a:ext cx="0" cy="0"/>
+          <a:chOff x="0" y="0"/>
+          <a:chExt cx="0" cy="0"/>
+        </a:xfrm>
+      </p:grpSpPr>
+      <p:sp>
+        <p:nvSpPr>
+          <p:cNvPr id="2" name="Tijdelijke aanduiding voor dia-afbeelding 1"/>
+          <p:cNvSpPr>
+            <a:spLocks noGrp="1" noRot="1" noChangeAspect="1"/>
+          </p:cNvSpPr>
+          <p:nvPr>
+            <p:ph type="sldImg"/>
+          </p:nvPr>
+        </p:nvSpPr>
+        <p:spPr/>
+      </p:sp>
+      <p:sp>
+        <p:nvSpPr>
+          <p:cNvPr id="3" name="Tijdelijke aanduiding voor notities 2"/>
+          <p:cNvSpPr>
+            <a:spLocks noGrp="1"/>
+          </p:cNvSpPr>
+          <p:nvPr>
+            <p:ph type="body" idx="1"/>
+          </p:nvPr>
+        </p:nvSpPr>
+        <p:spPr/>
+        <p:txBody>
+          <a:bodyPr/>
+          <a:lstStyle/>
+          <a:p>
+            <a:pPr marL="171450" marR="0" lvl="0" indent="-171450" algn="l" defTabSz="914400" rtl="0" eaLnBrk="1" fontAlgn="auto" latinLnBrk="0" hangingPunct="1">
+              <a:lnSpc>
+                <a:spcPct val="100000"/>
+              </a:lnSpc>
+              <a:spcBef>
+                <a:spcPts val="0"/>
+              </a:spcBef>
+              <a:spcAft>
+                <a:spcPts val="0"/>
+              </a:spcAft>
+              <a:buClrTx/>
+              <a:buSzTx/>
+              <a:buFontTx/>
+              <a:buChar char="-"/>
+              <a:tabLst/>
+              <a:defRPr/>
+            </a:pPr>
+            <a:r>
+              <a:rPr lang="nl-BE" dirty="0"/>
+              <a:t>Cross-</a:t>
+            </a:r>
+            <a:r>
+              <a:rPr lang="nl-BE" dirty="0" err="1"/>
+              <a:t>strea</a:t>
+            </a:r>
+            <a:r>
+              <a:rPr lang="nl-BE" dirty="0"/>
+              <a:t> </a:t>
+            </a:r>
+            <a:r>
+              <a:rPr lang="nl-BE" dirty="0" err="1"/>
+              <a:t>planes</a:t>
+            </a:r>
+            <a:r>
+              <a:rPr lang="nl-BE" dirty="0"/>
+              <a:t> </a:t>
+            </a:r>
+            <a:r>
+              <a:rPr lang="nl-BE" dirty="0" err="1"/>
+              <a:t>for</a:t>
+            </a:r>
+            <a:r>
+              <a:rPr lang="nl-BE" dirty="0"/>
+              <a:t> LES are </a:t>
+            </a:r>
+            <a:r>
+              <a:rPr lang="nl-BE" dirty="0" err="1"/>
+              <a:t>only</a:t>
+            </a:r>
+            <a:r>
+              <a:rPr lang="nl-BE" dirty="0"/>
+              <a:t> </a:t>
+            </a:r>
+            <a:r>
+              <a:rPr lang="nl-BE" dirty="0" err="1"/>
+              <a:t>available</a:t>
+            </a:r>
+            <a:r>
+              <a:rPr lang="nl-BE" dirty="0"/>
+              <a:t> up </a:t>
+            </a:r>
+            <a:r>
+              <a:rPr lang="nl-BE" dirty="0" err="1"/>
+              <a:t>to</a:t>
+            </a:r>
+            <a:r>
+              <a:rPr lang="nl-BE" dirty="0"/>
+              <a:t> 1D upstream (</a:t>
+            </a:r>
+            <a:r>
+              <a:rPr lang="nl-BE" dirty="0" err="1"/>
+              <a:t>see</a:t>
+            </a:r>
+            <a:r>
+              <a:rPr lang="nl-BE" dirty="0"/>
+              <a:t> </a:t>
+            </a:r>
+            <a:r>
+              <a:rPr lang="nl-BE" dirty="0" err="1"/>
+              <a:t>also</a:t>
+            </a:r>
+            <a:r>
+              <a:rPr lang="nl-BE" dirty="0"/>
+              <a:t> next slide)</a:t>
+            </a:r>
+          </a:p>
+          <a:p>
+            <a:pPr marL="171450" marR="0" lvl="0" indent="-171450" algn="l" defTabSz="914400" rtl="0" eaLnBrk="1" fontAlgn="auto" latinLnBrk="0" hangingPunct="1">
+              <a:lnSpc>
+                <a:spcPct val="100000"/>
+              </a:lnSpc>
+              <a:spcBef>
+                <a:spcPts val="0"/>
+              </a:spcBef>
+              <a:spcAft>
+                <a:spcPts val="0"/>
+              </a:spcAft>
+              <a:buClrTx/>
+              <a:buSzTx/>
+              <a:buFontTx/>
+              <a:buChar char="-"/>
+              <a:tabLst/>
+              <a:defRPr/>
+            </a:pPr>
+            <a:r>
+              <a:rPr lang="nl-BE" dirty="0" err="1"/>
+              <a:t>Purple</a:t>
+            </a:r>
+            <a:r>
+              <a:rPr lang="nl-BE" dirty="0"/>
+              <a:t> line: LES </a:t>
+            </a:r>
+            <a:r>
+              <a:rPr lang="nl-BE" dirty="0" err="1"/>
+              <a:t>turbulence</a:t>
+            </a:r>
+            <a:r>
+              <a:rPr lang="nl-BE" dirty="0"/>
+              <a:t>, </a:t>
+            </a:r>
+            <a:r>
+              <a:rPr lang="nl-BE" dirty="0" err="1"/>
+              <a:t>also</a:t>
+            </a:r>
+            <a:r>
+              <a:rPr lang="nl-BE" dirty="0"/>
+              <a:t> </a:t>
+            </a:r>
+            <a:r>
+              <a:rPr lang="nl-BE" dirty="0" err="1"/>
+              <a:t>averaged</a:t>
+            </a:r>
+            <a:r>
+              <a:rPr lang="nl-BE" dirty="0"/>
+              <a:t> in </a:t>
+            </a:r>
+            <a:r>
+              <a:rPr lang="nl-BE" dirty="0" err="1"/>
+              <a:t>space</a:t>
+            </a:r>
+            <a:endParaRPr lang="nl-BE" dirty="0"/>
+          </a:p>
+          <a:p>
+            <a:pPr marL="171450" marR="0" lvl="0" indent="-171450" algn="l" defTabSz="914400" rtl="0" eaLnBrk="1" fontAlgn="auto" latinLnBrk="0" hangingPunct="1">
+              <a:lnSpc>
+                <a:spcPct val="100000"/>
+              </a:lnSpc>
+              <a:spcBef>
+                <a:spcPts val="0"/>
+              </a:spcBef>
+              <a:spcAft>
+                <a:spcPts val="0"/>
+              </a:spcAft>
+              <a:buClrTx/>
+              <a:buSzTx/>
+              <a:buFontTx/>
+              <a:buChar char="-"/>
+              <a:tabLst/>
+              <a:defRPr/>
+            </a:pPr>
+            <a:r>
+              <a:rPr lang="nl-BE" dirty="0"/>
+              <a:t>TI in LES is </a:t>
+            </a:r>
+            <a:r>
+              <a:rPr lang="nl-BE" dirty="0" err="1"/>
+              <a:t>created</a:t>
+            </a:r>
+            <a:r>
+              <a:rPr lang="nl-BE" dirty="0"/>
+              <a:t> </a:t>
+            </a:r>
+            <a:r>
+              <a:rPr lang="nl-BE" dirty="0" err="1"/>
+              <a:t>with</a:t>
+            </a:r>
+            <a:r>
+              <a:rPr lang="nl-BE" dirty="0"/>
+              <a:t> body </a:t>
+            </a:r>
+            <a:r>
+              <a:rPr lang="nl-BE" dirty="0" err="1"/>
+              <a:t>forces</a:t>
+            </a:r>
+            <a:endParaRPr lang="nl-BE" dirty="0"/>
+          </a:p>
+          <a:p>
+            <a:pPr marL="171450" marR="0" lvl="0" indent="-171450" algn="l" defTabSz="914400" rtl="0" eaLnBrk="1" fontAlgn="auto" latinLnBrk="0" hangingPunct="1">
+              <a:lnSpc>
+                <a:spcPct val="100000"/>
+              </a:lnSpc>
+              <a:spcBef>
+                <a:spcPts val="0"/>
+              </a:spcBef>
+              <a:spcAft>
+                <a:spcPts val="0"/>
+              </a:spcAft>
+              <a:buClrTx/>
+              <a:buSzTx/>
+              <a:buFontTx/>
+              <a:buChar char="-"/>
+              <a:tabLst/>
+              <a:defRPr/>
+            </a:pPr>
+            <a:r>
+              <a:rPr lang="nl-BE" dirty="0"/>
+              <a:t>Matches TI at hub </a:t>
+            </a:r>
+            <a:r>
+              <a:rPr lang="nl-BE" dirty="0" err="1"/>
+              <a:t>height</a:t>
+            </a:r>
+            <a:r>
+              <a:rPr lang="nl-BE" dirty="0"/>
+              <a:t> </a:t>
+            </a:r>
+            <a:r>
+              <a:rPr lang="nl-BE" dirty="0" err="1"/>
+              <a:t>quite</a:t>
+            </a:r>
+            <a:r>
+              <a:rPr lang="nl-BE" dirty="0"/>
+              <a:t> well </a:t>
+            </a:r>
+            <a:r>
+              <a:rPr lang="nl-BE" dirty="0" err="1"/>
+              <a:t>with</a:t>
+            </a:r>
+            <a:r>
+              <a:rPr lang="nl-BE" dirty="0"/>
+              <a:t> </a:t>
+            </a:r>
+            <a:r>
+              <a:rPr lang="nl-BE" dirty="0" err="1"/>
+              <a:t>the</a:t>
+            </a:r>
+            <a:r>
+              <a:rPr lang="nl-BE" dirty="0"/>
+              <a:t> BEACon TI</a:t>
+            </a:r>
+          </a:p>
+          <a:p>
+            <a:pPr marL="171450" marR="0" lvl="0" indent="-171450" algn="l" defTabSz="914400" rtl="0" eaLnBrk="1" fontAlgn="auto" latinLnBrk="0" hangingPunct="1">
+              <a:lnSpc>
+                <a:spcPct val="100000"/>
+              </a:lnSpc>
+              <a:spcBef>
+                <a:spcPts val="0"/>
+              </a:spcBef>
+              <a:spcAft>
+                <a:spcPts val="0"/>
+              </a:spcAft>
+              <a:buClrTx/>
+              <a:buSzTx/>
+              <a:buFontTx/>
+              <a:buChar char="-"/>
+              <a:tabLst/>
+              <a:defRPr/>
+            </a:pPr>
+            <a:r>
+              <a:rPr lang="nl-BE" dirty="0" err="1"/>
+              <a:t>Could</a:t>
+            </a:r>
+            <a:r>
+              <a:rPr lang="nl-BE" dirty="0"/>
+              <a:t> </a:t>
+            </a:r>
+            <a:r>
+              <a:rPr lang="nl-BE" dirty="0" err="1"/>
+              <a:t>be</a:t>
+            </a:r>
+            <a:r>
+              <a:rPr lang="nl-BE" dirty="0"/>
+              <a:t> </a:t>
+            </a:r>
+            <a:r>
+              <a:rPr lang="nl-BE" dirty="0" err="1"/>
+              <a:t>tuned</a:t>
+            </a:r>
+            <a:r>
+              <a:rPr lang="nl-BE" dirty="0"/>
+              <a:t> up a </a:t>
+            </a:r>
+            <a:r>
+              <a:rPr lang="nl-BE" dirty="0" err="1"/>
+              <a:t>little</a:t>
+            </a:r>
+            <a:r>
+              <a:rPr lang="nl-BE" dirty="0"/>
+              <a:t> bit in </a:t>
+            </a:r>
+            <a:r>
+              <a:rPr lang="nl-BE" dirty="0" err="1"/>
+              <a:t>the</a:t>
+            </a:r>
+            <a:r>
+              <a:rPr lang="nl-BE" dirty="0"/>
+              <a:t> LES </a:t>
+            </a:r>
+            <a:r>
+              <a:rPr lang="nl-BE" dirty="0" err="1"/>
+              <a:t>situations</a:t>
+            </a:r>
+            <a:r>
+              <a:rPr lang="nl-BE" dirty="0"/>
+              <a:t>, but </a:t>
+            </a:r>
+            <a:r>
+              <a:rPr lang="nl-BE" dirty="0" err="1"/>
+              <a:t>will</a:t>
+            </a:r>
+            <a:r>
+              <a:rPr lang="nl-BE" dirty="0"/>
+              <a:t> </a:t>
+            </a:r>
+            <a:r>
+              <a:rPr lang="nl-BE" dirty="0" err="1"/>
+              <a:t>not</a:t>
+            </a:r>
+            <a:r>
+              <a:rPr lang="nl-BE" dirty="0"/>
+              <a:t> make a big </a:t>
+            </a:r>
+            <a:r>
+              <a:rPr lang="nl-BE" dirty="0" err="1"/>
+              <a:t>difference</a:t>
+            </a:r>
+            <a:endParaRPr lang="nl-BE" dirty="0"/>
+          </a:p>
+          <a:p>
+            <a:endParaRPr lang="nl-BE" dirty="0"/>
+          </a:p>
+        </p:txBody>
+      </p:sp>
+      <p:sp>
+        <p:nvSpPr>
+          <p:cNvPr id="4" name="Tijdelijke aanduiding voor dianummer 3"/>
+          <p:cNvSpPr>
+            <a:spLocks noGrp="1"/>
+          </p:cNvSpPr>
+          <p:nvPr>
+            <p:ph type="sldNum" sz="quarter" idx="10"/>
+          </p:nvPr>
+        </p:nvSpPr>
+        <p:spPr/>
+        <p:txBody>
+          <a:bodyPr/>
+          <a:lstStyle/>
+          <a:p>
+            <a:fld id="{88835D12-5DBE-474A-86FF-9EDC2C0F6F5D}" type="slidenum">
+              <a:rPr lang="nl-BE" smtClean="0"/>
+              <a:t>8</a:t>
+            </a:fld>
+            <a:endParaRPr lang="nl-BE"/>
+          </a:p>
+        </p:txBody>
+      </p:sp>
+    </p:spTree>
+    <p:extLst>
+      <p:ext uri="{BB962C8B-B14F-4D97-AF65-F5344CB8AC3E}">
+        <p14:creationId xmlns:p14="http://schemas.microsoft.com/office/powerpoint/2010/main" val="1660168780"/>
+      </p:ext>
+    </p:extLst>
+  </p:cSld>
+  <p:clrMapOvr>
+    <a:masterClrMapping/>
+  </p:clrMapOvr>
+</p:notes>
+</file>
+
+<file path=ppt/notesSlides/notesSlide6.xml><?xml version="1.0" encoding="utf-8"?>
+<p:notes xmlns:a="http://schemas.openxmlformats.org/drawingml/2006/main" xmlns:r="http://schemas.openxmlformats.org/officeDocument/2006/relationships" xmlns:p="http://schemas.openxmlformats.org/presentationml/2006/main">
+  <p:cSld>
+    <p:spTree>
+      <p:nvGrpSpPr>
+        <p:cNvPr id="1" name=""/>
+        <p:cNvGrpSpPr/>
+        <p:nvPr/>
+      </p:nvGrpSpPr>
+      <p:grpSpPr>
+        <a:xfrm>
+          <a:off x="0" y="0"/>
+          <a:ext cx="0" cy="0"/>
+          <a:chOff x="0" y="0"/>
+          <a:chExt cx="0" cy="0"/>
+        </a:xfrm>
+      </p:grpSpPr>
+      <p:sp>
+        <p:nvSpPr>
+          <p:cNvPr id="2" name="Tijdelijke aanduiding voor dia-afbeelding 1"/>
+          <p:cNvSpPr>
+            <a:spLocks noGrp="1" noRot="1" noChangeAspect="1"/>
+          </p:cNvSpPr>
+          <p:nvPr>
+            <p:ph type="sldImg"/>
+          </p:nvPr>
+        </p:nvSpPr>
+        <p:spPr/>
+      </p:sp>
+      <p:sp>
+        <p:nvSpPr>
+          <p:cNvPr id="3" name="Tijdelijke aanduiding voor notities 2"/>
+          <p:cNvSpPr>
+            <a:spLocks noGrp="1"/>
+          </p:cNvSpPr>
+          <p:nvPr>
+            <p:ph type="body" idx="1"/>
+          </p:nvPr>
+        </p:nvSpPr>
+        <p:spPr/>
+        <p:txBody>
+          <a:bodyPr/>
+          <a:lstStyle/>
+          <a:p>
+            <a:r>
+              <a:rPr lang="nl-BE" dirty="0"/>
+              <a:t>Cross-stream </a:t>
+            </a:r>
+            <a:r>
+              <a:rPr lang="nl-BE" dirty="0" err="1"/>
+              <a:t>planes</a:t>
+            </a:r>
+            <a:r>
+              <a:rPr lang="nl-BE" dirty="0"/>
+              <a:t> </a:t>
+            </a:r>
+            <a:r>
+              <a:rPr lang="nl-BE" dirty="0" err="1"/>
+              <a:t>for</a:t>
+            </a:r>
+            <a:r>
+              <a:rPr lang="nl-BE" dirty="0"/>
+              <a:t> LES are </a:t>
+            </a:r>
+            <a:r>
+              <a:rPr lang="nl-BE" dirty="0" err="1"/>
+              <a:t>only</a:t>
+            </a:r>
+            <a:r>
+              <a:rPr lang="nl-BE" dirty="0"/>
+              <a:t> </a:t>
+            </a:r>
+            <a:r>
+              <a:rPr lang="nl-BE" dirty="0" err="1"/>
+              <a:t>available</a:t>
+            </a:r>
+            <a:r>
+              <a:rPr lang="nl-BE" dirty="0"/>
+              <a:t> up </a:t>
+            </a:r>
+            <a:r>
+              <a:rPr lang="nl-BE" dirty="0" err="1"/>
+              <a:t>to</a:t>
+            </a:r>
+            <a:r>
+              <a:rPr lang="nl-BE" dirty="0"/>
+              <a:t> 1D upstream</a:t>
+            </a:r>
+          </a:p>
+        </p:txBody>
+      </p:sp>
+      <p:sp>
+        <p:nvSpPr>
+          <p:cNvPr id="4" name="Tijdelijke aanduiding voor dianummer 3"/>
+          <p:cNvSpPr>
+            <a:spLocks noGrp="1"/>
+          </p:cNvSpPr>
+          <p:nvPr>
+            <p:ph type="sldNum" sz="quarter" idx="10"/>
+          </p:nvPr>
+        </p:nvSpPr>
+        <p:spPr/>
+        <p:txBody>
+          <a:bodyPr/>
+          <a:lstStyle/>
+          <a:p>
+            <a:fld id="{88835D12-5DBE-474A-86FF-9EDC2C0F6F5D}" type="slidenum">
+              <a:rPr lang="nl-BE" smtClean="0"/>
+              <a:t>9</a:t>
+            </a:fld>
+            <a:endParaRPr lang="nl-BE"/>
+          </a:p>
+        </p:txBody>
+      </p:sp>
+    </p:spTree>
+    <p:extLst>
+      <p:ext uri="{BB962C8B-B14F-4D97-AF65-F5344CB8AC3E}">
+        <p14:creationId xmlns:p14="http://schemas.microsoft.com/office/powerpoint/2010/main" val="1523439822"/>
+      </p:ext>
+    </p:extLst>
+  </p:cSld>
+  <p:clrMapOvr>
+    <a:masterClrMapping/>
+  </p:clrMapOvr>
+</p:notes>
+</file>
+
+<file path=ppt/notesSlides/notesSlide7.xml><?xml version="1.0" encoding="utf-8"?>
+<p:notes xmlns:a="http://schemas.openxmlformats.org/drawingml/2006/main" xmlns:r="http://schemas.openxmlformats.org/officeDocument/2006/relationships" xmlns:p="http://schemas.openxmlformats.org/presentationml/2006/main">
+  <p:cSld>
+    <p:spTree>
+      <p:nvGrpSpPr>
+        <p:cNvPr id="1" name=""/>
+        <p:cNvGrpSpPr/>
+        <p:nvPr/>
+      </p:nvGrpSpPr>
+      <p:grpSpPr>
+        <a:xfrm>
+          <a:off x="0" y="0"/>
+          <a:ext cx="0" cy="0"/>
+          <a:chOff x="0" y="0"/>
+          <a:chExt cx="0" cy="0"/>
+        </a:xfrm>
+      </p:grpSpPr>
+      <p:sp>
+        <p:nvSpPr>
+          <p:cNvPr id="2" name="Tijdelijke aanduiding voor dia-afbeelding 1"/>
+          <p:cNvSpPr>
+            <a:spLocks noGrp="1" noRot="1" noChangeAspect="1"/>
+          </p:cNvSpPr>
+          <p:nvPr>
+            <p:ph type="sldImg"/>
+          </p:nvPr>
+        </p:nvSpPr>
+        <p:spPr/>
+      </p:sp>
+      <p:sp>
+        <p:nvSpPr>
+          <p:cNvPr id="3" name="Tijdelijke aanduiding voor notities 2"/>
+          <p:cNvSpPr>
+            <a:spLocks noGrp="1"/>
+          </p:cNvSpPr>
+          <p:nvPr>
+            <p:ph type="body" idx="1"/>
+          </p:nvPr>
+        </p:nvSpPr>
+        <p:spPr/>
+        <p:txBody>
+          <a:bodyPr/>
+          <a:lstStyle/>
+          <a:p>
+            <a:r>
+              <a:rPr lang="nl-BE" dirty="0"/>
+              <a:t>9,5m/s is </a:t>
+            </a:r>
+            <a:r>
+              <a:rPr lang="nl-BE" dirty="0" err="1"/>
+              <a:t>used</a:t>
+            </a:r>
+            <a:r>
+              <a:rPr lang="nl-BE" dirty="0"/>
+              <a:t> as </a:t>
+            </a:r>
+            <a:r>
+              <a:rPr lang="nl-BE" dirty="0" err="1"/>
+              <a:t>inflow</a:t>
+            </a:r>
+            <a:r>
+              <a:rPr lang="nl-BE" dirty="0"/>
+              <a:t> </a:t>
+            </a:r>
+            <a:r>
+              <a:rPr lang="nl-BE" dirty="0" err="1"/>
+              <a:t>velocity</a:t>
+            </a:r>
+            <a:r>
+              <a:rPr lang="nl-BE" dirty="0"/>
+              <a:t> at hub </a:t>
+            </a:r>
+            <a:r>
+              <a:rPr lang="nl-BE" dirty="0" err="1"/>
+              <a:t>height</a:t>
+            </a:r>
+            <a:r>
+              <a:rPr lang="nl-BE" dirty="0"/>
+              <a:t> (106m), but is </a:t>
+            </a:r>
+            <a:r>
+              <a:rPr lang="nl-BE" dirty="0" err="1"/>
+              <a:t>actually</a:t>
+            </a:r>
+            <a:r>
+              <a:rPr lang="nl-BE" dirty="0"/>
+              <a:t> at 100m </a:t>
+            </a:r>
+            <a:r>
+              <a:rPr lang="nl-BE" dirty="0">
+                <a:sym typeface="Wingdings" panose="05000000000000000000" pitchFamily="2" charset="2"/>
+              </a:rPr>
+              <a:t> </a:t>
+            </a:r>
+            <a:r>
+              <a:rPr lang="nl-BE" b="1" dirty="0" err="1">
+                <a:sym typeface="Wingdings" panose="05000000000000000000" pitchFamily="2" charset="2"/>
+              </a:rPr>
+              <a:t>Inflow</a:t>
+            </a:r>
+            <a:r>
+              <a:rPr lang="nl-BE" b="1" dirty="0">
+                <a:sym typeface="Wingdings" panose="05000000000000000000" pitchFamily="2" charset="2"/>
+              </a:rPr>
+              <a:t> wind speed of LES </a:t>
+            </a:r>
+            <a:r>
+              <a:rPr lang="nl-BE" b="1" dirty="0" err="1">
+                <a:sym typeface="Wingdings" panose="05000000000000000000" pitchFamily="2" charset="2"/>
+              </a:rPr>
+              <a:t>simulations</a:t>
+            </a:r>
+            <a:r>
+              <a:rPr lang="nl-BE" b="1" dirty="0">
+                <a:sym typeface="Wingdings" panose="05000000000000000000" pitchFamily="2" charset="2"/>
+              </a:rPr>
+              <a:t> </a:t>
+            </a:r>
+            <a:r>
+              <a:rPr lang="nl-BE" b="1" dirty="0" err="1">
+                <a:sym typeface="Wingdings" panose="05000000000000000000" pitchFamily="2" charset="2"/>
+              </a:rPr>
+              <a:t>should</a:t>
+            </a:r>
+            <a:r>
+              <a:rPr lang="nl-BE" b="1" dirty="0">
+                <a:sym typeface="Wingdings" panose="05000000000000000000" pitchFamily="2" charset="2"/>
+              </a:rPr>
+              <a:t> </a:t>
+            </a:r>
+            <a:r>
+              <a:rPr lang="nl-BE" b="1" dirty="0" err="1">
+                <a:sym typeface="Wingdings" panose="05000000000000000000" pitchFamily="2" charset="2"/>
+              </a:rPr>
+              <a:t>be</a:t>
+            </a:r>
+            <a:r>
+              <a:rPr lang="nl-BE" b="1" dirty="0">
+                <a:sym typeface="Wingdings" panose="05000000000000000000" pitchFamily="2" charset="2"/>
+              </a:rPr>
+              <a:t> </a:t>
+            </a:r>
+            <a:r>
+              <a:rPr lang="nl-BE" b="1" dirty="0" err="1">
+                <a:sym typeface="Wingdings" panose="05000000000000000000" pitchFamily="2" charset="2"/>
+              </a:rPr>
+              <a:t>increased</a:t>
+            </a:r>
+            <a:endParaRPr lang="nl-BE" b="1" dirty="0"/>
+          </a:p>
+        </p:txBody>
+      </p:sp>
+      <p:sp>
+        <p:nvSpPr>
+          <p:cNvPr id="4" name="Tijdelijke aanduiding voor dianummer 3"/>
+          <p:cNvSpPr>
+            <a:spLocks noGrp="1"/>
+          </p:cNvSpPr>
+          <p:nvPr>
+            <p:ph type="sldNum" sz="quarter" idx="10"/>
+          </p:nvPr>
+        </p:nvSpPr>
+        <p:spPr/>
+        <p:txBody>
+          <a:bodyPr/>
+          <a:lstStyle/>
+          <a:p>
+            <a:fld id="{88835D12-5DBE-474A-86FF-9EDC2C0F6F5D}" type="slidenum">
+              <a:rPr lang="nl-BE" smtClean="0"/>
+              <a:t>10</a:t>
+            </a:fld>
+            <a:endParaRPr lang="nl-BE"/>
+          </a:p>
+        </p:txBody>
+      </p:sp>
+    </p:spTree>
+    <p:extLst>
+      <p:ext uri="{BB962C8B-B14F-4D97-AF65-F5344CB8AC3E}">
+        <p14:creationId xmlns:p14="http://schemas.microsoft.com/office/powerpoint/2010/main" val="2171812929"/>
+      </p:ext>
+    </p:extLst>
+  </p:cSld>
+  <p:clrMapOvr>
+    <a:masterClrMapping/>
+  </p:clrMapOvr>
+</p:notes>
+</file>
+
+<file path=ppt/notesSlides/notesSlide8.xml><?xml version="1.0" encoding="utf-8"?>
+<p:notes xmlns:a="http://schemas.openxmlformats.org/drawingml/2006/main" xmlns:r="http://schemas.openxmlformats.org/officeDocument/2006/relationships" xmlns:p="http://schemas.openxmlformats.org/presentationml/2006/main">
+  <p:cSld>
+    <p:spTree>
+      <p:nvGrpSpPr>
+        <p:cNvPr id="1" name=""/>
+        <p:cNvGrpSpPr/>
+        <p:nvPr/>
+      </p:nvGrpSpPr>
+      <p:grpSpPr>
+        <a:xfrm>
+          <a:off x="0" y="0"/>
+          <a:ext cx="0" cy="0"/>
+          <a:chOff x="0" y="0"/>
+          <a:chExt cx="0" cy="0"/>
+        </a:xfrm>
+      </p:grpSpPr>
+      <p:sp>
+        <p:nvSpPr>
+          <p:cNvPr id="2" name="Tijdelijke aanduiding voor dia-afbeelding 1"/>
+          <p:cNvSpPr>
+            <a:spLocks noGrp="1" noRot="1" noChangeAspect="1"/>
+          </p:cNvSpPr>
+          <p:nvPr>
+            <p:ph type="sldImg"/>
+          </p:nvPr>
+        </p:nvSpPr>
+        <p:spPr/>
+      </p:sp>
+      <p:sp>
+        <p:nvSpPr>
+          <p:cNvPr id="3" name="Tijdelijke aanduiding voor notities 2"/>
+          <p:cNvSpPr>
+            <a:spLocks noGrp="1"/>
+          </p:cNvSpPr>
+          <p:nvPr>
+            <p:ph type="body" idx="1"/>
+          </p:nvPr>
+        </p:nvSpPr>
+        <p:spPr/>
+        <p:txBody>
+          <a:bodyPr/>
+          <a:lstStyle/>
+          <a:p>
+            <a:pPr marL="0" marR="0" lvl="0" indent="0" algn="l" defTabSz="914400" rtl="0" eaLnBrk="1" fontAlgn="auto" latinLnBrk="0" hangingPunct="1">
+              <a:lnSpc>
+                <a:spcPct val="100000"/>
+              </a:lnSpc>
+              <a:spcBef>
+                <a:spcPts val="0"/>
+              </a:spcBef>
+              <a:spcAft>
+                <a:spcPts val="0"/>
+              </a:spcAft>
+              <a:buClrTx/>
+              <a:buSzTx/>
+              <a:buFontTx/>
+              <a:buNone/>
+              <a:tabLst/>
+              <a:defRPr/>
+            </a:pPr>
+            <a:r>
+              <a:rPr lang="nl-BE" dirty="0"/>
+              <a:t>11,8m/s is </a:t>
+            </a:r>
+            <a:r>
+              <a:rPr lang="nl-BE" dirty="0" err="1"/>
+              <a:t>used</a:t>
+            </a:r>
+            <a:r>
+              <a:rPr lang="nl-BE" dirty="0"/>
+              <a:t> as </a:t>
+            </a:r>
+            <a:r>
+              <a:rPr lang="nl-BE" dirty="0" err="1"/>
+              <a:t>inflow</a:t>
+            </a:r>
+            <a:r>
+              <a:rPr lang="nl-BE" dirty="0"/>
+              <a:t> </a:t>
+            </a:r>
+            <a:r>
+              <a:rPr lang="nl-BE" dirty="0" err="1"/>
+              <a:t>velocity</a:t>
+            </a:r>
+            <a:r>
+              <a:rPr lang="nl-BE" dirty="0"/>
+              <a:t> at hub </a:t>
+            </a:r>
+            <a:r>
+              <a:rPr lang="nl-BE" dirty="0" err="1"/>
+              <a:t>height</a:t>
+            </a:r>
+            <a:r>
+              <a:rPr lang="nl-BE" dirty="0"/>
+              <a:t> (106m), but is </a:t>
+            </a:r>
+            <a:r>
+              <a:rPr lang="nl-BE" dirty="0" err="1"/>
+              <a:t>actually</a:t>
+            </a:r>
+            <a:r>
+              <a:rPr lang="nl-BE" dirty="0"/>
+              <a:t> at 100m </a:t>
+            </a:r>
+            <a:r>
+              <a:rPr lang="nl-BE" dirty="0">
+                <a:sym typeface="Wingdings" panose="05000000000000000000" pitchFamily="2" charset="2"/>
+              </a:rPr>
+              <a:t> </a:t>
+            </a:r>
+            <a:r>
+              <a:rPr lang="nl-BE" b="1" dirty="0" err="1">
+                <a:sym typeface="Wingdings" panose="05000000000000000000" pitchFamily="2" charset="2"/>
+              </a:rPr>
+              <a:t>Inflow</a:t>
+            </a:r>
+            <a:r>
+              <a:rPr lang="nl-BE" b="1" dirty="0">
+                <a:sym typeface="Wingdings" panose="05000000000000000000" pitchFamily="2" charset="2"/>
+              </a:rPr>
+              <a:t> wind speed of LES </a:t>
+            </a:r>
+            <a:r>
+              <a:rPr lang="nl-BE" b="1" dirty="0" err="1">
+                <a:sym typeface="Wingdings" panose="05000000000000000000" pitchFamily="2" charset="2"/>
+              </a:rPr>
+              <a:t>simulations</a:t>
+            </a:r>
+            <a:r>
+              <a:rPr lang="nl-BE" b="1" dirty="0">
+                <a:sym typeface="Wingdings" panose="05000000000000000000" pitchFamily="2" charset="2"/>
+              </a:rPr>
+              <a:t> </a:t>
+            </a:r>
+            <a:r>
+              <a:rPr lang="nl-BE" b="1" dirty="0" err="1">
+                <a:sym typeface="Wingdings" panose="05000000000000000000" pitchFamily="2" charset="2"/>
+              </a:rPr>
+              <a:t>should</a:t>
+            </a:r>
+            <a:r>
+              <a:rPr lang="nl-BE" b="1" dirty="0">
+                <a:sym typeface="Wingdings" panose="05000000000000000000" pitchFamily="2" charset="2"/>
+              </a:rPr>
+              <a:t> </a:t>
+            </a:r>
+            <a:r>
+              <a:rPr lang="nl-BE" b="1" dirty="0" err="1">
+                <a:sym typeface="Wingdings" panose="05000000000000000000" pitchFamily="2" charset="2"/>
+              </a:rPr>
+              <a:t>be</a:t>
+            </a:r>
+            <a:r>
+              <a:rPr lang="nl-BE" b="1" dirty="0">
+                <a:sym typeface="Wingdings" panose="05000000000000000000" pitchFamily="2" charset="2"/>
+              </a:rPr>
+              <a:t> </a:t>
+            </a:r>
+            <a:r>
+              <a:rPr lang="nl-BE" b="1" dirty="0" err="1">
+                <a:sym typeface="Wingdings" panose="05000000000000000000" pitchFamily="2" charset="2"/>
+              </a:rPr>
+              <a:t>increased</a:t>
+            </a:r>
+            <a:endParaRPr lang="nl-BE" b="1" dirty="0"/>
+          </a:p>
+          <a:p>
+            <a:endParaRPr lang="nl-BE" dirty="0"/>
+          </a:p>
+        </p:txBody>
+      </p:sp>
+      <p:sp>
+        <p:nvSpPr>
+          <p:cNvPr id="4" name="Tijdelijke aanduiding voor dianummer 3"/>
+          <p:cNvSpPr>
+            <a:spLocks noGrp="1"/>
+          </p:cNvSpPr>
+          <p:nvPr>
+            <p:ph type="sldNum" sz="quarter" idx="10"/>
+          </p:nvPr>
+        </p:nvSpPr>
+        <p:spPr/>
+        <p:txBody>
+          <a:bodyPr/>
+          <a:lstStyle/>
+          <a:p>
+            <a:fld id="{88835D12-5DBE-474A-86FF-9EDC2C0F6F5D}" type="slidenum">
+              <a:rPr lang="nl-BE" smtClean="0"/>
+              <a:t>11</a:t>
+            </a:fld>
+            <a:endParaRPr lang="nl-BE"/>
+          </a:p>
+        </p:txBody>
+      </p:sp>
+    </p:spTree>
+    <p:extLst>
+      <p:ext uri="{BB962C8B-B14F-4D97-AF65-F5344CB8AC3E}">
+        <p14:creationId xmlns:p14="http://schemas.microsoft.com/office/powerpoint/2010/main" val="3602101620"/>
+      </p:ext>
+    </p:extLst>
+  </p:cSld>
+  <p:clrMapOvr>
+    <a:masterClrMapping/>
+  </p:clrMapOvr>
+</p:notes>
+</file>
+
+<file path=ppt/notesSlides/notesSlide9.xml><?xml version="1.0" encoding="utf-8"?>
+<p:notes xmlns:a="http://schemas.openxmlformats.org/drawingml/2006/main" xmlns:r="http://schemas.openxmlformats.org/officeDocument/2006/relationships" xmlns:p="http://schemas.openxmlformats.org/presentationml/2006/main">
+  <p:cSld>
+    <p:spTree>
+      <p:nvGrpSpPr>
+        <p:cNvPr id="1" name=""/>
+        <p:cNvGrpSpPr/>
+        <p:nvPr/>
+      </p:nvGrpSpPr>
+      <p:grpSpPr>
+        <a:xfrm>
+          <a:off x="0" y="0"/>
+          <a:ext cx="0" cy="0"/>
+          <a:chOff x="0" y="0"/>
+          <a:chExt cx="0" cy="0"/>
+        </a:xfrm>
+      </p:grpSpPr>
+      <p:sp>
+        <p:nvSpPr>
+          <p:cNvPr id="2" name="Tijdelijke aanduiding voor dia-afbeelding 1"/>
+          <p:cNvSpPr>
+            <a:spLocks noGrp="1" noRot="1" noChangeAspect="1"/>
+          </p:cNvSpPr>
+          <p:nvPr>
+            <p:ph type="sldImg"/>
+          </p:nvPr>
+        </p:nvSpPr>
+        <p:spPr/>
+      </p:sp>
+      <p:sp>
+        <p:nvSpPr>
+          <p:cNvPr id="3" name="Tijdelijke aanduiding voor notities 2"/>
+          <p:cNvSpPr>
+            <a:spLocks noGrp="1"/>
+          </p:cNvSpPr>
+          <p:nvPr>
+            <p:ph type="body" idx="1"/>
+          </p:nvPr>
+        </p:nvSpPr>
+        <p:spPr/>
+        <p:txBody>
+          <a:bodyPr/>
+          <a:lstStyle/>
+          <a:p>
+            <a:pPr marL="171450" indent="-171450">
+              <a:buFontTx/>
+              <a:buChar char="-"/>
+            </a:pPr>
+            <a:r>
+              <a:rPr lang="nl-BE" dirty="0"/>
+              <a:t>Different </a:t>
+            </a:r>
+            <a:r>
+              <a:rPr lang="nl-BE" dirty="0" err="1"/>
+              <a:t>ways</a:t>
+            </a:r>
+            <a:r>
+              <a:rPr lang="nl-BE" dirty="0"/>
+              <a:t> of </a:t>
+            </a:r>
+            <a:r>
+              <a:rPr lang="nl-BE" dirty="0" err="1"/>
+              <a:t>calculating</a:t>
+            </a:r>
+            <a:r>
+              <a:rPr lang="nl-BE" dirty="0"/>
+              <a:t> LES time </a:t>
+            </a:r>
+            <a:r>
+              <a:rPr lang="nl-BE" dirty="0" err="1"/>
+              <a:t>average</a:t>
+            </a:r>
+            <a:endParaRPr lang="nl-BE" dirty="0"/>
+          </a:p>
+          <a:p>
+            <a:pPr marL="628650" lvl="1" indent="-171450">
+              <a:buFontTx/>
+              <a:buChar char="-"/>
+            </a:pPr>
+            <a:r>
+              <a:rPr lang="nl-BE" dirty="0"/>
+              <a:t>Ensemble (as </a:t>
+            </a:r>
+            <a:r>
+              <a:rPr lang="nl-BE" dirty="0" err="1"/>
+              <a:t>shown</a:t>
+            </a:r>
+            <a:r>
+              <a:rPr lang="nl-BE" dirty="0"/>
+              <a:t> </a:t>
+            </a:r>
+            <a:r>
+              <a:rPr lang="nl-BE" dirty="0" err="1"/>
+              <a:t>previous</a:t>
+            </a:r>
+            <a:r>
+              <a:rPr lang="nl-BE" dirty="0"/>
+              <a:t> meeting)</a:t>
+            </a:r>
+          </a:p>
+          <a:p>
+            <a:pPr marL="628650" lvl="1" indent="-171450">
+              <a:buFontTx/>
+              <a:buChar char="-"/>
+            </a:pPr>
+            <a:r>
+              <a:rPr lang="nl-BE" dirty="0"/>
+              <a:t>Total </a:t>
+            </a:r>
+            <a:r>
+              <a:rPr lang="nl-BE" dirty="0" err="1"/>
+              <a:t>mean</a:t>
+            </a:r>
+            <a:r>
+              <a:rPr lang="nl-BE" dirty="0"/>
+              <a:t>: </a:t>
+            </a:r>
+            <a:r>
+              <a:rPr lang="nl-BE" dirty="0" err="1"/>
+              <a:t>mean</a:t>
+            </a:r>
+            <a:r>
+              <a:rPr lang="nl-BE" dirty="0"/>
+              <a:t> of </a:t>
+            </a:r>
+            <a:r>
+              <a:rPr lang="nl-BE" dirty="0" err="1"/>
+              <a:t>all</a:t>
+            </a:r>
+            <a:r>
+              <a:rPr lang="nl-BE" dirty="0"/>
+              <a:t> </a:t>
+            </a:r>
+            <a:r>
+              <a:rPr lang="nl-BE" dirty="0" err="1"/>
+              <a:t>values</a:t>
+            </a:r>
+            <a:r>
+              <a:rPr lang="nl-BE" dirty="0"/>
+              <a:t> (</a:t>
+            </a:r>
+            <a:r>
+              <a:rPr lang="nl-BE" dirty="0" err="1"/>
+              <a:t>after</a:t>
+            </a:r>
+            <a:r>
+              <a:rPr lang="nl-BE" dirty="0"/>
+              <a:t> </a:t>
+            </a:r>
+            <a:r>
+              <a:rPr lang="nl-BE" dirty="0" err="1"/>
+              <a:t>transien</a:t>
+            </a:r>
+            <a:r>
+              <a:rPr lang="nl-BE" dirty="0"/>
+              <a:t>)</a:t>
+            </a:r>
+          </a:p>
+          <a:p>
+            <a:pPr marL="171450" lvl="0" indent="-171450">
+              <a:buFontTx/>
+              <a:buChar char="-"/>
+            </a:pPr>
+            <a:r>
+              <a:rPr lang="nl-BE" dirty="0"/>
+              <a:t>The </a:t>
+            </a:r>
+            <a:r>
+              <a:rPr lang="nl-BE" dirty="0" err="1"/>
+              <a:t>difference</a:t>
+            </a:r>
+            <a:r>
+              <a:rPr lang="nl-BE" dirty="0"/>
+              <a:t> </a:t>
+            </a:r>
+            <a:r>
+              <a:rPr lang="nl-BE" dirty="0" err="1"/>
+              <a:t>between</a:t>
+            </a:r>
+            <a:r>
+              <a:rPr lang="nl-BE" dirty="0"/>
+              <a:t> </a:t>
+            </a:r>
+            <a:r>
+              <a:rPr lang="nl-BE" dirty="0" err="1"/>
+              <a:t>the</a:t>
+            </a:r>
+            <a:r>
+              <a:rPr lang="nl-BE" dirty="0"/>
+              <a:t> LES </a:t>
+            </a:r>
+            <a:r>
+              <a:rPr lang="nl-BE" dirty="0" err="1"/>
+              <a:t>and</a:t>
+            </a:r>
+            <a:r>
+              <a:rPr lang="nl-BE" dirty="0"/>
+              <a:t> BEACon </a:t>
+            </a:r>
+            <a:r>
+              <a:rPr lang="nl-BE" dirty="0" err="1"/>
+              <a:t>profiles</a:t>
+            </a:r>
+            <a:r>
+              <a:rPr lang="nl-BE" dirty="0"/>
+              <a:t> is +- constant </a:t>
+            </a:r>
+            <a:r>
+              <a:rPr lang="nl-BE" dirty="0" err="1"/>
+              <a:t>for</a:t>
+            </a:r>
+            <a:r>
+              <a:rPr lang="nl-BE" dirty="0"/>
+              <a:t> different </a:t>
+            </a:r>
+            <a:r>
+              <a:rPr lang="nl-BE" dirty="0" err="1"/>
+              <a:t>locations</a:t>
+            </a:r>
+            <a:r>
+              <a:rPr lang="nl-BE" dirty="0"/>
+              <a:t> upstream (</a:t>
+            </a:r>
+            <a:r>
+              <a:rPr lang="nl-BE" dirty="0" err="1"/>
+              <a:t>due</a:t>
+            </a:r>
+            <a:r>
+              <a:rPr lang="nl-BE" dirty="0"/>
+              <a:t> </a:t>
+            </a:r>
+            <a:r>
+              <a:rPr lang="nl-BE" dirty="0" err="1"/>
+              <a:t>to</a:t>
+            </a:r>
+            <a:r>
+              <a:rPr lang="nl-BE" dirty="0"/>
+              <a:t> wind speed at 100m </a:t>
+            </a:r>
+            <a:r>
+              <a:rPr lang="nl-BE" dirty="0" err="1"/>
+              <a:t>used</a:t>
+            </a:r>
+            <a:r>
+              <a:rPr lang="nl-BE" dirty="0"/>
+              <a:t> </a:t>
+            </a:r>
+            <a:r>
+              <a:rPr lang="nl-BE" dirty="0" err="1"/>
+              <a:t>instead</a:t>
+            </a:r>
+            <a:r>
+              <a:rPr lang="nl-BE" dirty="0"/>
+              <a:t> of 106m)</a:t>
+            </a:r>
+          </a:p>
+          <a:p>
+            <a:pPr marL="171450" lvl="0" indent="-171450">
+              <a:buFontTx/>
+              <a:buChar char="-"/>
+            </a:pPr>
+            <a:r>
+              <a:rPr lang="nl-BE" dirty="0"/>
+              <a:t>For -1D upstream </a:t>
+            </a:r>
+            <a:r>
+              <a:rPr lang="nl-BE" dirty="0" err="1"/>
+              <a:t>also</a:t>
+            </a:r>
+            <a:r>
+              <a:rPr lang="nl-BE" dirty="0"/>
+              <a:t> data of cross-stream </a:t>
+            </a:r>
+            <a:r>
+              <a:rPr lang="nl-BE" dirty="0" err="1"/>
+              <a:t>plane</a:t>
+            </a:r>
+            <a:r>
+              <a:rPr lang="nl-BE" dirty="0"/>
+              <a:t> </a:t>
+            </a:r>
+            <a:r>
+              <a:rPr lang="nl-BE" dirty="0" err="1"/>
+              <a:t>available</a:t>
+            </a:r>
+            <a:r>
+              <a:rPr lang="nl-BE" dirty="0"/>
+              <a:t>: </a:t>
+            </a:r>
+            <a:r>
+              <a:rPr lang="nl-BE" dirty="0" err="1"/>
+              <a:t>also</a:t>
+            </a:r>
+            <a:r>
+              <a:rPr lang="nl-BE" dirty="0"/>
+              <a:t> </a:t>
+            </a:r>
+            <a:r>
+              <a:rPr lang="nl-BE" dirty="0" err="1"/>
+              <a:t>spatial</a:t>
+            </a:r>
+            <a:r>
+              <a:rPr lang="nl-BE" dirty="0"/>
+              <a:t> </a:t>
+            </a:r>
+            <a:r>
+              <a:rPr lang="nl-BE" dirty="0" err="1"/>
+              <a:t>averaging</a:t>
+            </a:r>
+            <a:endParaRPr lang="nl-BE" dirty="0"/>
+          </a:p>
+        </p:txBody>
+      </p:sp>
+      <p:sp>
+        <p:nvSpPr>
+          <p:cNvPr id="4" name="Tijdelijke aanduiding voor dianummer 3"/>
+          <p:cNvSpPr>
+            <a:spLocks noGrp="1"/>
+          </p:cNvSpPr>
+          <p:nvPr>
+            <p:ph type="sldNum" sz="quarter" idx="10"/>
+          </p:nvPr>
+        </p:nvSpPr>
+        <p:spPr/>
+        <p:txBody>
+          <a:bodyPr/>
+          <a:lstStyle/>
+          <a:p>
+            <a:fld id="{88835D12-5DBE-474A-86FF-9EDC2C0F6F5D}" type="slidenum">
+              <a:rPr lang="nl-BE" smtClean="0"/>
+              <a:t>12</a:t>
+            </a:fld>
+            <a:endParaRPr lang="nl-BE"/>
+          </a:p>
+        </p:txBody>
+      </p:sp>
+    </p:spTree>
+    <p:extLst>
+      <p:ext uri="{BB962C8B-B14F-4D97-AF65-F5344CB8AC3E}">
+        <p14:creationId xmlns:p14="http://schemas.microsoft.com/office/powerpoint/2010/main" val="2401830005"/>
       </p:ext>
     </p:extLst>
   </p:cSld>
@@ -4228,7 +8356,7 @@
           <p:nvPr/>
         </p:nvPicPr>
         <p:blipFill>
-          <a:blip r:embed="rId2">
+          <a:blip r:embed="rId3">
             <a:clrChange>
               <a:clrFrom>
                 <a:srgbClr val="F0F0F0"/>
@@ -4364,7 +8492,7 @@
           <p:nvPr/>
         </p:nvPicPr>
         <p:blipFill>
-          <a:blip r:embed="rId2">
+          <a:blip r:embed="rId3">
             <a:clrChange>
               <a:clrFrom>
                 <a:srgbClr val="F0F0F0"/>
@@ -4647,7 +8775,7 @@
           <p:nvPr/>
         </p:nvPicPr>
         <p:blipFill>
-          <a:blip r:embed="rId2">
+          <a:blip r:embed="rId3">
             <a:clrChange>
               <a:clrFrom>
                 <a:srgbClr val="F0F0F0"/>
@@ -5177,7 +9305,7 @@
           <p:nvPr/>
         </p:nvPicPr>
         <p:blipFill>
-          <a:blip r:embed="rId2">
+          <a:blip r:embed="rId3">
             <a:clrChange>
               <a:clrFrom>
                 <a:srgbClr val="F0F0F0"/>
@@ -5349,7 +9477,7 @@
           <p:nvPr/>
         </p:nvPicPr>
         <p:blipFill rotWithShape="1">
-          <a:blip r:embed="rId2">
+          <a:blip r:embed="rId3">
             <a:clrChange>
               <a:clrFrom>
                 <a:srgbClr val="F0F0F0"/>
@@ -5489,7 +9617,7 @@
           <p:nvPr/>
         </p:nvPicPr>
         <p:blipFill>
-          <a:blip r:embed="rId2">
+          <a:blip r:embed="rId3">
             <a:clrChange>
               <a:clrFrom>
                 <a:srgbClr val="F0F0F0"/>
@@ -6950,6 +11078,191 @@
           <a:chExt cx="0" cy="0"/>
         </a:xfrm>
       </p:grpSpPr>
+      <p:sp>
+        <p:nvSpPr>
+          <p:cNvPr id="4" name="Tijdelijke aanduiding voor dianummer 3">
+            <a:extLst>
+              <a:ext uri="{FF2B5EF4-FFF2-40B4-BE49-F238E27FC236}">
+                <a16:creationId xmlns:a16="http://schemas.microsoft.com/office/drawing/2014/main" id="{B66CBF1C-B833-41C9-B593-DE469B304897}"/>
+              </a:ext>
+            </a:extLst>
+          </p:cNvPr>
+          <p:cNvSpPr>
+            <a:spLocks noGrp="1"/>
+          </p:cNvSpPr>
+          <p:nvPr>
+            <p:ph type="sldNum" sz="quarter" idx="12"/>
+          </p:nvPr>
+        </p:nvSpPr>
+        <p:spPr/>
+        <p:txBody>
+          <a:bodyPr/>
+          <a:lstStyle/>
+          <a:p>
+            <a:fld id="{5065D76A-7BA6-4122-A9CE-1FDF014C5B90}" type="slidenum">
+              <a:rPr lang="nl-BE" smtClean="0"/>
+              <a:t>20</a:t>
+            </a:fld>
+            <a:endParaRPr lang="nl-BE"/>
+          </a:p>
+        </p:txBody>
+      </p:sp>
+      <p:sp>
+        <p:nvSpPr>
+          <p:cNvPr id="6" name="Titel 1">
+            <a:extLst>
+              <a:ext uri="{FF2B5EF4-FFF2-40B4-BE49-F238E27FC236}">
+                <a16:creationId xmlns:a16="http://schemas.microsoft.com/office/drawing/2014/main" id="{841A7328-EC96-4369-B9EE-DAD293AD5B87}"/>
+              </a:ext>
+            </a:extLst>
+          </p:cNvPr>
+          <p:cNvSpPr txBox="1">
+            <a:spLocks/>
+          </p:cNvSpPr>
+          <p:nvPr/>
+        </p:nvSpPr>
+        <p:spPr>
+          <a:xfrm>
+            <a:off x="838200" y="136525"/>
+            <a:ext cx="10515600" cy="1325563"/>
+          </a:xfrm>
+          <a:prstGeom prst="rect">
+            <a:avLst/>
+          </a:prstGeom>
+        </p:spPr>
+        <p:txBody>
+          <a:bodyPr vert="horz" lIns="91440" tIns="45720" rIns="91440" bIns="45720" rtlCol="0" anchor="ctr">
+            <a:normAutofit/>
+          </a:bodyPr>
+          <a:lstStyle>
+            <a:lvl1pPr algn="l" defTabSz="914400" rtl="0" eaLnBrk="1" latinLnBrk="0" hangingPunct="1">
+              <a:lnSpc>
+                <a:spcPct val="90000"/>
+              </a:lnSpc>
+              <a:spcBef>
+                <a:spcPct val="0"/>
+              </a:spcBef>
+              <a:buNone/>
+              <a:defRPr sz="4400" kern="1200">
+                <a:solidFill>
+                  <a:schemeClr val="tx1"/>
+                </a:solidFill>
+                <a:latin typeface="+mj-lt"/>
+                <a:ea typeface="+mj-ea"/>
+                <a:cs typeface="+mj-cs"/>
+              </a:defRPr>
+            </a:lvl1pPr>
+          </a:lstStyle>
+          <a:p>
+            <a:r>
+              <a:rPr lang="nl-BE" dirty="0"/>
+              <a:t>3b. </a:t>
+            </a:r>
+            <a:r>
+              <a:rPr lang="nl-BE" dirty="0" err="1"/>
+              <a:t>Comparison</a:t>
+            </a:r>
+            <a:r>
+              <a:rPr lang="nl-BE" dirty="0"/>
+              <a:t> WMR &amp; LES wind speeds </a:t>
+            </a:r>
+            <a:br>
+              <a:rPr lang="nl-BE" dirty="0"/>
+            </a:br>
+            <a:r>
+              <a:rPr lang="nl-BE" dirty="0"/>
+              <a:t>+ </a:t>
+            </a:r>
+            <a:r>
+              <a:rPr lang="nl-BE" dirty="0" err="1"/>
+              <a:t>simple</a:t>
+            </a:r>
+            <a:r>
+              <a:rPr lang="nl-BE" dirty="0"/>
+              <a:t> model </a:t>
+            </a:r>
+            <a:r>
+              <a:rPr lang="nl-BE" dirty="0" err="1"/>
+              <a:t>induction</a:t>
+            </a:r>
+            <a:r>
+              <a:rPr lang="nl-BE" dirty="0"/>
+              <a:t> (Case 3)</a:t>
+            </a:r>
+          </a:p>
+        </p:txBody>
+      </p:sp>
+      <p:pic>
+        <p:nvPicPr>
+          <p:cNvPr id="8" name="Afbeelding 7">
+            <a:extLst>
+              <a:ext uri="{FF2B5EF4-FFF2-40B4-BE49-F238E27FC236}">
+                <a16:creationId xmlns:a16="http://schemas.microsoft.com/office/drawing/2014/main" id="{E0F0A954-22A8-475D-9C68-18F205652723}"/>
+              </a:ext>
+            </a:extLst>
+          </p:cNvPr>
+          <p:cNvPicPr>
+            <a:picLocks noChangeAspect="1"/>
+          </p:cNvPicPr>
+          <p:nvPr/>
+        </p:nvPicPr>
+        <p:blipFill>
+          <a:blip r:embed="rId3">
+            <a:clrChange>
+              <a:clrFrom>
+                <a:srgbClr val="F0F0F0"/>
+              </a:clrFrom>
+              <a:clrTo>
+                <a:srgbClr val="F0F0F0">
+                  <a:alpha val="0"/>
+                </a:srgbClr>
+              </a:clrTo>
+            </a:clrChange>
+          </a:blip>
+          <a:stretch>
+            <a:fillRect/>
+          </a:stretch>
+        </p:blipFill>
+        <p:spPr>
+          <a:xfrm>
+            <a:off x="1302488" y="1622377"/>
+            <a:ext cx="9587023" cy="5099098"/>
+          </a:xfrm>
+          <a:prstGeom prst="rect">
+            <a:avLst/>
+          </a:prstGeom>
+        </p:spPr>
+      </p:pic>
+    </p:spTree>
+    <p:extLst>
+      <p:ext uri="{BB962C8B-B14F-4D97-AF65-F5344CB8AC3E}">
+        <p14:creationId xmlns:p14="http://schemas.microsoft.com/office/powerpoint/2010/main" val="2113746096"/>
+      </p:ext>
+    </p:extLst>
+  </p:cSld>
+  <p:clrMapOvr>
+    <a:masterClrMapping/>
+  </p:clrMapOvr>
+</p:sld>
+</file>
+
+<file path=ppt/slides/slide21.xml><?xml version="1.0" encoding="utf-8"?>
+<p:sld xmlns:a="http://schemas.openxmlformats.org/drawingml/2006/main" xmlns:r="http://schemas.openxmlformats.org/officeDocument/2006/relationships" xmlns:p="http://schemas.openxmlformats.org/presentationml/2006/main" show="0">
+  <p:cSld>
+    <p:spTree>
+      <p:nvGrpSpPr>
+        <p:cNvPr id="1" name=""/>
+        <p:cNvGrpSpPr/>
+        <p:nvPr/>
+      </p:nvGrpSpPr>
+      <p:grpSpPr>
+        <a:xfrm>
+          <a:off x="0" y="0"/>
+          <a:ext cx="0" cy="0"/>
+          <a:chOff x="0" y="0"/>
+          <a:chExt cx="0" cy="0"/>
+        </a:xfrm>
+      </p:grpSpPr>
       <p:pic>
         <p:nvPicPr>
           <p:cNvPr id="5" name="Tijdelijke aanduiding voor inhoud 4">
@@ -6967,7 +11280,7 @@
           </p:nvPr>
         </p:nvPicPr>
         <p:blipFill>
-          <a:blip r:embed="rId2">
+          <a:blip r:embed="rId3">
             <a:clrChange>
               <a:clrFrom>
                 <a:srgbClr val="F0F0F0"/>
@@ -7016,7 +11329,7 @@
           <a:p>
             <a:fld id="{5065D76A-7BA6-4122-A9CE-1FDF014C5B90}" type="slidenum">
               <a:rPr lang="nl-BE" smtClean="0"/>
-              <a:t>20</a:t>
+              <a:t>21</a:t>
             </a:fld>
             <a:endParaRPr lang="nl-BE"/>
           </a:p>
@@ -7100,192 +11413,17 @@
               <a:rPr lang="nl-BE" dirty="0" err="1"/>
               <a:t>induction</a:t>
             </a:r>
-            <a:endParaRPr lang="nl-BE" dirty="0"/>
+            <a:r>
+              <a:rPr lang="nl-BE" dirty="0"/>
+              <a:t> (Case 3)</a:t>
+            </a:r>
           </a:p>
         </p:txBody>
       </p:sp>
     </p:spTree>
     <p:extLst>
       <p:ext uri="{BB962C8B-B14F-4D97-AF65-F5344CB8AC3E}">
-        <p14:creationId xmlns:p14="http://schemas.microsoft.com/office/powerpoint/2010/main" val="811460579"/>
-      </p:ext>
-    </p:extLst>
-  </p:cSld>
-  <p:clrMapOvr>
-    <a:masterClrMapping/>
-  </p:clrMapOvr>
-</p:sld>
-</file>
-
-<file path=ppt/slides/slide21.xml><?xml version="1.0" encoding="utf-8"?>
-<p:sld xmlns:a="http://schemas.openxmlformats.org/drawingml/2006/main" xmlns:r="http://schemas.openxmlformats.org/officeDocument/2006/relationships" xmlns:p="http://schemas.openxmlformats.org/presentationml/2006/main">
-  <p:cSld>
-    <p:spTree>
-      <p:nvGrpSpPr>
-        <p:cNvPr id="1" name=""/>
-        <p:cNvGrpSpPr/>
-        <p:nvPr/>
-      </p:nvGrpSpPr>
-      <p:grpSpPr>
-        <a:xfrm>
-          <a:off x="0" y="0"/>
-          <a:ext cx="0" cy="0"/>
-          <a:chOff x="0" y="0"/>
-          <a:chExt cx="0" cy="0"/>
-        </a:xfrm>
-      </p:grpSpPr>
-      <p:sp>
-        <p:nvSpPr>
-          <p:cNvPr id="2" name="Titel 1">
-            <a:extLst>
-              <a:ext uri="{FF2B5EF4-FFF2-40B4-BE49-F238E27FC236}">
-                <a16:creationId xmlns:a16="http://schemas.microsoft.com/office/drawing/2014/main" id="{5559FA53-9C45-4FD8-861A-9E96B2CD37C0}"/>
-              </a:ext>
-            </a:extLst>
-          </p:cNvPr>
-          <p:cNvSpPr>
-            <a:spLocks noGrp="1"/>
-          </p:cNvSpPr>
-          <p:nvPr>
-            <p:ph type="title"/>
-          </p:nvPr>
-        </p:nvSpPr>
-        <p:spPr/>
-        <p:txBody>
-          <a:bodyPr/>
-          <a:lstStyle/>
-          <a:p>
-            <a:r>
-              <a:rPr lang="nl-BE" dirty="0"/>
-              <a:t>4. </a:t>
-            </a:r>
-            <a:r>
-              <a:rPr lang="nl-BE" dirty="0" err="1"/>
-              <a:t>Horizontal</a:t>
-            </a:r>
-            <a:r>
-              <a:rPr lang="nl-BE" dirty="0"/>
-              <a:t> profile</a:t>
-            </a:r>
-          </a:p>
-        </p:txBody>
-      </p:sp>
-      <p:sp>
-        <p:nvSpPr>
-          <p:cNvPr id="3" name="Tijdelijke aanduiding voor inhoud 2">
-            <a:extLst>
-              <a:ext uri="{FF2B5EF4-FFF2-40B4-BE49-F238E27FC236}">
-                <a16:creationId xmlns:a16="http://schemas.microsoft.com/office/drawing/2014/main" id="{DCCA2066-E767-4997-963E-1030C9ED9299}"/>
-              </a:ext>
-            </a:extLst>
-          </p:cNvPr>
-          <p:cNvSpPr>
-            <a:spLocks noGrp="1"/>
-          </p:cNvSpPr>
-          <p:nvPr>
-            <p:ph idx="1"/>
-          </p:nvPr>
-        </p:nvSpPr>
-        <p:spPr/>
-        <p:txBody>
-          <a:bodyPr/>
-          <a:lstStyle/>
-          <a:p>
-            <a:r>
-              <a:rPr lang="nl-BE" dirty="0"/>
-              <a:t>WMR: at 100m </a:t>
-            </a:r>
-            <a:r>
-              <a:rPr lang="nl-BE" dirty="0" err="1"/>
-              <a:t>height</a:t>
-            </a:r>
-            <a:endParaRPr lang="nl-BE" dirty="0"/>
-          </a:p>
-          <a:p>
-            <a:r>
-              <a:rPr lang="nl-BE" dirty="0"/>
-              <a:t>LES</a:t>
-            </a:r>
-          </a:p>
-          <a:p>
-            <a:pPr lvl="1"/>
-            <a:r>
-              <a:rPr lang="nl-BE" dirty="0"/>
-              <a:t>at 100,24 m </a:t>
-            </a:r>
-            <a:r>
-              <a:rPr lang="nl-BE" dirty="0" err="1"/>
-              <a:t>and</a:t>
-            </a:r>
-            <a:r>
-              <a:rPr lang="nl-BE" dirty="0"/>
-              <a:t> 107,53 m </a:t>
-            </a:r>
-            <a:r>
-              <a:rPr lang="nl-BE" dirty="0" err="1"/>
-              <a:t>height</a:t>
-            </a:r>
-            <a:endParaRPr lang="nl-BE" dirty="0"/>
-          </a:p>
-          <a:p>
-            <a:pPr lvl="1"/>
-            <a:r>
-              <a:rPr lang="nl-BE" dirty="0" err="1"/>
-              <a:t>Spatial</a:t>
-            </a:r>
-            <a:r>
-              <a:rPr lang="nl-BE" dirty="0"/>
-              <a:t> </a:t>
-            </a:r>
-            <a:r>
-              <a:rPr lang="nl-BE" dirty="0" err="1"/>
-              <a:t>averaged</a:t>
-            </a:r>
-            <a:r>
-              <a:rPr lang="nl-BE" dirty="0"/>
-              <a:t> at 100 m </a:t>
-            </a:r>
-            <a:r>
-              <a:rPr lang="nl-BE" dirty="0" err="1"/>
-              <a:t>height</a:t>
-            </a:r>
-            <a:endParaRPr lang="nl-BE" dirty="0"/>
-          </a:p>
-        </p:txBody>
-      </p:sp>
-      <p:sp>
-        <p:nvSpPr>
-          <p:cNvPr id="4" name="Tijdelijke aanduiding voor dianummer 3">
-            <a:extLst>
-              <a:ext uri="{FF2B5EF4-FFF2-40B4-BE49-F238E27FC236}">
-                <a16:creationId xmlns:a16="http://schemas.microsoft.com/office/drawing/2014/main" id="{48C3C6C3-88AE-411E-858E-ED8B284D2036}"/>
-              </a:ext>
-            </a:extLst>
-          </p:cNvPr>
-          <p:cNvSpPr>
-            <a:spLocks noGrp="1"/>
-          </p:cNvSpPr>
-          <p:nvPr>
-            <p:ph type="sldNum" sz="quarter" idx="12"/>
-          </p:nvPr>
-        </p:nvSpPr>
-        <p:spPr/>
-        <p:txBody>
-          <a:bodyPr/>
-          <a:lstStyle/>
-          <a:p>
-            <a:fld id="{5065D76A-7BA6-4122-A9CE-1FDF014C5B90}" type="slidenum">
-              <a:rPr lang="nl-BE" smtClean="0"/>
-              <a:t>21</a:t>
-            </a:fld>
-            <a:endParaRPr lang="nl-BE"/>
-          </a:p>
-        </p:txBody>
-      </p:sp>
-    </p:spTree>
-    <p:extLst>
-      <p:ext uri="{BB962C8B-B14F-4D97-AF65-F5344CB8AC3E}">
-        <p14:creationId xmlns:p14="http://schemas.microsoft.com/office/powerpoint/2010/main" val="1151655445"/>
+        <p14:creationId xmlns:p14="http://schemas.microsoft.com/office/powerpoint/2010/main" val="3083104036"/>
       </p:ext>
     </p:extLst>
   </p:cSld>
@@ -7312,23 +11450,160 @@
           <a:chExt cx="0" cy="0"/>
         </a:xfrm>
       </p:grpSpPr>
+      <p:sp>
+        <p:nvSpPr>
+          <p:cNvPr id="4" name="Tijdelijke aanduiding voor dianummer 3">
+            <a:extLst>
+              <a:ext uri="{FF2B5EF4-FFF2-40B4-BE49-F238E27FC236}">
+                <a16:creationId xmlns:a16="http://schemas.microsoft.com/office/drawing/2014/main" id="{B66CBF1C-B833-41C9-B593-DE469B304897}"/>
+              </a:ext>
+            </a:extLst>
+          </p:cNvPr>
+          <p:cNvSpPr>
+            <a:spLocks noGrp="1"/>
+          </p:cNvSpPr>
+          <p:nvPr>
+            <p:ph type="sldNum" sz="quarter" idx="12"/>
+          </p:nvPr>
+        </p:nvSpPr>
+        <p:spPr/>
+        <p:txBody>
+          <a:bodyPr/>
+          <a:lstStyle/>
+          <a:p>
+            <a:fld id="{5065D76A-7BA6-4122-A9CE-1FDF014C5B90}" type="slidenum">
+              <a:rPr lang="nl-BE" smtClean="0"/>
+              <a:t>22</a:t>
+            </a:fld>
+            <a:endParaRPr lang="nl-BE"/>
+          </a:p>
+        </p:txBody>
+      </p:sp>
+      <p:sp>
+        <p:nvSpPr>
+          <p:cNvPr id="6" name="Titel 1">
+            <a:extLst>
+              <a:ext uri="{FF2B5EF4-FFF2-40B4-BE49-F238E27FC236}">
+                <a16:creationId xmlns:a16="http://schemas.microsoft.com/office/drawing/2014/main" id="{841A7328-EC96-4369-B9EE-DAD293AD5B87}"/>
+              </a:ext>
+            </a:extLst>
+          </p:cNvPr>
+          <p:cNvSpPr txBox="1">
+            <a:spLocks/>
+          </p:cNvSpPr>
+          <p:nvPr/>
+        </p:nvSpPr>
+        <p:spPr>
+          <a:xfrm>
+            <a:off x="838200" y="136525"/>
+            <a:ext cx="10515600" cy="1325563"/>
+          </a:xfrm>
+          <a:prstGeom prst="rect">
+            <a:avLst/>
+          </a:prstGeom>
+        </p:spPr>
+        <p:txBody>
+          <a:bodyPr vert="horz" lIns="91440" tIns="45720" rIns="91440" bIns="45720" rtlCol="0" anchor="ctr">
+            <a:normAutofit/>
+          </a:bodyPr>
+          <a:lstStyle>
+            <a:lvl1pPr algn="l" defTabSz="914400" rtl="0" eaLnBrk="1" latinLnBrk="0" hangingPunct="1">
+              <a:lnSpc>
+                <a:spcPct val="90000"/>
+              </a:lnSpc>
+              <a:spcBef>
+                <a:spcPct val="0"/>
+              </a:spcBef>
+              <a:buNone/>
+              <a:defRPr sz="4400" kern="1200">
+                <a:solidFill>
+                  <a:schemeClr val="tx1"/>
+                </a:solidFill>
+                <a:latin typeface="+mj-lt"/>
+                <a:ea typeface="+mj-ea"/>
+                <a:cs typeface="+mj-cs"/>
+              </a:defRPr>
+            </a:lvl1pPr>
+          </a:lstStyle>
+          <a:p>
+            <a:r>
+              <a:rPr lang="nl-BE" dirty="0"/>
+              <a:t>3b. </a:t>
+            </a:r>
+            <a:r>
+              <a:rPr lang="nl-BE" dirty="0" err="1"/>
+              <a:t>Comparison</a:t>
+            </a:r>
+            <a:r>
+              <a:rPr lang="nl-BE" dirty="0"/>
+              <a:t> WMR &amp; LES wind speeds </a:t>
+            </a:r>
+            <a:br>
+              <a:rPr lang="nl-BE" dirty="0"/>
+            </a:br>
+            <a:r>
+              <a:rPr lang="nl-BE" dirty="0"/>
+              <a:t>+ </a:t>
+            </a:r>
+            <a:r>
+              <a:rPr lang="nl-BE" dirty="0" err="1"/>
+              <a:t>simple</a:t>
+            </a:r>
+            <a:r>
+              <a:rPr lang="nl-BE" dirty="0"/>
+              <a:t> model </a:t>
+            </a:r>
+            <a:r>
+              <a:rPr lang="nl-BE" dirty="0" err="1"/>
+              <a:t>induction</a:t>
+            </a:r>
+            <a:r>
+              <a:rPr lang="nl-BE" dirty="0"/>
+              <a:t> (Case 1)</a:t>
+            </a:r>
+          </a:p>
+        </p:txBody>
+      </p:sp>
+      <p:sp>
+        <p:nvSpPr>
+          <p:cNvPr id="3" name="Tijdelijke aanduiding voor inhoud 2">
+            <a:extLst>
+              <a:ext uri="{FF2B5EF4-FFF2-40B4-BE49-F238E27FC236}">
+                <a16:creationId xmlns:a16="http://schemas.microsoft.com/office/drawing/2014/main" id="{82E70E89-6566-43AE-AF6A-A2F5A786D147}"/>
+              </a:ext>
+            </a:extLst>
+          </p:cNvPr>
+          <p:cNvSpPr>
+            <a:spLocks noGrp="1"/>
+          </p:cNvSpPr>
+          <p:nvPr>
+            <p:ph idx="1"/>
+          </p:nvPr>
+        </p:nvSpPr>
+        <p:spPr/>
+        <p:txBody>
+          <a:bodyPr/>
+          <a:lstStyle/>
+          <a:p>
+            <a:endParaRPr lang="nl-BE"/>
+          </a:p>
+        </p:txBody>
+      </p:sp>
       <p:pic>
         <p:nvPicPr>
-          <p:cNvPr id="5" name="Tijdelijke aanduiding voor inhoud 4">
-            <a:extLst>
-              <a:ext uri="{FF2B5EF4-FFF2-40B4-BE49-F238E27FC236}">
-                <a16:creationId xmlns:a16="http://schemas.microsoft.com/office/drawing/2014/main" id="{AB74674C-FBE1-48A6-9367-04882AC32963}"/>
+          <p:cNvPr id="7" name="Afbeelding 6">
+            <a:extLst>
+              <a:ext uri="{FF2B5EF4-FFF2-40B4-BE49-F238E27FC236}">
+                <a16:creationId xmlns:a16="http://schemas.microsoft.com/office/drawing/2014/main" id="{3AE767E0-D9BA-4504-8263-66DC17D15F13}"/>
               </a:ext>
             </a:extLst>
           </p:cNvPr>
           <p:cNvPicPr>
-            <a:picLocks noGrp="1" noChangeAspect="1"/>
+            <a:picLocks noChangeAspect="1"/>
           </p:cNvPicPr>
-          <p:nvPr>
-            <p:ph idx="1"/>
-          </p:nvPr>
+          <p:nvPr/>
         </p:nvPicPr>
-        <p:blipFill rotWithShape="1">
+        <p:blipFill>
           <a:blip r:embed="rId3">
             <a:clrChange>
               <a:clrFrom>
@@ -7341,93 +11616,24 @@
               </a:clrTo>
             </a:clrChange>
           </a:blip>
-          <a:srcRect b="817"/>
-          <a:stretch/>
+          <a:stretch>
+            <a:fillRect/>
+          </a:stretch>
         </p:blipFill>
         <p:spPr>
           <a:xfrm>
-            <a:off x="2238275" y="1343025"/>
-            <a:ext cx="7433625" cy="5208604"/>
+            <a:off x="935665" y="1321497"/>
+            <a:ext cx="10118651" cy="5399978"/>
           </a:xfrm>
           <a:prstGeom prst="rect">
             <a:avLst/>
           </a:prstGeom>
         </p:spPr>
       </p:pic>
-      <p:sp>
-        <p:nvSpPr>
-          <p:cNvPr id="4" name="Tijdelijke aanduiding voor dianummer 3">
-            <a:extLst>
-              <a:ext uri="{FF2B5EF4-FFF2-40B4-BE49-F238E27FC236}">
-                <a16:creationId xmlns:a16="http://schemas.microsoft.com/office/drawing/2014/main" id="{70EC839E-2B0F-47B6-A6F3-81C11A4D9244}"/>
-              </a:ext>
-            </a:extLst>
-          </p:cNvPr>
-          <p:cNvSpPr>
-            <a:spLocks noGrp="1"/>
-          </p:cNvSpPr>
-          <p:nvPr>
-            <p:ph type="sldNum" sz="quarter" idx="12"/>
-          </p:nvPr>
-        </p:nvSpPr>
-        <p:spPr/>
-        <p:txBody>
-          <a:bodyPr/>
-          <a:lstStyle/>
-          <a:p>
-            <a:fld id="{5065D76A-7BA6-4122-A9CE-1FDF014C5B90}" type="slidenum">
-              <a:rPr lang="nl-BE" smtClean="0"/>
-              <a:t>22</a:t>
-            </a:fld>
-            <a:endParaRPr lang="nl-BE"/>
-          </a:p>
-        </p:txBody>
-      </p:sp>
-      <p:sp>
-        <p:nvSpPr>
-          <p:cNvPr id="6" name="Titel 1">
-            <a:extLst>
-              <a:ext uri="{FF2B5EF4-FFF2-40B4-BE49-F238E27FC236}">
-                <a16:creationId xmlns:a16="http://schemas.microsoft.com/office/drawing/2014/main" id="{87F77E78-09B9-4FC4-9039-24B6F21E0B95}"/>
-              </a:ext>
-            </a:extLst>
-          </p:cNvPr>
-          <p:cNvSpPr>
-            <a:spLocks noGrp="1"/>
-          </p:cNvSpPr>
-          <p:nvPr>
-            <p:ph type="title"/>
-          </p:nvPr>
-        </p:nvSpPr>
-        <p:spPr>
-          <a:xfrm>
-            <a:off x="838200" y="228534"/>
-            <a:ext cx="10515600" cy="1325563"/>
-          </a:xfrm>
-        </p:spPr>
-        <p:txBody>
-          <a:bodyPr/>
-          <a:lstStyle/>
-          <a:p>
-            <a:r>
-              <a:rPr lang="nl-BE" dirty="0"/>
-              <a:t>4. </a:t>
-            </a:r>
-            <a:r>
-              <a:rPr lang="nl-BE" dirty="0" err="1"/>
-              <a:t>Horizontal</a:t>
-            </a:r>
-            <a:r>
-              <a:rPr lang="nl-BE" dirty="0"/>
-              <a:t> profile</a:t>
-            </a:r>
-          </a:p>
-        </p:txBody>
-      </p:sp>
     </p:spTree>
     <p:extLst>
       <p:ext uri="{BB962C8B-B14F-4D97-AF65-F5344CB8AC3E}">
-        <p14:creationId xmlns:p14="http://schemas.microsoft.com/office/powerpoint/2010/main" val="622161295"/>
+        <p14:creationId xmlns:p14="http://schemas.microsoft.com/office/powerpoint/2010/main" val="811460579"/>
       </p:ext>
     </p:extLst>
   </p:cSld>
@@ -7459,7 +11665,7 @@
           <p:cNvPr id="2" name="Titel 1">
             <a:extLst>
               <a:ext uri="{FF2B5EF4-FFF2-40B4-BE49-F238E27FC236}">
-                <a16:creationId xmlns:a16="http://schemas.microsoft.com/office/drawing/2014/main" id="{E136AED3-7259-4487-B46A-75BB24AD3FE9}"/>
+                <a16:creationId xmlns:a16="http://schemas.microsoft.com/office/drawing/2014/main" id="{5559FA53-9C45-4FD8-861A-9E96B2CD37C0}"/>
               </a:ext>
             </a:extLst>
           </p:cNvPr>
@@ -7470,12 +11676,7 @@
             <p:ph type="title"/>
           </p:nvPr>
         </p:nvSpPr>
-        <p:spPr>
-          <a:xfrm>
-            <a:off x="838200" y="-238191"/>
-            <a:ext cx="10515600" cy="1325563"/>
-          </a:xfrm>
-        </p:spPr>
+        <p:spPr/>
         <p:txBody>
           <a:bodyPr/>
           <a:lstStyle/>
@@ -7495,55 +11696,95 @@
           </a:p>
         </p:txBody>
       </p:sp>
-      <p:pic>
-        <p:nvPicPr>
-          <p:cNvPr id="5" name="Tijdelijke aanduiding voor inhoud 4">
-            <a:extLst>
-              <a:ext uri="{FF2B5EF4-FFF2-40B4-BE49-F238E27FC236}">
-                <a16:creationId xmlns:a16="http://schemas.microsoft.com/office/drawing/2014/main" id="{C0F0C7ED-91CE-42E1-A606-7624E8803545}"/>
-              </a:ext>
-            </a:extLst>
-          </p:cNvPr>
-          <p:cNvPicPr>
-            <a:picLocks noGrp="1" noChangeAspect="1"/>
-          </p:cNvPicPr>
+      <p:sp>
+        <p:nvSpPr>
+          <p:cNvPr id="3" name="Tijdelijke aanduiding voor inhoud 2">
+            <a:extLst>
+              <a:ext uri="{FF2B5EF4-FFF2-40B4-BE49-F238E27FC236}">
+                <a16:creationId xmlns:a16="http://schemas.microsoft.com/office/drawing/2014/main" id="{DCCA2066-E767-4997-963E-1030C9ED9299}"/>
+              </a:ext>
+            </a:extLst>
+          </p:cNvPr>
+          <p:cNvSpPr>
+            <a:spLocks noGrp="1"/>
+          </p:cNvSpPr>
           <p:nvPr>
             <p:ph idx="1"/>
           </p:nvPr>
-        </p:nvPicPr>
-        <p:blipFill>
-          <a:blip r:embed="rId2">
-            <a:clrChange>
-              <a:clrFrom>
-                <a:srgbClr val="F0F0F0"/>
-              </a:clrFrom>
-              <a:clrTo>
-                <a:srgbClr val="F0F0F0">
-                  <a:alpha val="0"/>
-                </a:srgbClr>
-              </a:clrTo>
-            </a:clrChange>
-          </a:blip>
-          <a:stretch>
-            <a:fillRect/>
-          </a:stretch>
-        </p:blipFill>
-        <p:spPr>
-          <a:xfrm>
-            <a:off x="1396738" y="697709"/>
-            <a:ext cx="9398524" cy="6023766"/>
-          </a:xfrm>
-          <a:prstGeom prst="rect">
-            <a:avLst/>
-          </a:prstGeom>
-        </p:spPr>
-      </p:pic>
+        </p:nvSpPr>
+        <p:spPr/>
+        <p:txBody>
+          <a:bodyPr/>
+          <a:lstStyle/>
+          <a:p>
+            <a:r>
+              <a:rPr lang="nl-BE" dirty="0"/>
+              <a:t>WMR: at 100m </a:t>
+            </a:r>
+            <a:r>
+              <a:rPr lang="nl-BE" dirty="0" err="1"/>
+              <a:t>height</a:t>
+            </a:r>
+            <a:endParaRPr lang="nl-BE" dirty="0"/>
+          </a:p>
+          <a:p>
+            <a:r>
+              <a:rPr lang="nl-BE" dirty="0"/>
+              <a:t>LES</a:t>
+            </a:r>
+          </a:p>
+          <a:p>
+            <a:pPr lvl="1"/>
+            <a:r>
+              <a:rPr lang="nl-BE" dirty="0"/>
+              <a:t>at 100,24 m </a:t>
+            </a:r>
+            <a:r>
+              <a:rPr lang="nl-BE" dirty="0" err="1"/>
+              <a:t>and</a:t>
+            </a:r>
+            <a:r>
+              <a:rPr lang="nl-BE" dirty="0"/>
+              <a:t> 107,53 m </a:t>
+            </a:r>
+            <a:r>
+              <a:rPr lang="nl-BE" dirty="0" err="1"/>
+              <a:t>height</a:t>
+            </a:r>
+            <a:endParaRPr lang="nl-BE" dirty="0"/>
+          </a:p>
+          <a:p>
+            <a:pPr lvl="1"/>
+            <a:r>
+              <a:rPr lang="nl-BE" dirty="0" err="1"/>
+              <a:t>Spatial</a:t>
+            </a:r>
+            <a:r>
+              <a:rPr lang="nl-BE" dirty="0"/>
+              <a:t> </a:t>
+            </a:r>
+            <a:r>
+              <a:rPr lang="nl-BE" dirty="0" err="1"/>
+              <a:t>averaged</a:t>
+            </a:r>
+            <a:r>
+              <a:rPr lang="nl-BE" dirty="0"/>
+              <a:t> at 100 m </a:t>
+            </a:r>
+            <a:r>
+              <a:rPr lang="nl-BE" dirty="0" err="1"/>
+              <a:t>height</a:t>
+            </a:r>
+            <a:endParaRPr lang="nl-BE" dirty="0"/>
+          </a:p>
+        </p:txBody>
+      </p:sp>
       <p:sp>
         <p:nvSpPr>
           <p:cNvPr id="4" name="Tijdelijke aanduiding voor dianummer 3">
             <a:extLst>
               <a:ext uri="{FF2B5EF4-FFF2-40B4-BE49-F238E27FC236}">
-                <a16:creationId xmlns:a16="http://schemas.microsoft.com/office/drawing/2014/main" id="{C0DE210E-AC77-4732-ACA5-40CFE4166826}"/>
+                <a16:creationId xmlns:a16="http://schemas.microsoft.com/office/drawing/2014/main" id="{48C3C6C3-88AE-411E-858E-ED8B284D2036}"/>
               </a:ext>
             </a:extLst>
           </p:cNvPr>
@@ -7570,7 +11811,7 @@
     </p:spTree>
     <p:extLst>
       <p:ext uri="{BB962C8B-B14F-4D97-AF65-F5344CB8AC3E}">
-        <p14:creationId xmlns:p14="http://schemas.microsoft.com/office/powerpoint/2010/main" val="2705112002"/>
+        <p14:creationId xmlns:p14="http://schemas.microsoft.com/office/powerpoint/2010/main" val="1151655445"/>
       </p:ext>
     </p:extLst>
   </p:cSld>
@@ -7602,7 +11843,7 @@
           <p:cNvPr id="5" name="Tijdelijke aanduiding voor inhoud 4">
             <a:extLst>
               <a:ext uri="{FF2B5EF4-FFF2-40B4-BE49-F238E27FC236}">
-                <a16:creationId xmlns:a16="http://schemas.microsoft.com/office/drawing/2014/main" id="{44A49889-2C52-4104-8AC4-27E47DEA4CCD}"/>
+                <a16:creationId xmlns:a16="http://schemas.microsoft.com/office/drawing/2014/main" id="{AB74674C-FBE1-48A6-9367-04882AC32963}"/>
               </a:ext>
             </a:extLst>
           </p:cNvPr>
@@ -7613,8 +11854,8 @@
             <p:ph idx="1"/>
           </p:nvPr>
         </p:nvPicPr>
-        <p:blipFill>
-          <a:blip r:embed="rId2">
+        <p:blipFill rotWithShape="1">
+          <a:blip r:embed="rId3">
             <a:clrChange>
               <a:clrFrom>
                 <a:srgbClr val="F0F0F0"/>
@@ -7626,14 +11867,13 @@
               </a:clrTo>
             </a:clrChange>
           </a:blip>
-          <a:stretch>
-            <a:fillRect/>
-          </a:stretch>
+          <a:srcRect b="817"/>
+          <a:stretch/>
         </p:blipFill>
         <p:spPr>
           <a:xfrm>
-            <a:off x="0" y="430212"/>
-            <a:ext cx="12002655" cy="5997575"/>
+            <a:off x="2238275" y="1343025"/>
+            <a:ext cx="7433625" cy="5208604"/>
           </a:xfrm>
           <a:prstGeom prst="rect">
             <a:avLst/>
@@ -7645,7 +11885,7 @@
           <p:cNvPr id="4" name="Tijdelijke aanduiding voor dianummer 3">
             <a:extLst>
               <a:ext uri="{FF2B5EF4-FFF2-40B4-BE49-F238E27FC236}">
-                <a16:creationId xmlns:a16="http://schemas.microsoft.com/office/drawing/2014/main" id="{06AD1857-6C6A-42CE-B4D0-168FBC70B338}"/>
+                <a16:creationId xmlns:a16="http://schemas.microsoft.com/office/drawing/2014/main" id="{70EC839E-2B0F-47B6-A6F3-81C11A4D9244}"/>
               </a:ext>
             </a:extLst>
           </p:cNvPr>
@@ -7669,10 +11909,51 @@
           </a:p>
         </p:txBody>
       </p:sp>
+      <p:sp>
+        <p:nvSpPr>
+          <p:cNvPr id="6" name="Titel 1">
+            <a:extLst>
+              <a:ext uri="{FF2B5EF4-FFF2-40B4-BE49-F238E27FC236}">
+                <a16:creationId xmlns:a16="http://schemas.microsoft.com/office/drawing/2014/main" id="{87F77E78-09B9-4FC4-9039-24B6F21E0B95}"/>
+              </a:ext>
+            </a:extLst>
+          </p:cNvPr>
+          <p:cNvSpPr>
+            <a:spLocks noGrp="1"/>
+          </p:cNvSpPr>
+          <p:nvPr>
+            <p:ph type="title"/>
+          </p:nvPr>
+        </p:nvSpPr>
+        <p:spPr>
+          <a:xfrm>
+            <a:off x="838200" y="228534"/>
+            <a:ext cx="10515600" cy="1325563"/>
+          </a:xfrm>
+        </p:spPr>
+        <p:txBody>
+          <a:bodyPr/>
+          <a:lstStyle/>
+          <a:p>
+            <a:r>
+              <a:rPr lang="nl-BE" dirty="0"/>
+              <a:t>4. </a:t>
+            </a:r>
+            <a:r>
+              <a:rPr lang="nl-BE" dirty="0" err="1"/>
+              <a:t>Horizontal</a:t>
+            </a:r>
+            <a:r>
+              <a:rPr lang="nl-BE" dirty="0"/>
+              <a:t> profile</a:t>
+            </a:r>
+          </a:p>
+        </p:txBody>
+      </p:sp>
     </p:spTree>
     <p:extLst>
       <p:ext uri="{BB962C8B-B14F-4D97-AF65-F5344CB8AC3E}">
-        <p14:creationId xmlns:p14="http://schemas.microsoft.com/office/powerpoint/2010/main" val="1876090703"/>
+        <p14:creationId xmlns:p14="http://schemas.microsoft.com/office/powerpoint/2010/main" val="622161295"/>
       </p:ext>
     </p:extLst>
   </p:cSld>
@@ -7704,7 +11985,7 @@
           <p:cNvPr id="2" name="Titel 1">
             <a:extLst>
               <a:ext uri="{FF2B5EF4-FFF2-40B4-BE49-F238E27FC236}">
-                <a16:creationId xmlns:a16="http://schemas.microsoft.com/office/drawing/2014/main" id="{84B34A89-8405-4935-A814-B6B70F2F5F94}"/>
+                <a16:creationId xmlns:a16="http://schemas.microsoft.com/office/drawing/2014/main" id="{E136AED3-7259-4487-B46A-75BB24AD3FE9}"/>
               </a:ext>
             </a:extLst>
           </p:cNvPr>
@@ -7715,128 +11996,80 @@
             <p:ph type="title"/>
           </p:nvPr>
         </p:nvSpPr>
-        <p:spPr/>
+        <p:spPr>
+          <a:xfrm>
+            <a:off x="838200" y="-238191"/>
+            <a:ext cx="10515600" cy="1325563"/>
+          </a:xfrm>
+        </p:spPr>
         <p:txBody>
           <a:bodyPr/>
           <a:lstStyle/>
           <a:p>
             <a:r>
               <a:rPr lang="nl-BE" dirty="0"/>
-              <a:t>Next steps</a:t>
-            </a:r>
-          </a:p>
-        </p:txBody>
-      </p:sp>
-      <p:sp>
-        <p:nvSpPr>
-          <p:cNvPr id="3" name="Tijdelijke aanduiding voor inhoud 2">
-            <a:extLst>
-              <a:ext uri="{FF2B5EF4-FFF2-40B4-BE49-F238E27FC236}">
-                <a16:creationId xmlns:a16="http://schemas.microsoft.com/office/drawing/2014/main" id="{5EBAFFC7-1EDF-4307-A015-20CEF83C936C}"/>
-              </a:ext>
-            </a:extLst>
-          </p:cNvPr>
-          <p:cNvSpPr>
-            <a:spLocks noGrp="1"/>
-          </p:cNvSpPr>
+              <a:t>4. </a:t>
+            </a:r>
+            <a:r>
+              <a:rPr lang="nl-BE" dirty="0" err="1"/>
+              <a:t>Horizontal</a:t>
+            </a:r>
+            <a:r>
+              <a:rPr lang="nl-BE" dirty="0"/>
+              <a:t> profile</a:t>
+            </a:r>
+          </a:p>
+        </p:txBody>
+      </p:sp>
+      <p:pic>
+        <p:nvPicPr>
+          <p:cNvPr id="5" name="Tijdelijke aanduiding voor inhoud 4">
+            <a:extLst>
+              <a:ext uri="{FF2B5EF4-FFF2-40B4-BE49-F238E27FC236}">
+                <a16:creationId xmlns:a16="http://schemas.microsoft.com/office/drawing/2014/main" id="{C0F0C7ED-91CE-42E1-A606-7624E8803545}"/>
+              </a:ext>
+            </a:extLst>
+          </p:cNvPr>
+          <p:cNvPicPr>
+            <a:picLocks noGrp="1" noChangeAspect="1"/>
+          </p:cNvPicPr>
           <p:nvPr>
             <p:ph idx="1"/>
           </p:nvPr>
-        </p:nvSpPr>
-        <p:spPr/>
-        <p:txBody>
-          <a:bodyPr/>
-          <a:lstStyle/>
-          <a:p>
-            <a:r>
-              <a:rPr lang="nl-BE" dirty="0"/>
-              <a:t>New LES </a:t>
-            </a:r>
-            <a:r>
-              <a:rPr lang="nl-BE" dirty="0" err="1"/>
-              <a:t>simulations</a:t>
-            </a:r>
-            <a:endParaRPr lang="nl-BE" dirty="0"/>
-          </a:p>
-          <a:p>
-            <a:pPr lvl="1"/>
-            <a:r>
-              <a:rPr lang="nl-BE" dirty="0" err="1"/>
-              <a:t>Turbulence</a:t>
-            </a:r>
-            <a:r>
-              <a:rPr lang="nl-BE" dirty="0"/>
-              <a:t> </a:t>
-            </a:r>
-            <a:r>
-              <a:rPr lang="nl-BE" dirty="0" err="1"/>
-              <a:t>Intensity</a:t>
-            </a:r>
-            <a:endParaRPr lang="nl-BE" dirty="0"/>
-          </a:p>
-          <a:p>
-            <a:pPr lvl="1"/>
-            <a:r>
-              <a:rPr lang="nl-BE" dirty="0" err="1"/>
-              <a:t>Inflow</a:t>
-            </a:r>
-            <a:r>
-              <a:rPr lang="nl-BE" dirty="0"/>
-              <a:t> wind speed</a:t>
-            </a:r>
-          </a:p>
-          <a:p>
-            <a:r>
-              <a:rPr lang="nl-BE" dirty="0"/>
-              <a:t>Power spectrum (Nicolai)</a:t>
-            </a:r>
-          </a:p>
-          <a:p>
-            <a:r>
-              <a:rPr lang="nl-BE" dirty="0" err="1"/>
-              <a:t>Superposition</a:t>
-            </a:r>
-            <a:r>
-              <a:rPr lang="nl-BE" dirty="0"/>
-              <a:t> of LES </a:t>
-            </a:r>
-            <a:r>
-              <a:rPr lang="nl-BE" dirty="0" err="1"/>
-              <a:t>results</a:t>
-            </a:r>
-            <a:endParaRPr lang="nl-BE" dirty="0"/>
-          </a:p>
-          <a:p>
-            <a:pPr lvl="1"/>
-            <a:r>
-              <a:rPr lang="nl-BE" dirty="0" err="1"/>
-              <a:t>Comparison</a:t>
-            </a:r>
-            <a:r>
-              <a:rPr lang="nl-BE" dirty="0"/>
-              <a:t> wind field 1WT </a:t>
-            </a:r>
-            <a:r>
-              <a:rPr lang="nl-BE" dirty="0" err="1"/>
-              <a:t>and</a:t>
-            </a:r>
-            <a:r>
-              <a:rPr lang="nl-BE" dirty="0"/>
-              <a:t> wind field 3WT</a:t>
-            </a:r>
-          </a:p>
-          <a:p>
-            <a:pPr lvl="1"/>
-            <a:endParaRPr lang="nl-BE" dirty="0"/>
-          </a:p>
-        </p:txBody>
-      </p:sp>
+        </p:nvPicPr>
+        <p:blipFill>
+          <a:blip r:embed="rId3">
+            <a:clrChange>
+              <a:clrFrom>
+                <a:srgbClr val="F0F0F0"/>
+              </a:clrFrom>
+              <a:clrTo>
+                <a:srgbClr val="F0F0F0">
+                  <a:alpha val="0"/>
+                </a:srgbClr>
+              </a:clrTo>
+            </a:clrChange>
+          </a:blip>
+          <a:stretch>
+            <a:fillRect/>
+          </a:stretch>
+        </p:blipFill>
+        <p:spPr>
+          <a:xfrm>
+            <a:off x="1396738" y="697709"/>
+            <a:ext cx="9398524" cy="6023766"/>
+          </a:xfrm>
+          <a:prstGeom prst="rect">
+            <a:avLst/>
+          </a:prstGeom>
+        </p:spPr>
+      </p:pic>
       <p:sp>
         <p:nvSpPr>
           <p:cNvPr id="4" name="Tijdelijke aanduiding voor dianummer 3">
             <a:extLst>
               <a:ext uri="{FF2B5EF4-FFF2-40B4-BE49-F238E27FC236}">
-                <a16:creationId xmlns:a16="http://schemas.microsoft.com/office/drawing/2014/main" id="{46CEE6F2-77EB-45D0-8CAF-8F462D9CCAF6}"/>
+                <a16:creationId xmlns:a16="http://schemas.microsoft.com/office/drawing/2014/main" id="{C0DE210E-AC77-4732-ACA5-40CFE4166826}"/>
               </a:ext>
             </a:extLst>
           </p:cNvPr>
@@ -7863,7 +12096,7 @@
     </p:spTree>
     <p:extLst>
       <p:ext uri="{BB962C8B-B14F-4D97-AF65-F5344CB8AC3E}">
-        <p14:creationId xmlns:p14="http://schemas.microsoft.com/office/powerpoint/2010/main" val="2632297109"/>
+        <p14:creationId xmlns:p14="http://schemas.microsoft.com/office/powerpoint/2010/main" val="2705112002"/>
       </p:ext>
     </p:extLst>
   </p:cSld>
@@ -7890,147 +12123,55 @@
           <a:chExt cx="0" cy="0"/>
         </a:xfrm>
       </p:grpSpPr>
-      <p:sp>
-        <p:nvSpPr>
-          <p:cNvPr id="2" name="Titel 1">
-            <a:extLst>
-              <a:ext uri="{FF2B5EF4-FFF2-40B4-BE49-F238E27FC236}">
-                <a16:creationId xmlns:a16="http://schemas.microsoft.com/office/drawing/2014/main" id="{D9C51CD8-FAD3-4F18-85C7-1DDA39FA2BC1}"/>
-              </a:ext>
-            </a:extLst>
-          </p:cNvPr>
-          <p:cNvSpPr>
-            <a:spLocks noGrp="1"/>
-          </p:cNvSpPr>
-          <p:nvPr>
-            <p:ph type="title"/>
-          </p:nvPr>
-        </p:nvSpPr>
-        <p:spPr/>
-        <p:txBody>
-          <a:bodyPr/>
-          <a:lstStyle/>
-          <a:p>
-            <a:r>
-              <a:rPr lang="nl-BE" dirty="0" err="1"/>
-              <a:t>Midterm</a:t>
-            </a:r>
-            <a:r>
-              <a:rPr lang="nl-BE" dirty="0"/>
-              <a:t> meeting</a:t>
-            </a:r>
-          </a:p>
-        </p:txBody>
-      </p:sp>
-      <p:sp>
-        <p:nvSpPr>
-          <p:cNvPr id="3" name="Tijdelijke aanduiding voor inhoud 2">
-            <a:extLst>
-              <a:ext uri="{FF2B5EF4-FFF2-40B4-BE49-F238E27FC236}">
-                <a16:creationId xmlns:a16="http://schemas.microsoft.com/office/drawing/2014/main" id="{70C54853-5347-42C5-B615-05715C2FA0C4}"/>
-              </a:ext>
-            </a:extLst>
-          </p:cNvPr>
-          <p:cNvSpPr>
-            <a:spLocks noGrp="1"/>
-          </p:cNvSpPr>
+      <p:pic>
+        <p:nvPicPr>
+          <p:cNvPr id="5" name="Tijdelijke aanduiding voor inhoud 4">
+            <a:extLst>
+              <a:ext uri="{FF2B5EF4-FFF2-40B4-BE49-F238E27FC236}">
+                <a16:creationId xmlns:a16="http://schemas.microsoft.com/office/drawing/2014/main" id="{44A49889-2C52-4104-8AC4-27E47DEA4CCD}"/>
+              </a:ext>
+            </a:extLst>
+          </p:cNvPr>
+          <p:cNvPicPr>
+            <a:picLocks noGrp="1" noChangeAspect="1"/>
+          </p:cNvPicPr>
           <p:nvPr>
             <p:ph idx="1"/>
           </p:nvPr>
-        </p:nvSpPr>
-        <p:spPr/>
-        <p:txBody>
-          <a:bodyPr/>
-          <a:lstStyle/>
-          <a:p>
-            <a:r>
-              <a:rPr lang="nl-BE" dirty="0" err="1"/>
-              <a:t>Monday</a:t>
-            </a:r>
-            <a:r>
-              <a:rPr lang="nl-BE" dirty="0"/>
-              <a:t> 16/04, 9:30-10:30</a:t>
-            </a:r>
-          </a:p>
-          <a:p>
-            <a:r>
-              <a:rPr lang="nl-BE" dirty="0" err="1"/>
-              <a:t>Calendar</a:t>
-            </a:r>
-            <a:r>
-              <a:rPr lang="nl-BE" dirty="0"/>
-              <a:t> </a:t>
-            </a:r>
-            <a:r>
-              <a:rPr lang="nl-BE" dirty="0" err="1"/>
-              <a:t>invitation</a:t>
-            </a:r>
-            <a:endParaRPr lang="nl-BE" dirty="0"/>
-          </a:p>
-          <a:p>
-            <a:r>
-              <a:rPr lang="nl-BE" dirty="0"/>
-              <a:t>15-20 min </a:t>
-            </a:r>
-            <a:r>
-              <a:rPr lang="nl-BE" dirty="0" err="1"/>
-              <a:t>presentation</a:t>
-            </a:r>
-            <a:r>
-              <a:rPr lang="nl-BE" dirty="0"/>
-              <a:t> + </a:t>
-            </a:r>
-            <a:r>
-              <a:rPr lang="nl-BE" dirty="0" err="1"/>
-              <a:t>questions</a:t>
-            </a:r>
-            <a:endParaRPr lang="nl-BE" dirty="0"/>
-          </a:p>
-          <a:p>
-            <a:r>
-              <a:rPr lang="nl-BE" dirty="0"/>
-              <a:t>Draft report</a:t>
-            </a:r>
-          </a:p>
-          <a:p>
-            <a:endParaRPr lang="nl-BE" dirty="0"/>
-          </a:p>
-          <a:p>
-            <a:r>
-              <a:rPr lang="nl-BE" dirty="0"/>
-              <a:t>Next meeting? (</a:t>
-            </a:r>
-            <a:r>
-              <a:rPr lang="nl-BE" dirty="0" err="1"/>
-              <a:t>planned</a:t>
-            </a:r>
-            <a:r>
-              <a:rPr lang="nl-BE" dirty="0"/>
-              <a:t> on </a:t>
-            </a:r>
-            <a:r>
-              <a:rPr lang="nl-BE" dirty="0" err="1"/>
-              <a:t>Tuesday</a:t>
-            </a:r>
-            <a:r>
-              <a:rPr lang="nl-BE" dirty="0"/>
-              <a:t> 10/04 at 14:00)</a:t>
-            </a:r>
-          </a:p>
-          <a:p>
-            <a:endParaRPr lang="nl-BE" dirty="0"/>
-          </a:p>
-          <a:p>
-            <a:endParaRPr lang="nl-BE" dirty="0"/>
-          </a:p>
-        </p:txBody>
-      </p:sp>
+        </p:nvPicPr>
+        <p:blipFill>
+          <a:blip r:embed="rId3">
+            <a:clrChange>
+              <a:clrFrom>
+                <a:srgbClr val="F0F0F0"/>
+              </a:clrFrom>
+              <a:clrTo>
+                <a:srgbClr val="F0F0F0">
+                  <a:alpha val="0"/>
+                </a:srgbClr>
+              </a:clrTo>
+            </a:clrChange>
+          </a:blip>
+          <a:stretch>
+            <a:fillRect/>
+          </a:stretch>
+        </p:blipFill>
+        <p:spPr>
+          <a:xfrm>
+            <a:off x="0" y="430212"/>
+            <a:ext cx="12002655" cy="5997575"/>
+          </a:xfrm>
+          <a:prstGeom prst="rect">
+            <a:avLst/>
+          </a:prstGeom>
+        </p:spPr>
+      </p:pic>
       <p:sp>
         <p:nvSpPr>
           <p:cNvPr id="4" name="Tijdelijke aanduiding voor dianummer 3">
             <a:extLst>
               <a:ext uri="{FF2B5EF4-FFF2-40B4-BE49-F238E27FC236}">
-                <a16:creationId xmlns:a16="http://schemas.microsoft.com/office/drawing/2014/main" id="{2952200C-1B61-4624-B3B9-8A8346585D47}"/>
+                <a16:creationId xmlns:a16="http://schemas.microsoft.com/office/drawing/2014/main" id="{06AD1857-6C6A-42CE-B4D0-168FBC70B338}"/>
               </a:ext>
             </a:extLst>
           </p:cNvPr>
@@ -8049,6 +12190,383 @@
             <a:fld id="{5065D76A-7BA6-4122-A9CE-1FDF014C5B90}" type="slidenum">
               <a:rPr lang="nl-BE" smtClean="0"/>
               <a:t>26</a:t>
+            </a:fld>
+            <a:endParaRPr lang="nl-BE"/>
+          </a:p>
+        </p:txBody>
+      </p:sp>
+    </p:spTree>
+    <p:extLst>
+      <p:ext uri="{BB962C8B-B14F-4D97-AF65-F5344CB8AC3E}">
+        <p14:creationId xmlns:p14="http://schemas.microsoft.com/office/powerpoint/2010/main" val="1876090703"/>
+      </p:ext>
+    </p:extLst>
+  </p:cSld>
+  <p:clrMapOvr>
+    <a:masterClrMapping/>
+  </p:clrMapOvr>
+</p:sld>
+</file>
+
+<file path=ppt/slides/slide27.xml><?xml version="1.0" encoding="utf-8"?>
+<p:sld xmlns:a="http://schemas.openxmlformats.org/drawingml/2006/main" xmlns:r="http://schemas.openxmlformats.org/officeDocument/2006/relationships" xmlns:p="http://schemas.openxmlformats.org/presentationml/2006/main">
+  <p:cSld>
+    <p:spTree>
+      <p:nvGrpSpPr>
+        <p:cNvPr id="1" name=""/>
+        <p:cNvGrpSpPr/>
+        <p:nvPr/>
+      </p:nvGrpSpPr>
+      <p:grpSpPr>
+        <a:xfrm>
+          <a:off x="0" y="0"/>
+          <a:ext cx="0" cy="0"/>
+          <a:chOff x="0" y="0"/>
+          <a:chExt cx="0" cy="0"/>
+        </a:xfrm>
+      </p:grpSpPr>
+      <p:sp>
+        <p:nvSpPr>
+          <p:cNvPr id="2" name="Titel 1">
+            <a:extLst>
+              <a:ext uri="{FF2B5EF4-FFF2-40B4-BE49-F238E27FC236}">
+                <a16:creationId xmlns:a16="http://schemas.microsoft.com/office/drawing/2014/main" id="{84B34A89-8405-4935-A814-B6B70F2F5F94}"/>
+              </a:ext>
+            </a:extLst>
+          </p:cNvPr>
+          <p:cNvSpPr>
+            <a:spLocks noGrp="1"/>
+          </p:cNvSpPr>
+          <p:nvPr>
+            <p:ph type="title"/>
+          </p:nvPr>
+        </p:nvSpPr>
+        <p:spPr/>
+        <p:txBody>
+          <a:bodyPr/>
+          <a:lstStyle/>
+          <a:p>
+            <a:r>
+              <a:rPr lang="nl-BE" dirty="0"/>
+              <a:t>Next steps</a:t>
+            </a:r>
+          </a:p>
+        </p:txBody>
+      </p:sp>
+      <p:sp>
+        <p:nvSpPr>
+          <p:cNvPr id="3" name="Tijdelijke aanduiding voor inhoud 2">
+            <a:extLst>
+              <a:ext uri="{FF2B5EF4-FFF2-40B4-BE49-F238E27FC236}">
+                <a16:creationId xmlns:a16="http://schemas.microsoft.com/office/drawing/2014/main" id="{5EBAFFC7-1EDF-4307-A015-20CEF83C936C}"/>
+              </a:ext>
+            </a:extLst>
+          </p:cNvPr>
+          <p:cNvSpPr>
+            <a:spLocks noGrp="1"/>
+          </p:cNvSpPr>
+          <p:nvPr>
+            <p:ph idx="1"/>
+          </p:nvPr>
+        </p:nvSpPr>
+        <p:spPr/>
+        <p:txBody>
+          <a:bodyPr/>
+          <a:lstStyle/>
+          <a:p>
+            <a:r>
+              <a:rPr lang="nl-BE" dirty="0"/>
+              <a:t>New LES </a:t>
+            </a:r>
+            <a:r>
+              <a:rPr lang="nl-BE" dirty="0" err="1"/>
+              <a:t>simulations</a:t>
+            </a:r>
+            <a:endParaRPr lang="nl-BE" dirty="0"/>
+          </a:p>
+          <a:p>
+            <a:pPr lvl="1"/>
+            <a:r>
+              <a:rPr lang="nl-BE" dirty="0" err="1"/>
+              <a:t>Turbulence</a:t>
+            </a:r>
+            <a:r>
+              <a:rPr lang="nl-BE" dirty="0"/>
+              <a:t> </a:t>
+            </a:r>
+            <a:r>
+              <a:rPr lang="nl-BE" dirty="0" err="1"/>
+              <a:t>Intensity</a:t>
+            </a:r>
+            <a:endParaRPr lang="nl-BE" dirty="0"/>
+          </a:p>
+          <a:p>
+            <a:pPr lvl="1"/>
+            <a:r>
+              <a:rPr lang="nl-BE" dirty="0" err="1"/>
+              <a:t>Inflow</a:t>
+            </a:r>
+            <a:r>
+              <a:rPr lang="nl-BE" dirty="0"/>
+              <a:t> wind speed</a:t>
+            </a:r>
+          </a:p>
+          <a:p>
+            <a:r>
+              <a:rPr lang="nl-BE" dirty="0"/>
+              <a:t>Power spectrum (Nicolai)</a:t>
+            </a:r>
+          </a:p>
+          <a:p>
+            <a:r>
+              <a:rPr lang="nl-BE" dirty="0" err="1"/>
+              <a:t>Superposition</a:t>
+            </a:r>
+            <a:r>
+              <a:rPr lang="nl-BE" dirty="0"/>
+              <a:t> of LES </a:t>
+            </a:r>
+            <a:r>
+              <a:rPr lang="nl-BE" dirty="0" err="1"/>
+              <a:t>results</a:t>
+            </a:r>
+            <a:endParaRPr lang="nl-BE" dirty="0"/>
+          </a:p>
+          <a:p>
+            <a:pPr lvl="1"/>
+            <a:r>
+              <a:rPr lang="nl-BE" dirty="0" err="1"/>
+              <a:t>Comparison</a:t>
+            </a:r>
+            <a:r>
+              <a:rPr lang="nl-BE" dirty="0"/>
+              <a:t> wind field 1WT </a:t>
+            </a:r>
+            <a:r>
+              <a:rPr lang="nl-BE" dirty="0" err="1"/>
+              <a:t>and</a:t>
+            </a:r>
+            <a:r>
+              <a:rPr lang="nl-BE" dirty="0"/>
+              <a:t> wind field 3WT</a:t>
+            </a:r>
+          </a:p>
+          <a:p>
+            <a:pPr lvl="1"/>
+            <a:endParaRPr lang="nl-BE" dirty="0"/>
+          </a:p>
+        </p:txBody>
+      </p:sp>
+      <p:sp>
+        <p:nvSpPr>
+          <p:cNvPr id="4" name="Tijdelijke aanduiding voor dianummer 3">
+            <a:extLst>
+              <a:ext uri="{FF2B5EF4-FFF2-40B4-BE49-F238E27FC236}">
+                <a16:creationId xmlns:a16="http://schemas.microsoft.com/office/drawing/2014/main" id="{46CEE6F2-77EB-45D0-8CAF-8F462D9CCAF6}"/>
+              </a:ext>
+            </a:extLst>
+          </p:cNvPr>
+          <p:cNvSpPr>
+            <a:spLocks noGrp="1"/>
+          </p:cNvSpPr>
+          <p:nvPr>
+            <p:ph type="sldNum" sz="quarter" idx="12"/>
+          </p:nvPr>
+        </p:nvSpPr>
+        <p:spPr/>
+        <p:txBody>
+          <a:bodyPr/>
+          <a:lstStyle/>
+          <a:p>
+            <a:fld id="{5065D76A-7BA6-4122-A9CE-1FDF014C5B90}" type="slidenum">
+              <a:rPr lang="nl-BE" smtClean="0"/>
+              <a:t>27</a:t>
+            </a:fld>
+            <a:endParaRPr lang="nl-BE"/>
+          </a:p>
+        </p:txBody>
+      </p:sp>
+    </p:spTree>
+    <p:extLst>
+      <p:ext uri="{BB962C8B-B14F-4D97-AF65-F5344CB8AC3E}">
+        <p14:creationId xmlns:p14="http://schemas.microsoft.com/office/powerpoint/2010/main" val="2632297109"/>
+      </p:ext>
+    </p:extLst>
+  </p:cSld>
+  <p:clrMapOvr>
+    <a:masterClrMapping/>
+  </p:clrMapOvr>
+</p:sld>
+</file>
+
+<file path=ppt/slides/slide28.xml><?xml version="1.0" encoding="utf-8"?>
+<p:sld xmlns:a="http://schemas.openxmlformats.org/drawingml/2006/main" xmlns:r="http://schemas.openxmlformats.org/officeDocument/2006/relationships" xmlns:p="http://schemas.openxmlformats.org/presentationml/2006/main">
+  <p:cSld>
+    <p:spTree>
+      <p:nvGrpSpPr>
+        <p:cNvPr id="1" name=""/>
+        <p:cNvGrpSpPr/>
+        <p:nvPr/>
+      </p:nvGrpSpPr>
+      <p:grpSpPr>
+        <a:xfrm>
+          <a:off x="0" y="0"/>
+          <a:ext cx="0" cy="0"/>
+          <a:chOff x="0" y="0"/>
+          <a:chExt cx="0" cy="0"/>
+        </a:xfrm>
+      </p:grpSpPr>
+      <p:sp>
+        <p:nvSpPr>
+          <p:cNvPr id="2" name="Titel 1">
+            <a:extLst>
+              <a:ext uri="{FF2B5EF4-FFF2-40B4-BE49-F238E27FC236}">
+                <a16:creationId xmlns:a16="http://schemas.microsoft.com/office/drawing/2014/main" id="{D9C51CD8-FAD3-4F18-85C7-1DDA39FA2BC1}"/>
+              </a:ext>
+            </a:extLst>
+          </p:cNvPr>
+          <p:cNvSpPr>
+            <a:spLocks noGrp="1"/>
+          </p:cNvSpPr>
+          <p:nvPr>
+            <p:ph type="title"/>
+          </p:nvPr>
+        </p:nvSpPr>
+        <p:spPr/>
+        <p:txBody>
+          <a:bodyPr/>
+          <a:lstStyle/>
+          <a:p>
+            <a:r>
+              <a:rPr lang="nl-BE" dirty="0" err="1"/>
+              <a:t>Midterm</a:t>
+            </a:r>
+            <a:r>
+              <a:rPr lang="nl-BE" dirty="0"/>
+              <a:t> meeting</a:t>
+            </a:r>
+          </a:p>
+        </p:txBody>
+      </p:sp>
+      <p:sp>
+        <p:nvSpPr>
+          <p:cNvPr id="3" name="Tijdelijke aanduiding voor inhoud 2">
+            <a:extLst>
+              <a:ext uri="{FF2B5EF4-FFF2-40B4-BE49-F238E27FC236}">
+                <a16:creationId xmlns:a16="http://schemas.microsoft.com/office/drawing/2014/main" id="{70C54853-5347-42C5-B615-05715C2FA0C4}"/>
+              </a:ext>
+            </a:extLst>
+          </p:cNvPr>
+          <p:cNvSpPr>
+            <a:spLocks noGrp="1"/>
+          </p:cNvSpPr>
+          <p:nvPr>
+            <p:ph idx="1"/>
+          </p:nvPr>
+        </p:nvSpPr>
+        <p:spPr/>
+        <p:txBody>
+          <a:bodyPr/>
+          <a:lstStyle/>
+          <a:p>
+            <a:r>
+              <a:rPr lang="nl-BE" dirty="0" err="1"/>
+              <a:t>Monday</a:t>
+            </a:r>
+            <a:r>
+              <a:rPr lang="nl-BE" dirty="0"/>
+              <a:t> 16/04, 9:30-10:30</a:t>
+            </a:r>
+          </a:p>
+          <a:p>
+            <a:r>
+              <a:rPr lang="nl-BE" dirty="0" err="1"/>
+              <a:t>Calendar</a:t>
+            </a:r>
+            <a:r>
+              <a:rPr lang="nl-BE" dirty="0"/>
+              <a:t> </a:t>
+            </a:r>
+            <a:r>
+              <a:rPr lang="nl-BE" dirty="0" err="1"/>
+              <a:t>invitation</a:t>
+            </a:r>
+            <a:endParaRPr lang="nl-BE" dirty="0"/>
+          </a:p>
+          <a:p>
+            <a:r>
+              <a:rPr lang="nl-BE" dirty="0"/>
+              <a:t>15-20 min </a:t>
+            </a:r>
+            <a:r>
+              <a:rPr lang="nl-BE" dirty="0" err="1"/>
+              <a:t>presentation</a:t>
+            </a:r>
+            <a:r>
+              <a:rPr lang="nl-BE" dirty="0"/>
+              <a:t> + </a:t>
+            </a:r>
+            <a:r>
+              <a:rPr lang="nl-BE" dirty="0" err="1"/>
+              <a:t>questions</a:t>
+            </a:r>
+            <a:endParaRPr lang="nl-BE" dirty="0"/>
+          </a:p>
+          <a:p>
+            <a:r>
+              <a:rPr lang="nl-BE" dirty="0"/>
+              <a:t>Draft report</a:t>
+            </a:r>
+          </a:p>
+          <a:p>
+            <a:endParaRPr lang="nl-BE" dirty="0"/>
+          </a:p>
+          <a:p>
+            <a:r>
+              <a:rPr lang="nl-BE" dirty="0"/>
+              <a:t>Next meeting? (</a:t>
+            </a:r>
+            <a:r>
+              <a:rPr lang="nl-BE" dirty="0" err="1"/>
+              <a:t>Tuesday</a:t>
+            </a:r>
+            <a:r>
+              <a:rPr lang="nl-BE" dirty="0"/>
+              <a:t> 10/04 at 14:00)</a:t>
+            </a:r>
+          </a:p>
+          <a:p>
+            <a:endParaRPr lang="nl-BE" dirty="0"/>
+          </a:p>
+          <a:p>
+            <a:endParaRPr lang="nl-BE" dirty="0"/>
+          </a:p>
+        </p:txBody>
+      </p:sp>
+      <p:sp>
+        <p:nvSpPr>
+          <p:cNvPr id="4" name="Tijdelijke aanduiding voor dianummer 3">
+            <a:extLst>
+              <a:ext uri="{FF2B5EF4-FFF2-40B4-BE49-F238E27FC236}">
+                <a16:creationId xmlns:a16="http://schemas.microsoft.com/office/drawing/2014/main" id="{2952200C-1B61-4624-B3B9-8A8346585D47}"/>
+              </a:ext>
+            </a:extLst>
+          </p:cNvPr>
+          <p:cNvSpPr>
+            <a:spLocks noGrp="1"/>
+          </p:cNvSpPr>
+          <p:nvPr>
+            <p:ph type="sldNum" sz="quarter" idx="12"/>
+          </p:nvPr>
+        </p:nvSpPr>
+        <p:spPr/>
+        <p:txBody>
+          <a:bodyPr/>
+          <a:lstStyle/>
+          <a:p>
+            <a:fld id="{5065D76A-7BA6-4122-A9CE-1FDF014C5B90}" type="slidenum">
+              <a:rPr lang="nl-BE" smtClean="0"/>
+              <a:t>28</a:t>
             </a:fld>
             <a:endParaRPr lang="nl-BE"/>
           </a:p>
@@ -8129,7 +12647,7 @@
           </p:nvPr>
         </p:nvPicPr>
         <p:blipFill>
-          <a:blip r:embed="rId2">
+          <a:blip r:embed="rId3">
             <a:extLst>
               <a:ext uri="{28A0092B-C50C-407E-A947-70E740481C1C}">
                 <a14:useLocalDpi xmlns:a14="http://schemas.microsoft.com/office/drawing/2010/main" val="0"/>
@@ -8391,7 +12909,7 @@
           </p:nvPr>
         </p:nvPicPr>
         <p:blipFill>
-          <a:blip r:embed="rId2">
+          <a:blip r:embed="rId3">
             <a:clrChange>
               <a:clrFrom>
                 <a:srgbClr val="F0F0F0"/>
@@ -8626,7 +13144,7 @@
           </p:nvPr>
         </p:nvPicPr>
         <p:blipFill rotWithShape="1">
-          <a:blip r:embed="rId2">
+          <a:blip r:embed="rId3">
             <a:extLst>
               <a:ext uri="{28A0092B-C50C-407E-A947-70E740481C1C}">
                 <a14:useLocalDpi xmlns:a14="http://schemas.microsoft.com/office/drawing/2010/main" val="0"/>
@@ -8658,7 +13176,7 @@
           <p:nvPr/>
         </p:nvPicPr>
         <p:blipFill rotWithShape="1">
-          <a:blip r:embed="rId3">
+          <a:blip r:embed="rId4">
             <a:extLst>
               <a:ext uri="{28A0092B-C50C-407E-A947-70E740481C1C}">
                 <a14:useLocalDpi xmlns:a14="http://schemas.microsoft.com/office/drawing/2010/main" val="0"/>
@@ -9021,7 +13539,7 @@
           <p:nvPr/>
         </p:nvPicPr>
         <p:blipFill>
-          <a:blip r:embed="rId2">
+          <a:blip r:embed="rId3">
             <a:clrChange>
               <a:clrFrom>
                 <a:srgbClr val="F0F0F0"/>
@@ -9062,7 +13580,7 @@
           <p:nvPr/>
         </p:nvPicPr>
         <p:blipFill>
-          <a:blip r:embed="rId3">
+          <a:blip r:embed="rId4">
             <a:clrChange>
               <a:clrFrom>
                 <a:srgbClr val="F0F0F0"/>
@@ -9356,7 +13874,7 @@
           <p:nvPr/>
         </p:nvPicPr>
         <p:blipFill>
-          <a:blip r:embed="rId2">
+          <a:blip r:embed="rId3">
             <a:clrChange>
               <a:clrFrom>
                 <a:srgbClr val="F0F0F0"/>
